--- a/项目计划.pptx
+++ b/项目计划.pptx
@@ -13,14 +13,17 @@
     <p:sldId id="261" r:id="rId7"/>
     <p:sldId id="262" r:id="rId8"/>
     <p:sldId id="263" r:id="rId9"/>
-    <p:sldId id="264" r:id="rId10"/>
-    <p:sldId id="265" r:id="rId11"/>
-    <p:sldId id="266" r:id="rId12"/>
-    <p:sldId id="267" r:id="rId13"/>
-    <p:sldId id="268" r:id="rId14"/>
-    <p:sldId id="269" r:id="rId15"/>
-    <p:sldId id="270" r:id="rId16"/>
-    <p:sldId id="271" r:id="rId17"/>
+    <p:sldId id="272" r:id="rId10"/>
+    <p:sldId id="273" r:id="rId11"/>
+    <p:sldId id="274" r:id="rId12"/>
+    <p:sldId id="264" r:id="rId13"/>
+    <p:sldId id="265" r:id="rId14"/>
+    <p:sldId id="266" r:id="rId15"/>
+    <p:sldId id="267" r:id="rId16"/>
+    <p:sldId id="268" r:id="rId17"/>
+    <p:sldId id="269" r:id="rId18"/>
+    <p:sldId id="270" r:id="rId19"/>
+    <p:sldId id="271" r:id="rId20"/>
   </p:sldIdLst>
   <p:sldSz cx="9144000" cy="6858000" type="screen4x3"/>
   <p:notesSz cx="6858000" cy="9144000"/>
@@ -181,7 +184,7 @@
           <a:p>
             <a:fld id="{DD8DEB8A-7DC9-4460-89D1-0B81B49F64E2}" type="datetimeFigureOut">
               <a:rPr lang="zh-CN" altLang="en-US" smtClean="0"/>
-              <a:t>2017/3/27</a:t>
+              <a:t>2017/4/9</a:t>
             </a:fld>
             <a:endParaRPr lang="zh-CN" altLang="en-US"/>
           </a:p>
@@ -497,7 +500,7 @@
           <a:p>
             <a:fld id="{DD8DEB8A-7DC9-4460-89D1-0B81B49F64E2}" type="datetimeFigureOut">
               <a:rPr lang="zh-CN" altLang="en-US" smtClean="0"/>
-              <a:t>2017/3/27</a:t>
+              <a:t>2017/4/9</a:t>
             </a:fld>
             <a:endParaRPr lang="zh-CN" altLang="en-US"/>
           </a:p>
@@ -672,7 +675,7 @@
           <a:p>
             <a:fld id="{DD8DEB8A-7DC9-4460-89D1-0B81B49F64E2}" type="datetimeFigureOut">
               <a:rPr lang="zh-CN" altLang="en-US" smtClean="0"/>
-              <a:t>2017/3/27</a:t>
+              <a:t>2017/4/9</a:t>
             </a:fld>
             <a:endParaRPr lang="zh-CN" altLang="en-US"/>
           </a:p>
@@ -790,7 +793,7 @@
           <a:p>
             <a:fld id="{DD8DEB8A-7DC9-4460-89D1-0B81B49F64E2}" type="datetimeFigureOut">
               <a:rPr lang="zh-CN" altLang="en-US" smtClean="0"/>
-              <a:t>2017/3/27</a:t>
+              <a:t>2017/4/9</a:t>
             </a:fld>
             <a:endParaRPr lang="zh-CN" altLang="en-US"/>
           </a:p>
@@ -1088,7 +1091,7 @@
           <a:p>
             <a:fld id="{DD8DEB8A-7DC9-4460-89D1-0B81B49F64E2}" type="datetimeFigureOut">
               <a:rPr lang="zh-CN" altLang="en-US" smtClean="0"/>
-              <a:t>2017/3/27</a:t>
+              <a:t>2017/4/9</a:t>
             </a:fld>
             <a:endParaRPr lang="zh-CN" altLang="en-US"/>
           </a:p>
@@ -1381,7 +1384,7 @@
           <a:p>
             <a:fld id="{DD8DEB8A-7DC9-4460-89D1-0B81B49F64E2}" type="datetimeFigureOut">
               <a:rPr lang="zh-CN" altLang="en-US" smtClean="0"/>
-              <a:t>2017/3/27</a:t>
+              <a:t>2017/4/9</a:t>
             </a:fld>
             <a:endParaRPr lang="zh-CN" altLang="en-US"/>
           </a:p>
@@ -1809,7 +1812,7 @@
           <a:p>
             <a:fld id="{DD8DEB8A-7DC9-4460-89D1-0B81B49F64E2}" type="datetimeFigureOut">
               <a:rPr lang="zh-CN" altLang="en-US" smtClean="0"/>
-              <a:t>2017/3/27</a:t>
+              <a:t>2017/4/9</a:t>
             </a:fld>
             <a:endParaRPr lang="zh-CN" altLang="en-US"/>
           </a:p>
@@ -1927,7 +1930,7 @@
           <a:p>
             <a:fld id="{DD8DEB8A-7DC9-4460-89D1-0B81B49F64E2}" type="datetimeFigureOut">
               <a:rPr lang="zh-CN" altLang="en-US" smtClean="0"/>
-              <a:t>2017/3/27</a:t>
+              <a:t>2017/4/9</a:t>
             </a:fld>
             <a:endParaRPr lang="zh-CN" altLang="en-US"/>
           </a:p>
@@ -2017,7 +2020,7 @@
           <a:p>
             <a:fld id="{DD8DEB8A-7DC9-4460-89D1-0B81B49F64E2}" type="datetimeFigureOut">
               <a:rPr lang="zh-CN" altLang="en-US" smtClean="0"/>
-              <a:t>2017/3/27</a:t>
+              <a:t>2017/4/9</a:t>
             </a:fld>
             <a:endParaRPr lang="zh-CN" altLang="en-US"/>
           </a:p>
@@ -2267,7 +2270,7 @@
           <a:p>
             <a:fld id="{DD8DEB8A-7DC9-4460-89D1-0B81B49F64E2}" type="datetimeFigureOut">
               <a:rPr lang="zh-CN" altLang="en-US" smtClean="0"/>
-              <a:t>2017/3/27</a:t>
+              <a:t>2017/4/9</a:t>
             </a:fld>
             <a:endParaRPr lang="zh-CN" altLang="en-US"/>
           </a:p>
@@ -2783,7 +2786,7 @@
           <a:p>
             <a:fld id="{DD8DEB8A-7DC9-4460-89D1-0B81B49F64E2}" type="datetimeFigureOut">
               <a:rPr lang="zh-CN" altLang="en-US" smtClean="0"/>
-              <a:t>2017/3/27</a:t>
+              <a:t>2017/4/9</a:t>
             </a:fld>
             <a:endParaRPr lang="zh-CN" altLang="en-US"/>
           </a:p>
@@ -3013,7 +3016,7 @@
           <a:p>
             <a:fld id="{DD8DEB8A-7DC9-4460-89D1-0B81B49F64E2}" type="datetimeFigureOut">
               <a:rPr lang="zh-CN" altLang="en-US" smtClean="0"/>
-              <a:t>2017/3/27</a:t>
+              <a:t>2017/4/9</a:t>
             </a:fld>
             <a:endParaRPr lang="zh-CN" altLang="en-US"/>
           </a:p>
@@ -3604,13 +3607,13 @@
   <p:clrMapOvr>
     <a:masterClrMapping/>
   </p:clrMapOvr>
-  <mc:AlternateContent xmlns:mc="http://schemas.openxmlformats.org/markup-compatibility/2006">
-    <mc:Choice xmlns:p14="http://schemas.microsoft.com/office/powerpoint/2010/main" Requires="p14">
+  <mc:AlternateContent xmlns:mc="http://schemas.openxmlformats.org/markup-compatibility/2006" xmlns:p14="http://schemas.microsoft.com/office/powerpoint/2010/main">
+    <mc:Choice Requires="p14">
       <p:transition spd="slow" p14:dur="1400">
         <p14:ripple/>
       </p:transition>
     </mc:Choice>
-    <mc:Fallback>
+    <mc:Fallback xmlns="">
       <p:transition spd="slow">
         <p:fade/>
       </p:transition>
@@ -3653,6 +3656,1770 @@
             <p:ph type="title"/>
           </p:nvPr>
         </p:nvSpPr>
+        <p:spPr/>
+        <p:txBody>
+          <a:bodyPr/>
+          <a:lstStyle/>
+          <a:p>
+            <a:r>
+              <a:rPr lang="en-US" altLang="zh-CN" dirty="0" smtClean="0"/>
+              <a:t>3.1</a:t>
+            </a:r>
+            <a:r>
+              <a:rPr lang="zh-CN" altLang="en-US" dirty="0" smtClean="0"/>
+              <a:t>调查需求分析的抽样展示</a:t>
+            </a:r>
+            <a:endParaRPr lang="zh-CN" altLang="en-US" dirty="0"/>
+          </a:p>
+        </p:txBody>
+      </p:sp>
+      <p:sp>
+        <p:nvSpPr>
+          <p:cNvPr id="4" name="内容占位符 3"/>
+          <p:cNvSpPr>
+            <a:spLocks noGrp="1"/>
+          </p:cNvSpPr>
+          <p:nvPr>
+            <p:ph sz="quarter" idx="13"/>
+          </p:nvPr>
+        </p:nvSpPr>
+        <p:spPr/>
+        <p:txBody>
+          <a:bodyPr/>
+          <a:lstStyle/>
+          <a:p>
+            <a:endParaRPr lang="zh-CN" altLang="en-US"/>
+          </a:p>
+        </p:txBody>
+      </p:sp>
+      <p:pic>
+        <p:nvPicPr>
+          <p:cNvPr id="2055" name="Picture 7"/>
+          <p:cNvPicPr>
+            <a:picLocks noChangeAspect="1" noChangeArrowheads="1"/>
+          </p:cNvPicPr>
+          <p:nvPr/>
+        </p:nvPicPr>
+        <p:blipFill>
+          <a:blip r:embed="rId2">
+            <a:extLst>
+              <a:ext uri="{28A0092B-C50C-407E-A947-70E740481C1C}">
+                <a14:useLocalDpi xmlns:a14="http://schemas.microsoft.com/office/drawing/2010/main" val="0"/>
+              </a:ext>
+            </a:extLst>
+          </a:blip>
+          <a:srcRect/>
+          <a:stretch>
+            <a:fillRect/>
+          </a:stretch>
+        </p:blipFill>
+        <p:spPr bwMode="auto">
+          <a:xfrm>
+            <a:off x="467544" y="328993"/>
+            <a:ext cx="8401050" cy="6210300"/>
+          </a:xfrm>
+          <a:prstGeom prst="rect">
+            <a:avLst/>
+          </a:prstGeom>
+          <a:noFill/>
+          <a:ln>
+            <a:noFill/>
+          </a:ln>
+          <a:extLst>
+            <a:ext uri="{909E8E84-426E-40DD-AFC4-6F175D3DCCD1}">
+              <a14:hiddenFill xmlns:a14="http://schemas.microsoft.com/office/drawing/2010/main">
+                <a:solidFill>
+                  <a:schemeClr val="accent1"/>
+                </a:solidFill>
+              </a14:hiddenFill>
+            </a:ext>
+            <a:ext uri="{91240B29-F687-4F45-9708-019B960494DF}">
+              <a14:hiddenLine xmlns:a14="http://schemas.microsoft.com/office/drawing/2010/main" w="9525">
+                <a:solidFill>
+                  <a:schemeClr val="tx1"/>
+                </a:solidFill>
+                <a:miter lim="800000"/>
+                <a:headEnd/>
+                <a:tailEnd/>
+              </a14:hiddenLine>
+            </a:ext>
+          </a:extLst>
+        </p:spPr>
+      </p:pic>
+      <p:pic>
+        <p:nvPicPr>
+          <p:cNvPr id="2056" name="Picture 8" descr="C:\Users\zdg\AppData\Roaming\Tencent\Users\380207345\QQ\WinTemp\RichOle\N[P7YOLNSC[(DB_T}{%}4~M.png"/>
+          <p:cNvPicPr>
+            <a:picLocks noChangeAspect="1" noChangeArrowheads="1"/>
+          </p:cNvPicPr>
+          <p:nvPr/>
+        </p:nvPicPr>
+        <p:blipFill>
+          <a:blip r:embed="rId3">
+            <a:extLst>
+              <a:ext uri="{28A0092B-C50C-407E-A947-70E740481C1C}">
+                <a14:useLocalDpi xmlns:a14="http://schemas.microsoft.com/office/drawing/2010/main" val="0"/>
+              </a:ext>
+            </a:extLst>
+          </a:blip>
+          <a:srcRect/>
+          <a:stretch>
+            <a:fillRect/>
+          </a:stretch>
+        </p:blipFill>
+        <p:spPr bwMode="auto">
+          <a:xfrm>
+            <a:off x="611560" y="476672"/>
+            <a:ext cx="8010525" cy="5972175"/>
+          </a:xfrm>
+          <a:prstGeom prst="rect">
+            <a:avLst/>
+          </a:prstGeom>
+          <a:noFill/>
+          <a:extLst>
+            <a:ext uri="{909E8E84-426E-40DD-AFC4-6F175D3DCCD1}">
+              <a14:hiddenFill xmlns:a14="http://schemas.microsoft.com/office/drawing/2010/main">
+                <a:solidFill>
+                  <a:srgbClr val="FFFFFF"/>
+                </a:solidFill>
+              </a14:hiddenFill>
+            </a:ext>
+          </a:extLst>
+        </p:spPr>
+      </p:pic>
+      <p:pic>
+        <p:nvPicPr>
+          <p:cNvPr id="2057" name="Picture 9" descr="C:\Users\zdg\AppData\Roaming\Tencent\Users\380207345\QQ\WinTemp\RichOle\}BM46G0OMK{AB]RAY(H)Q51.png"/>
+          <p:cNvPicPr>
+            <a:picLocks noChangeAspect="1" noChangeArrowheads="1"/>
+          </p:cNvPicPr>
+          <p:nvPr/>
+        </p:nvPicPr>
+        <p:blipFill>
+          <a:blip r:embed="rId4">
+            <a:extLst>
+              <a:ext uri="{28A0092B-C50C-407E-A947-70E740481C1C}">
+                <a14:useLocalDpi xmlns:a14="http://schemas.microsoft.com/office/drawing/2010/main" val="0"/>
+              </a:ext>
+            </a:extLst>
+          </a:blip>
+          <a:srcRect/>
+          <a:stretch>
+            <a:fillRect/>
+          </a:stretch>
+        </p:blipFill>
+        <p:spPr bwMode="auto">
+          <a:xfrm>
+            <a:off x="467544" y="-39291"/>
+            <a:ext cx="8267700" cy="6924675"/>
+          </a:xfrm>
+          <a:prstGeom prst="rect">
+            <a:avLst/>
+          </a:prstGeom>
+          <a:noFill/>
+          <a:extLst>
+            <a:ext uri="{909E8E84-426E-40DD-AFC4-6F175D3DCCD1}">
+              <a14:hiddenFill xmlns:a14="http://schemas.microsoft.com/office/drawing/2010/main">
+                <a:solidFill>
+                  <a:srgbClr val="FFFFFF"/>
+                </a:solidFill>
+              </a14:hiddenFill>
+            </a:ext>
+          </a:extLst>
+        </p:spPr>
+      </p:pic>
+    </p:spTree>
+    <p:extLst>
+      <p:ext uri="{BB962C8B-B14F-4D97-AF65-F5344CB8AC3E}">
+        <p14:creationId xmlns:p14="http://schemas.microsoft.com/office/powerpoint/2010/main" val="1738965670"/>
+      </p:ext>
+    </p:extLst>
+  </p:cSld>
+  <p:clrMapOvr>
+    <a:masterClrMapping/>
+  </p:clrMapOvr>
+  <p:transition spd="slow">
+    <p:push dir="u"/>
+  </p:transition>
+  <p:timing>
+    <p:tnLst>
+      <p:par>
+        <p:cTn id="1" dur="indefinite" restart="never" nodeType="tmRoot">
+          <p:childTnLst>
+            <p:seq concurrent="1" nextAc="seek">
+              <p:cTn id="2" dur="indefinite" nodeType="mainSeq">
+                <p:childTnLst>
+                  <p:par>
+                    <p:cTn id="3" fill="hold">
+                      <p:stCondLst>
+                        <p:cond delay="indefinite"/>
+                      </p:stCondLst>
+                      <p:childTnLst>
+                        <p:par>
+                          <p:cTn id="4" fill="hold">
+                            <p:stCondLst>
+                              <p:cond delay="0"/>
+                            </p:stCondLst>
+                            <p:childTnLst>
+                              <p:par>
+                                <p:cTn id="5" presetID="16" presetClass="entr" presetSubtype="21" fill="hold" nodeType="clickEffect">
+                                  <p:stCondLst>
+                                    <p:cond delay="0"/>
+                                  </p:stCondLst>
+                                  <p:childTnLst>
+                                    <p:set>
+                                      <p:cBhvr>
+                                        <p:cTn id="6" dur="1" fill="hold">
+                                          <p:stCondLst>
+                                            <p:cond delay="0"/>
+                                          </p:stCondLst>
+                                        </p:cTn>
+                                        <p:tgtEl>
+                                          <p:spTgt spid="2055"/>
+                                        </p:tgtEl>
+                                        <p:attrNameLst>
+                                          <p:attrName>style.visibility</p:attrName>
+                                        </p:attrNameLst>
+                                      </p:cBhvr>
+                                      <p:to>
+                                        <p:strVal val="visible"/>
+                                      </p:to>
+                                    </p:set>
+                                    <p:animEffect transition="in" filter="barn(inVertical)">
+                                      <p:cBhvr>
+                                        <p:cTn id="7" dur="500"/>
+                                        <p:tgtEl>
+                                          <p:spTgt spid="2055"/>
+                                        </p:tgtEl>
+                                      </p:cBhvr>
+                                    </p:animEffect>
+                                  </p:childTnLst>
+                                </p:cTn>
+                              </p:par>
+                            </p:childTnLst>
+                          </p:cTn>
+                        </p:par>
+                      </p:childTnLst>
+                    </p:cTn>
+                  </p:par>
+                  <p:par>
+                    <p:cTn id="8" fill="hold">
+                      <p:stCondLst>
+                        <p:cond delay="indefinite"/>
+                      </p:stCondLst>
+                      <p:childTnLst>
+                        <p:par>
+                          <p:cTn id="9" fill="hold">
+                            <p:stCondLst>
+                              <p:cond delay="0"/>
+                            </p:stCondLst>
+                            <p:childTnLst>
+                              <p:par>
+                                <p:cTn id="10" presetID="16" presetClass="exit" presetSubtype="21" fill="hold" nodeType="clickEffect">
+                                  <p:stCondLst>
+                                    <p:cond delay="0"/>
+                                  </p:stCondLst>
+                                  <p:childTnLst>
+                                    <p:animEffect transition="out" filter="barn(inVertical)">
+                                      <p:cBhvr>
+                                        <p:cTn id="11" dur="500"/>
+                                        <p:tgtEl>
+                                          <p:spTgt spid="2055"/>
+                                        </p:tgtEl>
+                                      </p:cBhvr>
+                                    </p:animEffect>
+                                    <p:set>
+                                      <p:cBhvr>
+                                        <p:cTn id="12" dur="1" fill="hold">
+                                          <p:stCondLst>
+                                            <p:cond delay="499"/>
+                                          </p:stCondLst>
+                                        </p:cTn>
+                                        <p:tgtEl>
+                                          <p:spTgt spid="2055"/>
+                                        </p:tgtEl>
+                                        <p:attrNameLst>
+                                          <p:attrName>style.visibility</p:attrName>
+                                        </p:attrNameLst>
+                                      </p:cBhvr>
+                                      <p:to>
+                                        <p:strVal val="hidden"/>
+                                      </p:to>
+                                    </p:set>
+                                  </p:childTnLst>
+                                </p:cTn>
+                              </p:par>
+                            </p:childTnLst>
+                          </p:cTn>
+                        </p:par>
+                      </p:childTnLst>
+                    </p:cTn>
+                  </p:par>
+                  <p:par>
+                    <p:cTn id="13" fill="hold">
+                      <p:stCondLst>
+                        <p:cond delay="indefinite"/>
+                      </p:stCondLst>
+                      <p:childTnLst>
+                        <p:par>
+                          <p:cTn id="14" fill="hold">
+                            <p:stCondLst>
+                              <p:cond delay="0"/>
+                            </p:stCondLst>
+                            <p:childTnLst>
+                              <p:par>
+                                <p:cTn id="15" presetID="16" presetClass="entr" presetSubtype="21" fill="hold" nodeType="clickEffect">
+                                  <p:stCondLst>
+                                    <p:cond delay="0"/>
+                                  </p:stCondLst>
+                                  <p:childTnLst>
+                                    <p:set>
+                                      <p:cBhvr>
+                                        <p:cTn id="16" dur="1" fill="hold">
+                                          <p:stCondLst>
+                                            <p:cond delay="0"/>
+                                          </p:stCondLst>
+                                        </p:cTn>
+                                        <p:tgtEl>
+                                          <p:spTgt spid="2056"/>
+                                        </p:tgtEl>
+                                        <p:attrNameLst>
+                                          <p:attrName>style.visibility</p:attrName>
+                                        </p:attrNameLst>
+                                      </p:cBhvr>
+                                      <p:to>
+                                        <p:strVal val="visible"/>
+                                      </p:to>
+                                    </p:set>
+                                    <p:animEffect transition="in" filter="barn(inVertical)">
+                                      <p:cBhvr>
+                                        <p:cTn id="17" dur="500"/>
+                                        <p:tgtEl>
+                                          <p:spTgt spid="2056"/>
+                                        </p:tgtEl>
+                                      </p:cBhvr>
+                                    </p:animEffect>
+                                  </p:childTnLst>
+                                </p:cTn>
+                              </p:par>
+                            </p:childTnLst>
+                          </p:cTn>
+                        </p:par>
+                      </p:childTnLst>
+                    </p:cTn>
+                  </p:par>
+                  <p:par>
+                    <p:cTn id="18" fill="hold">
+                      <p:stCondLst>
+                        <p:cond delay="indefinite"/>
+                      </p:stCondLst>
+                      <p:childTnLst>
+                        <p:par>
+                          <p:cTn id="19" fill="hold">
+                            <p:stCondLst>
+                              <p:cond delay="0"/>
+                            </p:stCondLst>
+                            <p:childTnLst>
+                              <p:par>
+                                <p:cTn id="20" presetID="16" presetClass="exit" presetSubtype="21" fill="hold" nodeType="clickEffect">
+                                  <p:stCondLst>
+                                    <p:cond delay="0"/>
+                                  </p:stCondLst>
+                                  <p:childTnLst>
+                                    <p:animEffect transition="out" filter="barn(inVertical)">
+                                      <p:cBhvr>
+                                        <p:cTn id="21" dur="500"/>
+                                        <p:tgtEl>
+                                          <p:spTgt spid="2056"/>
+                                        </p:tgtEl>
+                                      </p:cBhvr>
+                                    </p:animEffect>
+                                    <p:set>
+                                      <p:cBhvr>
+                                        <p:cTn id="22" dur="1" fill="hold">
+                                          <p:stCondLst>
+                                            <p:cond delay="499"/>
+                                          </p:stCondLst>
+                                        </p:cTn>
+                                        <p:tgtEl>
+                                          <p:spTgt spid="2056"/>
+                                        </p:tgtEl>
+                                        <p:attrNameLst>
+                                          <p:attrName>style.visibility</p:attrName>
+                                        </p:attrNameLst>
+                                      </p:cBhvr>
+                                      <p:to>
+                                        <p:strVal val="hidden"/>
+                                      </p:to>
+                                    </p:set>
+                                  </p:childTnLst>
+                                </p:cTn>
+                              </p:par>
+                            </p:childTnLst>
+                          </p:cTn>
+                        </p:par>
+                      </p:childTnLst>
+                    </p:cTn>
+                  </p:par>
+                  <p:par>
+                    <p:cTn id="23" fill="hold">
+                      <p:stCondLst>
+                        <p:cond delay="indefinite"/>
+                      </p:stCondLst>
+                      <p:childTnLst>
+                        <p:par>
+                          <p:cTn id="24" fill="hold">
+                            <p:stCondLst>
+                              <p:cond delay="0"/>
+                            </p:stCondLst>
+                            <p:childTnLst>
+                              <p:par>
+                                <p:cTn id="25" presetID="16" presetClass="entr" presetSubtype="21" fill="hold" nodeType="clickEffect">
+                                  <p:stCondLst>
+                                    <p:cond delay="0"/>
+                                  </p:stCondLst>
+                                  <p:childTnLst>
+                                    <p:set>
+                                      <p:cBhvr>
+                                        <p:cTn id="26" dur="1" fill="hold">
+                                          <p:stCondLst>
+                                            <p:cond delay="0"/>
+                                          </p:stCondLst>
+                                        </p:cTn>
+                                        <p:tgtEl>
+                                          <p:spTgt spid="2057"/>
+                                        </p:tgtEl>
+                                        <p:attrNameLst>
+                                          <p:attrName>style.visibility</p:attrName>
+                                        </p:attrNameLst>
+                                      </p:cBhvr>
+                                      <p:to>
+                                        <p:strVal val="visible"/>
+                                      </p:to>
+                                    </p:set>
+                                    <p:animEffect transition="in" filter="barn(inVertical)">
+                                      <p:cBhvr>
+                                        <p:cTn id="27" dur="500"/>
+                                        <p:tgtEl>
+                                          <p:spTgt spid="2057"/>
+                                        </p:tgtEl>
+                                      </p:cBhvr>
+                                    </p:animEffect>
+                                  </p:childTnLst>
+                                </p:cTn>
+                              </p:par>
+                            </p:childTnLst>
+                          </p:cTn>
+                        </p:par>
+                      </p:childTnLst>
+                    </p:cTn>
+                  </p:par>
+                </p:childTnLst>
+              </p:cTn>
+              <p:prevCondLst>
+                <p:cond evt="onPrev" delay="0">
+                  <p:tgtEl>
+                    <p:sldTgt/>
+                  </p:tgtEl>
+                </p:cond>
+              </p:prevCondLst>
+              <p:nextCondLst>
+                <p:cond evt="onNext" delay="0">
+                  <p:tgtEl>
+                    <p:sldTgt/>
+                  </p:tgtEl>
+                </p:cond>
+              </p:nextCondLst>
+            </p:seq>
+          </p:childTnLst>
+        </p:cTn>
+      </p:par>
+    </p:tnLst>
+  </p:timing>
+</p:sld>
+</file>
+
+<file path=ppt/slides/slide11.xml><?xml version="1.0" encoding="utf-8"?>
+<p:sld xmlns:a="http://schemas.openxmlformats.org/drawingml/2006/main" xmlns:r="http://schemas.openxmlformats.org/officeDocument/2006/relationships" xmlns:p="http://schemas.openxmlformats.org/presentationml/2006/main">
+  <p:cSld>
+    <p:spTree>
+      <p:nvGrpSpPr>
+        <p:cNvPr id="1" name=""/>
+        <p:cNvGrpSpPr/>
+        <p:nvPr/>
+      </p:nvGrpSpPr>
+      <p:grpSpPr>
+        <a:xfrm>
+          <a:off x="0" y="0"/>
+          <a:ext cx="0" cy="0"/>
+          <a:chOff x="0" y="0"/>
+          <a:chExt cx="0" cy="0"/>
+        </a:xfrm>
+      </p:grpSpPr>
+      <p:sp>
+        <p:nvSpPr>
+          <p:cNvPr id="2" name="标题 1"/>
+          <p:cNvSpPr>
+            <a:spLocks noGrp="1"/>
+          </p:cNvSpPr>
+          <p:nvPr>
+            <p:ph type="title"/>
+          </p:nvPr>
+        </p:nvSpPr>
+        <p:spPr/>
+        <p:txBody>
+          <a:bodyPr/>
+          <a:lstStyle/>
+          <a:p>
+            <a:r>
+              <a:rPr lang="en-US" altLang="zh-CN" dirty="0" smtClean="0"/>
+              <a:t>3.2</a:t>
+            </a:r>
+            <a:r>
+              <a:rPr lang="zh-CN" altLang="en-US" dirty="0" smtClean="0"/>
+              <a:t>系统功能规定的图表展示</a:t>
+            </a:r>
+            <a:endParaRPr lang="zh-CN" altLang="en-US" dirty="0"/>
+          </a:p>
+        </p:txBody>
+      </p:sp>
+      <p:sp>
+        <p:nvSpPr>
+          <p:cNvPr id="3" name="内容占位符 2"/>
+          <p:cNvSpPr>
+            <a:spLocks noGrp="1"/>
+          </p:cNvSpPr>
+          <p:nvPr>
+            <p:ph sz="quarter" idx="13"/>
+          </p:nvPr>
+        </p:nvSpPr>
+        <p:spPr/>
+        <p:txBody>
+          <a:bodyPr/>
+          <a:lstStyle/>
+          <a:p>
+            <a:endParaRPr lang="zh-CN" altLang="en-US" dirty="0"/>
+          </a:p>
+        </p:txBody>
+      </p:sp>
+      <p:pic>
+        <p:nvPicPr>
+          <p:cNvPr id="3074" name="Picture 2" descr="Y%5R~4`SIQ(647JES`UR4YA"/>
+          <p:cNvPicPr>
+            <a:picLocks noChangeAspect="1" noChangeArrowheads="1"/>
+          </p:cNvPicPr>
+          <p:nvPr/>
+        </p:nvPicPr>
+        <p:blipFill>
+          <a:blip r:embed="rId2">
+            <a:extLst>
+              <a:ext uri="{28A0092B-C50C-407E-A947-70E740481C1C}">
+                <a14:useLocalDpi xmlns:a14="http://schemas.microsoft.com/office/drawing/2010/main" val="0"/>
+              </a:ext>
+            </a:extLst>
+          </a:blip>
+          <a:srcRect/>
+          <a:stretch>
+            <a:fillRect/>
+          </a:stretch>
+        </p:blipFill>
+        <p:spPr bwMode="auto">
+          <a:xfrm>
+            <a:off x="-36512" y="196874"/>
+            <a:ext cx="5112568" cy="6539841"/>
+          </a:xfrm>
+          <a:prstGeom prst="rect">
+            <a:avLst/>
+          </a:prstGeom>
+          <a:noFill/>
+          <a:ln>
+            <a:noFill/>
+          </a:ln>
+          <a:extLst>
+            <a:ext uri="{909E8E84-426E-40DD-AFC4-6F175D3DCCD1}">
+              <a14:hiddenFill xmlns:a14="http://schemas.microsoft.com/office/drawing/2010/main">
+                <a:solidFill>
+                  <a:srgbClr val="FFFFFF"/>
+                </a:solidFill>
+              </a14:hiddenFill>
+            </a:ext>
+            <a:ext uri="{91240B29-F687-4F45-9708-019B960494DF}">
+              <a14:hiddenLine xmlns:a14="http://schemas.microsoft.com/office/drawing/2010/main" w="9525">
+                <a:solidFill>
+                  <a:srgbClr val="000000"/>
+                </a:solidFill>
+                <a:miter lim="800000"/>
+                <a:headEnd/>
+                <a:tailEnd/>
+              </a14:hiddenLine>
+            </a:ext>
+          </a:extLst>
+        </p:spPr>
+      </p:pic>
+      <p:pic>
+        <p:nvPicPr>
+          <p:cNvPr id="3075" name="Picture 3" descr="BK83JF]X})_$@IJY1MXJPYD"/>
+          <p:cNvPicPr>
+            <a:picLocks noChangeAspect="1" noChangeArrowheads="1"/>
+          </p:cNvPicPr>
+          <p:nvPr/>
+        </p:nvPicPr>
+        <p:blipFill>
+          <a:blip r:embed="rId3">
+            <a:extLst>
+              <a:ext uri="{28A0092B-C50C-407E-A947-70E740481C1C}">
+                <a14:useLocalDpi xmlns:a14="http://schemas.microsoft.com/office/drawing/2010/main" val="0"/>
+              </a:ext>
+            </a:extLst>
+          </a:blip>
+          <a:srcRect/>
+          <a:stretch>
+            <a:fillRect/>
+          </a:stretch>
+        </p:blipFill>
+        <p:spPr bwMode="auto">
+          <a:xfrm>
+            <a:off x="-36512" y="196874"/>
+            <a:ext cx="5109375" cy="6539592"/>
+          </a:xfrm>
+          <a:prstGeom prst="rect">
+            <a:avLst/>
+          </a:prstGeom>
+          <a:noFill/>
+          <a:ln>
+            <a:noFill/>
+          </a:ln>
+          <a:extLst>
+            <a:ext uri="{909E8E84-426E-40DD-AFC4-6F175D3DCCD1}">
+              <a14:hiddenFill xmlns:a14="http://schemas.microsoft.com/office/drawing/2010/main">
+                <a:solidFill>
+                  <a:srgbClr val="FFFFFF"/>
+                </a:solidFill>
+              </a14:hiddenFill>
+            </a:ext>
+            <a:ext uri="{91240B29-F687-4F45-9708-019B960494DF}">
+              <a14:hiddenLine xmlns:a14="http://schemas.microsoft.com/office/drawing/2010/main" w="9525">
+                <a:solidFill>
+                  <a:srgbClr val="000000"/>
+                </a:solidFill>
+                <a:miter lim="800000"/>
+                <a:headEnd/>
+                <a:tailEnd/>
+              </a14:hiddenLine>
+            </a:ext>
+          </a:extLst>
+        </p:spPr>
+      </p:pic>
+      <p:pic>
+        <p:nvPicPr>
+          <p:cNvPr id="7" name="图片 6" descr="C:\Users\zdg\AppData\Roaming\Tencent\Users\380207345\QQ\WinTemp\RichOle\[QLGXDDA9X%MWV3C7Y9SV~P.png"/>
+          <p:cNvPicPr/>
+          <p:nvPr/>
+        </p:nvPicPr>
+        <p:blipFill>
+          <a:blip r:embed="rId4" cstate="print">
+            <a:extLst>
+              <a:ext uri="{28A0092B-C50C-407E-A947-70E740481C1C}">
+                <a14:useLocalDpi xmlns:a14="http://schemas.microsoft.com/office/drawing/2010/main" val="0"/>
+              </a:ext>
+            </a:extLst>
+          </a:blip>
+          <a:srcRect/>
+          <a:stretch>
+            <a:fillRect/>
+          </a:stretch>
+        </p:blipFill>
+        <p:spPr bwMode="auto">
+          <a:xfrm>
+            <a:off x="-71706" y="1"/>
+            <a:ext cx="13068642" cy="6858000"/>
+          </a:xfrm>
+          <a:prstGeom prst="rect">
+            <a:avLst/>
+          </a:prstGeom>
+          <a:noFill/>
+          <a:ln>
+            <a:noFill/>
+          </a:ln>
+        </p:spPr>
+      </p:pic>
+      <p:pic>
+        <p:nvPicPr>
+          <p:cNvPr id="8" name="图片 7" descr="C:\Users\zdg\Documents\Tencent Files\380207345\Image\Group\)0Z@(PVR(WF8~2RGT3`A7V3.png"/>
+          <p:cNvPicPr/>
+          <p:nvPr/>
+        </p:nvPicPr>
+        <p:blipFill>
+          <a:blip r:embed="rId5" cstate="print">
+            <a:extLst>
+              <a:ext uri="{28A0092B-C50C-407E-A947-70E740481C1C}">
+                <a14:useLocalDpi xmlns:a14="http://schemas.microsoft.com/office/drawing/2010/main" val="0"/>
+              </a:ext>
+            </a:extLst>
+          </a:blip>
+          <a:srcRect/>
+          <a:stretch>
+            <a:fillRect/>
+          </a:stretch>
+        </p:blipFill>
+        <p:spPr bwMode="auto">
+          <a:xfrm>
+            <a:off x="-30156" y="1697849"/>
+            <a:ext cx="9174156" cy="3891391"/>
+          </a:xfrm>
+          <a:prstGeom prst="rect">
+            <a:avLst/>
+          </a:prstGeom>
+          <a:noFill/>
+          <a:ln>
+            <a:noFill/>
+          </a:ln>
+        </p:spPr>
+      </p:pic>
+      <p:pic>
+        <p:nvPicPr>
+          <p:cNvPr id="9" name="图片 8">
+            <a:hlinkClick r:id="rId6" action="ppaction://hlinksldjump"/>
+          </p:cNvPr>
+          <p:cNvPicPr>
+            <a:picLocks noChangeAspect="1"/>
+          </p:cNvPicPr>
+          <p:nvPr/>
+        </p:nvPicPr>
+        <p:blipFill>
+          <a:blip r:embed="rId7">
+            <a:extLst>
+              <a:ext uri="{28A0092B-C50C-407E-A947-70E740481C1C}">
+                <a14:useLocalDpi xmlns:a14="http://schemas.microsoft.com/office/drawing/2010/main" val="0"/>
+              </a:ext>
+            </a:extLst>
+          </a:blip>
+          <a:stretch>
+            <a:fillRect/>
+          </a:stretch>
+        </p:blipFill>
+        <p:spPr>
+          <a:xfrm>
+            <a:off x="6304125" y="3645024"/>
+            <a:ext cx="2839875" cy="2073722"/>
+          </a:xfrm>
+          <a:prstGeom prst="rect">
+            <a:avLst/>
+          </a:prstGeom>
+        </p:spPr>
+      </p:pic>
+    </p:spTree>
+    <p:extLst>
+      <p:ext uri="{BB962C8B-B14F-4D97-AF65-F5344CB8AC3E}">
+        <p14:creationId xmlns:p14="http://schemas.microsoft.com/office/powerpoint/2010/main" val="4248462939"/>
+      </p:ext>
+    </p:extLst>
+  </p:cSld>
+  <p:clrMapOvr>
+    <a:masterClrMapping/>
+  </p:clrMapOvr>
+  <p:transition spd="slow">
+    <p:push dir="u"/>
+  </p:transition>
+  <p:timing>
+    <p:tnLst>
+      <p:par>
+        <p:cTn id="1" dur="indefinite" restart="never" nodeType="tmRoot">
+          <p:childTnLst>
+            <p:seq concurrent="1" nextAc="seek">
+              <p:cTn id="2" dur="indefinite" nodeType="mainSeq">
+                <p:childTnLst>
+                  <p:par>
+                    <p:cTn id="3" fill="hold">
+                      <p:stCondLst>
+                        <p:cond delay="indefinite"/>
+                      </p:stCondLst>
+                      <p:childTnLst>
+                        <p:par>
+                          <p:cTn id="4" fill="hold">
+                            <p:stCondLst>
+                              <p:cond delay="0"/>
+                            </p:stCondLst>
+                            <p:childTnLst>
+                              <p:par>
+                                <p:cTn id="5" presetID="10" presetClass="entr" presetSubtype="0" fill="hold" nodeType="clickEffect">
+                                  <p:stCondLst>
+                                    <p:cond delay="0"/>
+                                  </p:stCondLst>
+                                  <p:childTnLst>
+                                    <p:set>
+                                      <p:cBhvr>
+                                        <p:cTn id="6" dur="1" fill="hold">
+                                          <p:stCondLst>
+                                            <p:cond delay="0"/>
+                                          </p:stCondLst>
+                                        </p:cTn>
+                                        <p:tgtEl>
+                                          <p:spTgt spid="7"/>
+                                        </p:tgtEl>
+                                        <p:attrNameLst>
+                                          <p:attrName>style.visibility</p:attrName>
+                                        </p:attrNameLst>
+                                      </p:cBhvr>
+                                      <p:to>
+                                        <p:strVal val="visible"/>
+                                      </p:to>
+                                    </p:set>
+                                    <p:animEffect transition="in" filter="fade">
+                                      <p:cBhvr>
+                                        <p:cTn id="7" dur="500"/>
+                                        <p:tgtEl>
+                                          <p:spTgt spid="7"/>
+                                        </p:tgtEl>
+                                      </p:cBhvr>
+                                    </p:animEffect>
+                                  </p:childTnLst>
+                                </p:cTn>
+                              </p:par>
+                            </p:childTnLst>
+                          </p:cTn>
+                        </p:par>
+                      </p:childTnLst>
+                    </p:cTn>
+                  </p:par>
+                  <p:par>
+                    <p:cTn id="8" fill="hold">
+                      <p:stCondLst>
+                        <p:cond delay="indefinite"/>
+                      </p:stCondLst>
+                      <p:childTnLst>
+                        <p:par>
+                          <p:cTn id="9" fill="hold">
+                            <p:stCondLst>
+                              <p:cond delay="0"/>
+                            </p:stCondLst>
+                            <p:childTnLst>
+                              <p:par>
+                                <p:cTn id="10" presetID="35" presetClass="path" presetSubtype="0" accel="50000" decel="50000" fill="hold" nodeType="clickEffect">
+                                  <p:stCondLst>
+                                    <p:cond delay="0"/>
+                                  </p:stCondLst>
+                                  <p:childTnLst>
+                                    <p:animMotion origin="layout" path="M -8.33333E-7 2.53469E-6 L -0.39583 2.53469E-6 " pathEditMode="relative" rAng="0" ptsTypes="AA">
+                                      <p:cBhvr>
+                                        <p:cTn id="11" dur="2000" fill="hold"/>
+                                        <p:tgtEl>
+                                          <p:spTgt spid="7"/>
+                                        </p:tgtEl>
+                                        <p:attrNameLst>
+                                          <p:attrName>ppt_x</p:attrName>
+                                          <p:attrName>ppt_y</p:attrName>
+                                        </p:attrNameLst>
+                                      </p:cBhvr>
+                                      <p:rCtr x="-19792" y="0"/>
+                                    </p:animMotion>
+                                  </p:childTnLst>
+                                </p:cTn>
+                              </p:par>
+                            </p:childTnLst>
+                          </p:cTn>
+                        </p:par>
+                      </p:childTnLst>
+                    </p:cTn>
+                  </p:par>
+                  <p:par>
+                    <p:cTn id="12" fill="hold">
+                      <p:stCondLst>
+                        <p:cond delay="indefinite"/>
+                      </p:stCondLst>
+                      <p:childTnLst>
+                        <p:par>
+                          <p:cTn id="13" fill="hold">
+                            <p:stCondLst>
+                              <p:cond delay="0"/>
+                            </p:stCondLst>
+                            <p:childTnLst>
+                              <p:par>
+                                <p:cTn id="14" presetID="14" presetClass="exit" presetSubtype="10" fill="hold" nodeType="clickEffect">
+                                  <p:stCondLst>
+                                    <p:cond delay="0"/>
+                                  </p:stCondLst>
+                                  <p:childTnLst>
+                                    <p:animEffect transition="out" filter="randombar(horizontal)">
+                                      <p:cBhvr>
+                                        <p:cTn id="15" dur="500"/>
+                                        <p:tgtEl>
+                                          <p:spTgt spid="7"/>
+                                        </p:tgtEl>
+                                      </p:cBhvr>
+                                    </p:animEffect>
+                                    <p:set>
+                                      <p:cBhvr>
+                                        <p:cTn id="16" dur="1" fill="hold">
+                                          <p:stCondLst>
+                                            <p:cond delay="499"/>
+                                          </p:stCondLst>
+                                        </p:cTn>
+                                        <p:tgtEl>
+                                          <p:spTgt spid="7"/>
+                                        </p:tgtEl>
+                                        <p:attrNameLst>
+                                          <p:attrName>style.visibility</p:attrName>
+                                        </p:attrNameLst>
+                                      </p:cBhvr>
+                                      <p:to>
+                                        <p:strVal val="hidden"/>
+                                      </p:to>
+                                    </p:set>
+                                  </p:childTnLst>
+                                </p:cTn>
+                              </p:par>
+                            </p:childTnLst>
+                          </p:cTn>
+                        </p:par>
+                      </p:childTnLst>
+                    </p:cTn>
+                  </p:par>
+                  <p:par>
+                    <p:cTn id="17" fill="hold">
+                      <p:stCondLst>
+                        <p:cond delay="indefinite"/>
+                      </p:stCondLst>
+                      <p:childTnLst>
+                        <p:par>
+                          <p:cTn id="18" fill="hold">
+                            <p:stCondLst>
+                              <p:cond delay="0"/>
+                            </p:stCondLst>
+                            <p:childTnLst>
+                              <p:par>
+                                <p:cTn id="19" presetID="42" presetClass="entr" presetSubtype="0" fill="hold" nodeType="clickEffect">
+                                  <p:stCondLst>
+                                    <p:cond delay="0"/>
+                                  </p:stCondLst>
+                                  <p:childTnLst>
+                                    <p:set>
+                                      <p:cBhvr>
+                                        <p:cTn id="20" dur="1" fill="hold">
+                                          <p:stCondLst>
+                                            <p:cond delay="0"/>
+                                          </p:stCondLst>
+                                        </p:cTn>
+                                        <p:tgtEl>
+                                          <p:spTgt spid="3075"/>
+                                        </p:tgtEl>
+                                        <p:attrNameLst>
+                                          <p:attrName>style.visibility</p:attrName>
+                                        </p:attrNameLst>
+                                      </p:cBhvr>
+                                      <p:to>
+                                        <p:strVal val="visible"/>
+                                      </p:to>
+                                    </p:set>
+                                    <p:animEffect transition="in" filter="fade">
+                                      <p:cBhvr>
+                                        <p:cTn id="21" dur="1000"/>
+                                        <p:tgtEl>
+                                          <p:spTgt spid="3075"/>
+                                        </p:tgtEl>
+                                      </p:cBhvr>
+                                    </p:animEffect>
+                                    <p:anim calcmode="lin" valueType="num">
+                                      <p:cBhvr>
+                                        <p:cTn id="22" dur="1000" fill="hold"/>
+                                        <p:tgtEl>
+                                          <p:spTgt spid="3075"/>
+                                        </p:tgtEl>
+                                        <p:attrNameLst>
+                                          <p:attrName>ppt_x</p:attrName>
+                                        </p:attrNameLst>
+                                      </p:cBhvr>
+                                      <p:tavLst>
+                                        <p:tav tm="0">
+                                          <p:val>
+                                            <p:strVal val="#ppt_x"/>
+                                          </p:val>
+                                        </p:tav>
+                                        <p:tav tm="100000">
+                                          <p:val>
+                                            <p:strVal val="#ppt_x"/>
+                                          </p:val>
+                                        </p:tav>
+                                      </p:tavLst>
+                                    </p:anim>
+                                    <p:anim calcmode="lin" valueType="num">
+                                      <p:cBhvr>
+                                        <p:cTn id="23" dur="1000" fill="hold"/>
+                                        <p:tgtEl>
+                                          <p:spTgt spid="3075"/>
+                                        </p:tgtEl>
+                                        <p:attrNameLst>
+                                          <p:attrName>ppt_y</p:attrName>
+                                        </p:attrNameLst>
+                                      </p:cBhvr>
+                                      <p:tavLst>
+                                        <p:tav tm="0">
+                                          <p:val>
+                                            <p:strVal val="#ppt_y+.1"/>
+                                          </p:val>
+                                        </p:tav>
+                                        <p:tav tm="100000">
+                                          <p:val>
+                                            <p:strVal val="#ppt_y"/>
+                                          </p:val>
+                                        </p:tav>
+                                      </p:tavLst>
+                                    </p:anim>
+                                  </p:childTnLst>
+                                </p:cTn>
+                              </p:par>
+                            </p:childTnLst>
+                          </p:cTn>
+                        </p:par>
+                      </p:childTnLst>
+                    </p:cTn>
+                  </p:par>
+                  <p:par>
+                    <p:cTn id="24" fill="hold">
+                      <p:stCondLst>
+                        <p:cond delay="indefinite"/>
+                      </p:stCondLst>
+                      <p:childTnLst>
+                        <p:par>
+                          <p:cTn id="25" fill="hold">
+                            <p:stCondLst>
+                              <p:cond delay="0"/>
+                            </p:stCondLst>
+                            <p:childTnLst>
+                              <p:par>
+                                <p:cTn id="26" presetID="42" presetClass="exit" presetSubtype="0" fill="hold" nodeType="clickEffect">
+                                  <p:stCondLst>
+                                    <p:cond delay="0"/>
+                                  </p:stCondLst>
+                                  <p:childTnLst>
+                                    <p:animEffect transition="out" filter="fade">
+                                      <p:cBhvr>
+                                        <p:cTn id="27" dur="1000"/>
+                                        <p:tgtEl>
+                                          <p:spTgt spid="3075"/>
+                                        </p:tgtEl>
+                                      </p:cBhvr>
+                                    </p:animEffect>
+                                    <p:anim calcmode="lin" valueType="num">
+                                      <p:cBhvr>
+                                        <p:cTn id="28" dur="1000"/>
+                                        <p:tgtEl>
+                                          <p:spTgt spid="3075"/>
+                                        </p:tgtEl>
+                                        <p:attrNameLst>
+                                          <p:attrName>ppt_x</p:attrName>
+                                        </p:attrNameLst>
+                                      </p:cBhvr>
+                                      <p:tavLst>
+                                        <p:tav tm="0">
+                                          <p:val>
+                                            <p:strVal val="ppt_x"/>
+                                          </p:val>
+                                        </p:tav>
+                                        <p:tav tm="100000">
+                                          <p:val>
+                                            <p:strVal val="ppt_x"/>
+                                          </p:val>
+                                        </p:tav>
+                                      </p:tavLst>
+                                    </p:anim>
+                                    <p:anim calcmode="lin" valueType="num">
+                                      <p:cBhvr>
+                                        <p:cTn id="29" dur="1000"/>
+                                        <p:tgtEl>
+                                          <p:spTgt spid="3075"/>
+                                        </p:tgtEl>
+                                        <p:attrNameLst>
+                                          <p:attrName>ppt_y</p:attrName>
+                                        </p:attrNameLst>
+                                      </p:cBhvr>
+                                      <p:tavLst>
+                                        <p:tav tm="0">
+                                          <p:val>
+                                            <p:strVal val="ppt_y"/>
+                                          </p:val>
+                                        </p:tav>
+                                        <p:tav tm="100000">
+                                          <p:val>
+                                            <p:strVal val="ppt_y+.1"/>
+                                          </p:val>
+                                        </p:tav>
+                                      </p:tavLst>
+                                    </p:anim>
+                                    <p:set>
+                                      <p:cBhvr>
+                                        <p:cTn id="30" dur="1" fill="hold">
+                                          <p:stCondLst>
+                                            <p:cond delay="999"/>
+                                          </p:stCondLst>
+                                        </p:cTn>
+                                        <p:tgtEl>
+                                          <p:spTgt spid="3075"/>
+                                        </p:tgtEl>
+                                        <p:attrNameLst>
+                                          <p:attrName>style.visibility</p:attrName>
+                                        </p:attrNameLst>
+                                      </p:cBhvr>
+                                      <p:to>
+                                        <p:strVal val="hidden"/>
+                                      </p:to>
+                                    </p:set>
+                                  </p:childTnLst>
+                                </p:cTn>
+                              </p:par>
+                            </p:childTnLst>
+                          </p:cTn>
+                        </p:par>
+                      </p:childTnLst>
+                    </p:cTn>
+                  </p:par>
+                  <p:par>
+                    <p:cTn id="31" fill="hold">
+                      <p:stCondLst>
+                        <p:cond delay="indefinite"/>
+                      </p:stCondLst>
+                      <p:childTnLst>
+                        <p:par>
+                          <p:cTn id="32" fill="hold">
+                            <p:stCondLst>
+                              <p:cond delay="0"/>
+                            </p:stCondLst>
+                            <p:childTnLst>
+                              <p:par>
+                                <p:cTn id="33" presetID="42" presetClass="entr" presetSubtype="0" fill="hold" nodeType="clickEffect">
+                                  <p:stCondLst>
+                                    <p:cond delay="0"/>
+                                  </p:stCondLst>
+                                  <p:childTnLst>
+                                    <p:set>
+                                      <p:cBhvr>
+                                        <p:cTn id="34" dur="1" fill="hold">
+                                          <p:stCondLst>
+                                            <p:cond delay="0"/>
+                                          </p:stCondLst>
+                                        </p:cTn>
+                                        <p:tgtEl>
+                                          <p:spTgt spid="3074"/>
+                                        </p:tgtEl>
+                                        <p:attrNameLst>
+                                          <p:attrName>style.visibility</p:attrName>
+                                        </p:attrNameLst>
+                                      </p:cBhvr>
+                                      <p:to>
+                                        <p:strVal val="visible"/>
+                                      </p:to>
+                                    </p:set>
+                                    <p:animEffect transition="in" filter="fade">
+                                      <p:cBhvr>
+                                        <p:cTn id="35" dur="1000"/>
+                                        <p:tgtEl>
+                                          <p:spTgt spid="3074"/>
+                                        </p:tgtEl>
+                                      </p:cBhvr>
+                                    </p:animEffect>
+                                    <p:anim calcmode="lin" valueType="num">
+                                      <p:cBhvr>
+                                        <p:cTn id="36" dur="1000" fill="hold"/>
+                                        <p:tgtEl>
+                                          <p:spTgt spid="3074"/>
+                                        </p:tgtEl>
+                                        <p:attrNameLst>
+                                          <p:attrName>ppt_x</p:attrName>
+                                        </p:attrNameLst>
+                                      </p:cBhvr>
+                                      <p:tavLst>
+                                        <p:tav tm="0">
+                                          <p:val>
+                                            <p:strVal val="#ppt_x"/>
+                                          </p:val>
+                                        </p:tav>
+                                        <p:tav tm="100000">
+                                          <p:val>
+                                            <p:strVal val="#ppt_x"/>
+                                          </p:val>
+                                        </p:tav>
+                                      </p:tavLst>
+                                    </p:anim>
+                                    <p:anim calcmode="lin" valueType="num">
+                                      <p:cBhvr>
+                                        <p:cTn id="37" dur="1000" fill="hold"/>
+                                        <p:tgtEl>
+                                          <p:spTgt spid="3074"/>
+                                        </p:tgtEl>
+                                        <p:attrNameLst>
+                                          <p:attrName>ppt_y</p:attrName>
+                                        </p:attrNameLst>
+                                      </p:cBhvr>
+                                      <p:tavLst>
+                                        <p:tav tm="0">
+                                          <p:val>
+                                            <p:strVal val="#ppt_y+.1"/>
+                                          </p:val>
+                                        </p:tav>
+                                        <p:tav tm="100000">
+                                          <p:val>
+                                            <p:strVal val="#ppt_y"/>
+                                          </p:val>
+                                        </p:tav>
+                                      </p:tavLst>
+                                    </p:anim>
+                                  </p:childTnLst>
+                                </p:cTn>
+                              </p:par>
+                            </p:childTnLst>
+                          </p:cTn>
+                        </p:par>
+                      </p:childTnLst>
+                    </p:cTn>
+                  </p:par>
+                  <p:par>
+                    <p:cTn id="38" fill="hold">
+                      <p:stCondLst>
+                        <p:cond delay="indefinite"/>
+                      </p:stCondLst>
+                      <p:childTnLst>
+                        <p:par>
+                          <p:cTn id="39" fill="hold">
+                            <p:stCondLst>
+                              <p:cond delay="0"/>
+                            </p:stCondLst>
+                            <p:childTnLst>
+                              <p:par>
+                                <p:cTn id="40" presetID="42" presetClass="exit" presetSubtype="0" fill="hold" nodeType="clickEffect">
+                                  <p:stCondLst>
+                                    <p:cond delay="0"/>
+                                  </p:stCondLst>
+                                  <p:childTnLst>
+                                    <p:animEffect transition="out" filter="fade">
+                                      <p:cBhvr>
+                                        <p:cTn id="41" dur="1000"/>
+                                        <p:tgtEl>
+                                          <p:spTgt spid="3074"/>
+                                        </p:tgtEl>
+                                      </p:cBhvr>
+                                    </p:animEffect>
+                                    <p:anim calcmode="lin" valueType="num">
+                                      <p:cBhvr>
+                                        <p:cTn id="42" dur="1000"/>
+                                        <p:tgtEl>
+                                          <p:spTgt spid="3074"/>
+                                        </p:tgtEl>
+                                        <p:attrNameLst>
+                                          <p:attrName>ppt_x</p:attrName>
+                                        </p:attrNameLst>
+                                      </p:cBhvr>
+                                      <p:tavLst>
+                                        <p:tav tm="0">
+                                          <p:val>
+                                            <p:strVal val="ppt_x"/>
+                                          </p:val>
+                                        </p:tav>
+                                        <p:tav tm="100000">
+                                          <p:val>
+                                            <p:strVal val="ppt_x"/>
+                                          </p:val>
+                                        </p:tav>
+                                      </p:tavLst>
+                                    </p:anim>
+                                    <p:anim calcmode="lin" valueType="num">
+                                      <p:cBhvr>
+                                        <p:cTn id="43" dur="1000"/>
+                                        <p:tgtEl>
+                                          <p:spTgt spid="3074"/>
+                                        </p:tgtEl>
+                                        <p:attrNameLst>
+                                          <p:attrName>ppt_y</p:attrName>
+                                        </p:attrNameLst>
+                                      </p:cBhvr>
+                                      <p:tavLst>
+                                        <p:tav tm="0">
+                                          <p:val>
+                                            <p:strVal val="ppt_y"/>
+                                          </p:val>
+                                        </p:tav>
+                                        <p:tav tm="100000">
+                                          <p:val>
+                                            <p:strVal val="ppt_y+.1"/>
+                                          </p:val>
+                                        </p:tav>
+                                      </p:tavLst>
+                                    </p:anim>
+                                    <p:set>
+                                      <p:cBhvr>
+                                        <p:cTn id="44" dur="1" fill="hold">
+                                          <p:stCondLst>
+                                            <p:cond delay="999"/>
+                                          </p:stCondLst>
+                                        </p:cTn>
+                                        <p:tgtEl>
+                                          <p:spTgt spid="3074"/>
+                                        </p:tgtEl>
+                                        <p:attrNameLst>
+                                          <p:attrName>style.visibility</p:attrName>
+                                        </p:attrNameLst>
+                                      </p:cBhvr>
+                                      <p:to>
+                                        <p:strVal val="hidden"/>
+                                      </p:to>
+                                    </p:set>
+                                  </p:childTnLst>
+                                </p:cTn>
+                              </p:par>
+                            </p:childTnLst>
+                          </p:cTn>
+                        </p:par>
+                      </p:childTnLst>
+                    </p:cTn>
+                  </p:par>
+                  <p:par>
+                    <p:cTn id="45" fill="hold">
+                      <p:stCondLst>
+                        <p:cond delay="indefinite"/>
+                      </p:stCondLst>
+                      <p:childTnLst>
+                        <p:par>
+                          <p:cTn id="46" fill="hold">
+                            <p:stCondLst>
+                              <p:cond delay="0"/>
+                            </p:stCondLst>
+                            <p:childTnLst>
+                              <p:par>
+                                <p:cTn id="47" presetID="14" presetClass="entr" presetSubtype="10" fill="hold" nodeType="clickEffect">
+                                  <p:stCondLst>
+                                    <p:cond delay="0"/>
+                                  </p:stCondLst>
+                                  <p:childTnLst>
+                                    <p:set>
+                                      <p:cBhvr>
+                                        <p:cTn id="48" dur="1" fill="hold">
+                                          <p:stCondLst>
+                                            <p:cond delay="0"/>
+                                          </p:stCondLst>
+                                        </p:cTn>
+                                        <p:tgtEl>
+                                          <p:spTgt spid="8"/>
+                                        </p:tgtEl>
+                                        <p:attrNameLst>
+                                          <p:attrName>style.visibility</p:attrName>
+                                        </p:attrNameLst>
+                                      </p:cBhvr>
+                                      <p:to>
+                                        <p:strVal val="visible"/>
+                                      </p:to>
+                                    </p:set>
+                                    <p:animEffect transition="in" filter="randombar(horizontal)">
+                                      <p:cBhvr>
+                                        <p:cTn id="49" dur="500"/>
+                                        <p:tgtEl>
+                                          <p:spTgt spid="8"/>
+                                        </p:tgtEl>
+                                      </p:cBhvr>
+                                    </p:animEffect>
+                                  </p:childTnLst>
+                                </p:cTn>
+                              </p:par>
+                            </p:childTnLst>
+                          </p:cTn>
+                        </p:par>
+                      </p:childTnLst>
+                    </p:cTn>
+                  </p:par>
+                  <p:par>
+                    <p:cTn id="50" fill="hold">
+                      <p:stCondLst>
+                        <p:cond delay="indefinite"/>
+                      </p:stCondLst>
+                      <p:childTnLst>
+                        <p:par>
+                          <p:cTn id="51" fill="hold">
+                            <p:stCondLst>
+                              <p:cond delay="0"/>
+                            </p:stCondLst>
+                            <p:childTnLst>
+                              <p:par>
+                                <p:cTn id="52" presetID="14" presetClass="exit" presetSubtype="10" fill="hold" nodeType="clickEffect">
+                                  <p:stCondLst>
+                                    <p:cond delay="0"/>
+                                  </p:stCondLst>
+                                  <p:childTnLst>
+                                    <p:animEffect transition="out" filter="randombar(horizontal)">
+                                      <p:cBhvr>
+                                        <p:cTn id="53" dur="500"/>
+                                        <p:tgtEl>
+                                          <p:spTgt spid="8"/>
+                                        </p:tgtEl>
+                                      </p:cBhvr>
+                                    </p:animEffect>
+                                    <p:set>
+                                      <p:cBhvr>
+                                        <p:cTn id="54" dur="1" fill="hold">
+                                          <p:stCondLst>
+                                            <p:cond delay="499"/>
+                                          </p:stCondLst>
+                                        </p:cTn>
+                                        <p:tgtEl>
+                                          <p:spTgt spid="8"/>
+                                        </p:tgtEl>
+                                        <p:attrNameLst>
+                                          <p:attrName>style.visibility</p:attrName>
+                                        </p:attrNameLst>
+                                      </p:cBhvr>
+                                      <p:to>
+                                        <p:strVal val="hidden"/>
+                                      </p:to>
+                                    </p:set>
+                                  </p:childTnLst>
+                                </p:cTn>
+                              </p:par>
+                            </p:childTnLst>
+                          </p:cTn>
+                        </p:par>
+                      </p:childTnLst>
+                    </p:cTn>
+                  </p:par>
+                  <p:par>
+                    <p:cTn id="55" fill="hold">
+                      <p:stCondLst>
+                        <p:cond delay="indefinite"/>
+                      </p:stCondLst>
+                      <p:childTnLst>
+                        <p:par>
+                          <p:cTn id="56" fill="hold">
+                            <p:stCondLst>
+                              <p:cond delay="0"/>
+                            </p:stCondLst>
+                            <p:childTnLst>
+                              <p:par>
+                                <p:cTn id="57" presetID="42" presetClass="entr" presetSubtype="0" fill="hold" nodeType="clickEffect">
+                                  <p:stCondLst>
+                                    <p:cond delay="0"/>
+                                  </p:stCondLst>
+                                  <p:childTnLst>
+                                    <p:set>
+                                      <p:cBhvr>
+                                        <p:cTn id="58" dur="1" fill="hold">
+                                          <p:stCondLst>
+                                            <p:cond delay="0"/>
+                                          </p:stCondLst>
+                                        </p:cTn>
+                                        <p:tgtEl>
+                                          <p:spTgt spid="9"/>
+                                        </p:tgtEl>
+                                        <p:attrNameLst>
+                                          <p:attrName>style.visibility</p:attrName>
+                                        </p:attrNameLst>
+                                      </p:cBhvr>
+                                      <p:to>
+                                        <p:strVal val="visible"/>
+                                      </p:to>
+                                    </p:set>
+                                    <p:animEffect transition="in" filter="fade">
+                                      <p:cBhvr>
+                                        <p:cTn id="59" dur="1000"/>
+                                        <p:tgtEl>
+                                          <p:spTgt spid="9"/>
+                                        </p:tgtEl>
+                                      </p:cBhvr>
+                                    </p:animEffect>
+                                    <p:anim calcmode="lin" valueType="num">
+                                      <p:cBhvr>
+                                        <p:cTn id="60" dur="1000" fill="hold"/>
+                                        <p:tgtEl>
+                                          <p:spTgt spid="9"/>
+                                        </p:tgtEl>
+                                        <p:attrNameLst>
+                                          <p:attrName>ppt_x</p:attrName>
+                                        </p:attrNameLst>
+                                      </p:cBhvr>
+                                      <p:tavLst>
+                                        <p:tav tm="0">
+                                          <p:val>
+                                            <p:strVal val="#ppt_x"/>
+                                          </p:val>
+                                        </p:tav>
+                                        <p:tav tm="100000">
+                                          <p:val>
+                                            <p:strVal val="#ppt_x"/>
+                                          </p:val>
+                                        </p:tav>
+                                      </p:tavLst>
+                                    </p:anim>
+                                    <p:anim calcmode="lin" valueType="num">
+                                      <p:cBhvr>
+                                        <p:cTn id="61" dur="1000" fill="hold"/>
+                                        <p:tgtEl>
+                                          <p:spTgt spid="9"/>
+                                        </p:tgtEl>
+                                        <p:attrNameLst>
+                                          <p:attrName>ppt_y</p:attrName>
+                                        </p:attrNameLst>
+                                      </p:cBhvr>
+                                      <p:tavLst>
+                                        <p:tav tm="0">
+                                          <p:val>
+                                            <p:strVal val="#ppt_y+.1"/>
+                                          </p:val>
+                                        </p:tav>
+                                        <p:tav tm="100000">
+                                          <p:val>
+                                            <p:strVal val="#ppt_y"/>
+                                          </p:val>
+                                        </p:tav>
+                                      </p:tavLst>
+                                    </p:anim>
+                                  </p:childTnLst>
+                                </p:cTn>
+                              </p:par>
+                            </p:childTnLst>
+                          </p:cTn>
+                        </p:par>
+                      </p:childTnLst>
+                    </p:cTn>
+                  </p:par>
+                </p:childTnLst>
+              </p:cTn>
+              <p:prevCondLst>
+                <p:cond evt="onPrev" delay="0">
+                  <p:tgtEl>
+                    <p:sldTgt/>
+                  </p:tgtEl>
+                </p:cond>
+              </p:prevCondLst>
+              <p:nextCondLst>
+                <p:cond evt="onNext" delay="0">
+                  <p:tgtEl>
+                    <p:sldTgt/>
+                  </p:tgtEl>
+                </p:cond>
+              </p:nextCondLst>
+            </p:seq>
+          </p:childTnLst>
+        </p:cTn>
+      </p:par>
+    </p:tnLst>
+  </p:timing>
+</p:sld>
+</file>
+
+<file path=ppt/slides/slide12.xml><?xml version="1.0" encoding="utf-8"?>
+<p:sld xmlns:a="http://schemas.openxmlformats.org/drawingml/2006/main" xmlns:r="http://schemas.openxmlformats.org/officeDocument/2006/relationships" xmlns:p="http://schemas.openxmlformats.org/presentationml/2006/main">
+  <p:cSld>
+    <p:spTree>
+      <p:nvGrpSpPr>
+        <p:cNvPr id="1" name=""/>
+        <p:cNvGrpSpPr/>
+        <p:nvPr/>
+      </p:nvGrpSpPr>
+      <p:grpSpPr>
+        <a:xfrm>
+          <a:off x="0" y="0"/>
+          <a:ext cx="0" cy="0"/>
+          <a:chOff x="0" y="0"/>
+          <a:chExt cx="0" cy="0"/>
+        </a:xfrm>
+      </p:grpSpPr>
+      <p:sp>
+        <p:nvSpPr>
+          <p:cNvPr id="2" name="标题 1"/>
+          <p:cNvSpPr>
+            <a:spLocks noGrp="1"/>
+          </p:cNvSpPr>
+          <p:nvPr>
+            <p:ph type="title"/>
+          </p:nvPr>
+        </p:nvSpPr>
+        <p:spPr>
+          <a:xfrm>
+            <a:off x="611560" y="116632"/>
+            <a:ext cx="7924800" cy="1143000"/>
+          </a:xfrm>
+        </p:spPr>
+        <p:txBody>
+          <a:bodyPr/>
+          <a:lstStyle/>
+          <a:p>
+            <a:pPr algn="ctr"/>
+            <a:r>
+              <a:rPr lang="en-US" altLang="zh-CN" sz="4800" dirty="0"/>
+              <a:t>4</a:t>
+            </a:r>
+            <a:r>
+              <a:rPr lang="zh-CN" altLang="en-US" sz="4800" dirty="0" smtClean="0"/>
+              <a:t>项目</a:t>
+            </a:r>
+            <a:r>
+              <a:rPr lang="zh-CN" altLang="en-US" sz="4800" dirty="0" smtClean="0"/>
+              <a:t>组织</a:t>
+            </a:r>
+            <a:endParaRPr lang="zh-CN" altLang="en-US" sz="4800" dirty="0"/>
+          </a:p>
+        </p:txBody>
+      </p:sp>
+      <p:pic>
+        <p:nvPicPr>
+          <p:cNvPr id="2050" name="Picture 2"/>
+          <p:cNvPicPr>
+            <a:picLocks noChangeAspect="1" noChangeArrowheads="1"/>
+          </p:cNvPicPr>
+          <p:nvPr/>
+        </p:nvPicPr>
+        <p:blipFill>
+          <a:blip r:embed="rId2" cstate="print">
+            <a:extLst>
+              <a:ext uri="{28A0092B-C50C-407E-A947-70E740481C1C}">
+                <a14:useLocalDpi xmlns:a14="http://schemas.microsoft.com/office/drawing/2010/main" val="0"/>
+              </a:ext>
+            </a:extLst>
+          </a:blip>
+          <a:srcRect/>
+          <a:stretch>
+            <a:fillRect/>
+          </a:stretch>
+        </p:blipFill>
+        <p:spPr bwMode="auto">
+          <a:xfrm>
+            <a:off x="-540568" y="1340768"/>
+            <a:ext cx="9468544" cy="5028350"/>
+          </a:xfrm>
+          <a:prstGeom prst="rect">
+            <a:avLst/>
+          </a:prstGeom>
+          <a:noFill/>
+          <a:ln>
+            <a:noFill/>
+          </a:ln>
+          <a:effectLst/>
+          <a:extLst>
+            <a:ext uri="{909E8E84-426E-40DD-AFC4-6F175D3DCCD1}">
+              <a14:hiddenFill xmlns:a14="http://schemas.microsoft.com/office/drawing/2010/main">
+                <a:solidFill>
+                  <a:schemeClr val="accent1"/>
+                </a:solidFill>
+              </a14:hiddenFill>
+            </a:ext>
+            <a:ext uri="{91240B29-F687-4F45-9708-019B960494DF}">
+              <a14:hiddenLine xmlns:a14="http://schemas.microsoft.com/office/drawing/2010/main" w="9525">
+                <a:solidFill>
+                  <a:schemeClr val="tx1"/>
+                </a:solidFill>
+                <a:miter lim="800000"/>
+                <a:headEnd/>
+                <a:tailEnd/>
+              </a14:hiddenLine>
+            </a:ext>
+            <a:ext uri="{AF507438-7753-43E0-B8FC-AC1667EBCBE1}">
+              <a14:hiddenEffects xmlns:a14="http://schemas.microsoft.com/office/drawing/2010/main">
+                <a:effectLst>
+                  <a:outerShdw dist="35921" dir="2700000" algn="ctr" rotWithShape="0">
+                    <a:schemeClr val="bg2"/>
+                  </a:outerShdw>
+                </a:effectLst>
+              </a14:hiddenEffects>
+            </a:ext>
+          </a:extLst>
+        </p:spPr>
+      </p:pic>
+      <p:sp>
+        <p:nvSpPr>
+          <p:cNvPr id="4" name="内容占位符 3"/>
+          <p:cNvSpPr>
+            <a:spLocks noGrp="1"/>
+          </p:cNvSpPr>
+          <p:nvPr>
+            <p:ph sz="quarter" idx="13"/>
+          </p:nvPr>
+        </p:nvSpPr>
+        <p:spPr>
+          <a:xfrm>
+            <a:off x="5652120" y="1369368"/>
+            <a:ext cx="3098304" cy="1051520"/>
+          </a:xfrm>
+        </p:spPr>
+        <p:txBody>
+          <a:bodyPr>
+            <a:normAutofit/>
+          </a:bodyPr>
+          <a:lstStyle/>
+          <a:p>
+            <a:r>
+              <a:rPr lang="zh-CN" altLang="zh-CN" sz="2400" b="1" dirty="0"/>
+              <a:t>项目组织结构</a:t>
+            </a:r>
+            <a:r>
+              <a:rPr lang="en-US" altLang="zh-CN" sz="2400" b="1" dirty="0"/>
+              <a:t> </a:t>
+            </a:r>
+            <a:endParaRPr lang="en-US" altLang="zh-CN" sz="2400" b="1" dirty="0" smtClean="0"/>
+          </a:p>
+          <a:p>
+            <a:r>
+              <a:rPr lang="zh-CN" altLang="zh-CN" sz="2400" b="1" dirty="0" smtClean="0"/>
+              <a:t>（</a:t>
+            </a:r>
+            <a:r>
+              <a:rPr lang="en-US" altLang="zh-CN" sz="2400" b="1" dirty="0" err="1"/>
+              <a:t>wbs</a:t>
+            </a:r>
+            <a:r>
+              <a:rPr lang="zh-CN" altLang="zh-CN" sz="2400" b="1" dirty="0"/>
+              <a:t>分解）</a:t>
+            </a:r>
+          </a:p>
+          <a:p>
+            <a:endParaRPr lang="zh-CN" altLang="en-US" dirty="0"/>
+          </a:p>
+        </p:txBody>
+      </p:sp>
+    </p:spTree>
+    <p:extLst>
+      <p:ext uri="{BB962C8B-B14F-4D97-AF65-F5344CB8AC3E}">
+        <p14:creationId xmlns:p14="http://schemas.microsoft.com/office/powerpoint/2010/main" val="688927325"/>
+      </p:ext>
+    </p:extLst>
+  </p:cSld>
+  <p:clrMapOvr>
+    <a:masterClrMapping/>
+  </p:clrMapOvr>
+  <p:transition spd="slow">
+    <p:push dir="u"/>
+  </p:transition>
+  <p:timing>
+    <p:tnLst>
+      <p:par>
+        <p:cTn id="1" dur="indefinite" restart="never" nodeType="tmRoot"/>
+      </p:par>
+    </p:tnLst>
+  </p:timing>
+</p:sld>
+</file>
+
+<file path=ppt/slides/slide13.xml><?xml version="1.0" encoding="utf-8"?>
+<p:sld xmlns:a="http://schemas.openxmlformats.org/drawingml/2006/main" xmlns:r="http://schemas.openxmlformats.org/officeDocument/2006/relationships" xmlns:p="http://schemas.openxmlformats.org/presentationml/2006/main">
+  <p:cSld>
+    <p:spTree>
+      <p:nvGrpSpPr>
+        <p:cNvPr id="1" name=""/>
+        <p:cNvGrpSpPr/>
+        <p:nvPr/>
+      </p:nvGrpSpPr>
+      <p:grpSpPr>
+        <a:xfrm>
+          <a:off x="0" y="0"/>
+          <a:ext cx="0" cy="0"/>
+          <a:chOff x="0" y="0"/>
+          <a:chExt cx="0" cy="0"/>
+        </a:xfrm>
+      </p:grpSpPr>
+      <p:sp>
+        <p:nvSpPr>
+          <p:cNvPr id="2" name="标题 1"/>
+          <p:cNvSpPr>
+            <a:spLocks noGrp="1"/>
+          </p:cNvSpPr>
+          <p:nvPr>
+            <p:ph type="title"/>
+          </p:nvPr>
+        </p:nvSpPr>
         <p:spPr>
           <a:xfrm>
             <a:off x="683568" y="548680"/>
@@ -3664,8 +5431,12 @@
           <a:lstStyle/>
           <a:p>
             <a:r>
+              <a:rPr lang="en-US" altLang="zh-CN" b="1" dirty="0"/>
+              <a:t>4</a:t>
+            </a:r>
+            <a:r>
               <a:rPr lang="en-US" altLang="zh-CN" b="1" dirty="0" smtClean="0"/>
-              <a:t>3.1</a:t>
+              <a:t>.1</a:t>
             </a:r>
             <a:r>
               <a:rPr lang="zh-CN" altLang="zh-CN" b="1" dirty="0" smtClean="0"/>
@@ -4403,7 +6174,7 @@
 </p:sld>
 </file>
 
-<file path=ppt/slides/slide11.xml><?xml version="1.0" encoding="utf-8"?>
+<file path=ppt/slides/slide14.xml><?xml version="1.0" encoding="utf-8"?>
 <p:sld xmlns:a="http://schemas.openxmlformats.org/drawingml/2006/main" xmlns:r="http://schemas.openxmlformats.org/officeDocument/2006/relationships" xmlns:p="http://schemas.openxmlformats.org/presentationml/2006/main">
   <p:cSld>
     <p:spTree>
@@ -4441,12 +6212,16 @@
           <a:lstStyle/>
           <a:p>
             <a:r>
-              <a:rPr lang="en-US" altLang="zh-CN" dirty="0"/>
-              <a:t>3.3 </a:t>
+              <a:rPr lang="en-US" altLang="zh-CN" dirty="0" smtClean="0"/>
+              <a:t>4.2</a:t>
+            </a:r>
+            <a:r>
+              <a:rPr lang="zh-CN" altLang="zh-CN" dirty="0" smtClean="0"/>
+              <a:t>项目</a:t>
             </a:r>
             <a:r>
               <a:rPr lang="zh-CN" altLang="zh-CN" dirty="0"/>
-              <a:t>项目相关活动的角色职责</a:t>
+              <a:t>相关活动的角色职责</a:t>
             </a:r>
             <a:endParaRPr lang="zh-CN" altLang="en-US" dirty="0"/>
           </a:p>
@@ -6602,7 +8377,7 @@
 </p:sld>
 </file>
 
-<file path=ppt/slides/slide12.xml><?xml version="1.0" encoding="utf-8"?>
+<file path=ppt/slides/slide15.xml><?xml version="1.0" encoding="utf-8"?>
 <p:sld xmlns:a="http://schemas.openxmlformats.org/drawingml/2006/main" xmlns:r="http://schemas.openxmlformats.org/officeDocument/2006/relationships" xmlns:p="http://schemas.openxmlformats.org/presentationml/2006/main">
   <p:cSld>
     <p:spTree>
@@ -6645,8 +8420,8 @@
               <a:t> </a:t>
             </a:r>
             <a:r>
-              <a:rPr lang="en-US" altLang="zh-CN" sz="4800" b="1" dirty="0"/>
-              <a:t>4</a:t>
+              <a:rPr lang="en-US" altLang="zh-CN" sz="4800" b="1" dirty="0" smtClean="0"/>
+              <a:t>5</a:t>
             </a:r>
             <a:r>
               <a:rPr lang="zh-CN" altLang="zh-CN" sz="4800" b="1" dirty="0" smtClean="0"/>
@@ -12006,6 +13781,72 @@
           </a:prstGeom>
         </p:spPr>
       </p:pic>
+      <p:pic>
+        <p:nvPicPr>
+          <p:cNvPr id="8" name="图片 7" descr="C:\Users\zdg\AppData\Roaming\Tencent\Users\380207345\QQ\WinTemp\RichOle\`UZ~@ACO1IJ{K{ALPEB@CDK.jpg"/>
+          <p:cNvPicPr/>
+          <p:nvPr/>
+        </p:nvPicPr>
+        <p:blipFill>
+          <a:blip r:embed="rId5">
+            <a:extLst>
+              <a:ext uri="{28A0092B-C50C-407E-A947-70E740481C1C}">
+                <a14:useLocalDpi xmlns:a14="http://schemas.microsoft.com/office/drawing/2010/main" val="0"/>
+              </a:ext>
+            </a:extLst>
+          </a:blip>
+          <a:srcRect/>
+          <a:stretch>
+            <a:fillRect/>
+          </a:stretch>
+        </p:blipFill>
+        <p:spPr bwMode="auto">
+          <a:xfrm>
+            <a:off x="0" y="1268760"/>
+            <a:ext cx="9192938" cy="4422889"/>
+          </a:xfrm>
+          <a:prstGeom prst="rect">
+            <a:avLst/>
+          </a:prstGeom>
+          <a:noFill/>
+          <a:ln>
+            <a:noFill/>
+          </a:ln>
+        </p:spPr>
+      </p:pic>
+      <p:pic>
+        <p:nvPicPr>
+          <p:cNvPr id="9" name="图片 8" descr="C:\Users\zdg\AppData\Roaming\Tencent\Users\380207345\QQ\WinTemp\RichOle\JBTT4@G2K3DS](RE1]0U`99.png"/>
+          <p:cNvPicPr/>
+          <p:nvPr/>
+        </p:nvPicPr>
+        <p:blipFill>
+          <a:blip r:embed="rId6">
+            <a:extLst>
+              <a:ext uri="{28A0092B-C50C-407E-A947-70E740481C1C}">
+                <a14:useLocalDpi xmlns:a14="http://schemas.microsoft.com/office/drawing/2010/main" val="0"/>
+              </a:ext>
+            </a:extLst>
+          </a:blip>
+          <a:srcRect/>
+          <a:stretch>
+            <a:fillRect/>
+          </a:stretch>
+        </p:blipFill>
+        <p:spPr bwMode="auto">
+          <a:xfrm>
+            <a:off x="-4591" y="1412776"/>
+            <a:ext cx="9113095" cy="3983363"/>
+          </a:xfrm>
+          <a:prstGeom prst="rect">
+            <a:avLst/>
+          </a:prstGeom>
+          <a:noFill/>
+          <a:ln>
+            <a:noFill/>
+          </a:ln>
+        </p:spPr>
+      </p:pic>
     </p:spTree>
     <p:extLst>
       <p:ext uri="{BB962C8B-B14F-4D97-AF65-F5344CB8AC3E}">
@@ -12245,20 +14086,73 @@
                             </p:stCondLst>
                             <p:childTnLst>
                               <p:par>
-                                <p:cTn id="22" presetID="42" presetClass="entr" presetSubtype="0" fill="hold" nodeType="clickEffect">
+                                <p:cTn id="22" presetID="10" presetClass="exit" presetSubtype="0" fill="hold" nodeType="clickEffect">
+                                  <p:stCondLst>
+                                    <p:cond delay="0"/>
+                                  </p:stCondLst>
+                                  <p:childTnLst>
+                                    <p:animEffect transition="out" filter="fade">
+                                      <p:cBhvr>
+                                        <p:cTn id="23" dur="500"/>
+                                        <p:tgtEl>
+                                          <p:spTgt spid="4"/>
+                                        </p:tgtEl>
+                                      </p:cBhvr>
+                                    </p:animEffect>
+                                    <p:set>
+                                      <p:cBhvr>
+                                        <p:cTn id="24" dur="1" fill="hold">
+                                          <p:stCondLst>
+                                            <p:cond delay="499"/>
+                                          </p:stCondLst>
+                                        </p:cTn>
+                                        <p:tgtEl>
+                                          <p:spTgt spid="4"/>
+                                        </p:tgtEl>
+                                        <p:attrNameLst>
+                                          <p:attrName>style.visibility</p:attrName>
+                                        </p:attrNameLst>
+                                      </p:cBhvr>
+                                      <p:to>
+                                        <p:strVal val="hidden"/>
+                                      </p:to>
+                                    </p:set>
+                                  </p:childTnLst>
+                                </p:cTn>
+                              </p:par>
+                            </p:childTnLst>
+                          </p:cTn>
+                        </p:par>
+                      </p:childTnLst>
+                    </p:cTn>
+                  </p:par>
+                  <p:par>
+                    <p:cTn id="25" fill="hold">
+                      <p:stCondLst>
+                        <p:cond delay="indefinite"/>
+                      </p:stCondLst>
+                      <p:childTnLst>
+                        <p:par>
+                          <p:cTn id="26" fill="hold">
+                            <p:stCondLst>
+                              <p:cond delay="0"/>
+                            </p:stCondLst>
+                            <p:childTnLst>
+                              <p:par>
+                                <p:cTn id="27" presetID="42" presetClass="entr" presetSubtype="0" fill="hold" nodeType="clickEffect">
                                   <p:stCondLst>
                                     <p:cond delay="0"/>
                                   </p:stCondLst>
                                   <p:childTnLst>
                                     <p:set>
                                       <p:cBhvr>
-                                        <p:cTn id="23" dur="1" fill="hold">
+                                        <p:cTn id="28" dur="1" fill="hold">
                                           <p:stCondLst>
                                             <p:cond delay="0"/>
                                           </p:stCondLst>
                                         </p:cTn>
                                         <p:tgtEl>
-                                          <p:spTgt spid="7"/>
+                                          <p:spTgt spid="8"/>
                                         </p:tgtEl>
                                         <p:attrNameLst>
                                           <p:attrName>style.visibility</p:attrName>
@@ -12270,17 +14164,17 @@
                                     </p:set>
                                     <p:animEffect transition="in" filter="fade">
                                       <p:cBhvr>
-                                        <p:cTn id="24" dur="1000"/>
-                                        <p:tgtEl>
-                                          <p:spTgt spid="7"/>
+                                        <p:cTn id="29" dur="1000"/>
+                                        <p:tgtEl>
+                                          <p:spTgt spid="8"/>
                                         </p:tgtEl>
                                       </p:cBhvr>
                                     </p:animEffect>
                                     <p:anim calcmode="lin" valueType="num">
                                       <p:cBhvr>
-                                        <p:cTn id="25" dur="1000" fill="hold"/>
-                                        <p:tgtEl>
-                                          <p:spTgt spid="7"/>
+                                        <p:cTn id="30" dur="1000" fill="hold"/>
+                                        <p:tgtEl>
+                                          <p:spTgt spid="8"/>
                                         </p:tgtEl>
                                         <p:attrNameLst>
                                           <p:attrName>ppt_x</p:attrName>
@@ -12301,7 +14195,403 @@
                                     </p:anim>
                                     <p:anim calcmode="lin" valueType="num">
                                       <p:cBhvr>
-                                        <p:cTn id="26" dur="1000" fill="hold"/>
+                                        <p:cTn id="31" dur="1000" fill="hold"/>
+                                        <p:tgtEl>
+                                          <p:spTgt spid="8"/>
+                                        </p:tgtEl>
+                                        <p:attrNameLst>
+                                          <p:attrName>ppt_y</p:attrName>
+                                        </p:attrNameLst>
+                                      </p:cBhvr>
+                                      <p:tavLst>
+                                        <p:tav tm="0">
+                                          <p:val>
+                                            <p:strVal val="#ppt_y+.1"/>
+                                          </p:val>
+                                        </p:tav>
+                                        <p:tav tm="100000">
+                                          <p:val>
+                                            <p:strVal val="#ppt_y"/>
+                                          </p:val>
+                                        </p:tav>
+                                      </p:tavLst>
+                                    </p:anim>
+                                  </p:childTnLst>
+                                </p:cTn>
+                              </p:par>
+                            </p:childTnLst>
+                          </p:cTn>
+                        </p:par>
+                      </p:childTnLst>
+                    </p:cTn>
+                  </p:par>
+                  <p:par>
+                    <p:cTn id="32" fill="hold">
+                      <p:stCondLst>
+                        <p:cond delay="indefinite"/>
+                      </p:stCondLst>
+                      <p:childTnLst>
+                        <p:par>
+                          <p:cTn id="33" fill="hold">
+                            <p:stCondLst>
+                              <p:cond delay="0"/>
+                            </p:stCondLst>
+                            <p:childTnLst>
+                              <p:par>
+                                <p:cTn id="34" presetID="42" presetClass="exit" presetSubtype="0" fill="hold" nodeType="clickEffect">
+                                  <p:stCondLst>
+                                    <p:cond delay="0"/>
+                                  </p:stCondLst>
+                                  <p:childTnLst>
+                                    <p:animEffect transition="out" filter="fade">
+                                      <p:cBhvr>
+                                        <p:cTn id="35" dur="1000"/>
+                                        <p:tgtEl>
+                                          <p:spTgt spid="8"/>
+                                        </p:tgtEl>
+                                      </p:cBhvr>
+                                    </p:animEffect>
+                                    <p:anim calcmode="lin" valueType="num">
+                                      <p:cBhvr>
+                                        <p:cTn id="36" dur="1000"/>
+                                        <p:tgtEl>
+                                          <p:spTgt spid="8"/>
+                                        </p:tgtEl>
+                                        <p:attrNameLst>
+                                          <p:attrName>ppt_x</p:attrName>
+                                        </p:attrNameLst>
+                                      </p:cBhvr>
+                                      <p:tavLst>
+                                        <p:tav tm="0">
+                                          <p:val>
+                                            <p:strVal val="ppt_x"/>
+                                          </p:val>
+                                        </p:tav>
+                                        <p:tav tm="100000">
+                                          <p:val>
+                                            <p:strVal val="ppt_x"/>
+                                          </p:val>
+                                        </p:tav>
+                                      </p:tavLst>
+                                    </p:anim>
+                                    <p:anim calcmode="lin" valueType="num">
+                                      <p:cBhvr>
+                                        <p:cTn id="37" dur="1000"/>
+                                        <p:tgtEl>
+                                          <p:spTgt spid="8"/>
+                                        </p:tgtEl>
+                                        <p:attrNameLst>
+                                          <p:attrName>ppt_y</p:attrName>
+                                        </p:attrNameLst>
+                                      </p:cBhvr>
+                                      <p:tavLst>
+                                        <p:tav tm="0">
+                                          <p:val>
+                                            <p:strVal val="ppt_y"/>
+                                          </p:val>
+                                        </p:tav>
+                                        <p:tav tm="100000">
+                                          <p:val>
+                                            <p:strVal val="ppt_y+.1"/>
+                                          </p:val>
+                                        </p:tav>
+                                      </p:tavLst>
+                                    </p:anim>
+                                    <p:set>
+                                      <p:cBhvr>
+                                        <p:cTn id="38" dur="1" fill="hold">
+                                          <p:stCondLst>
+                                            <p:cond delay="999"/>
+                                          </p:stCondLst>
+                                        </p:cTn>
+                                        <p:tgtEl>
+                                          <p:spTgt spid="8"/>
+                                        </p:tgtEl>
+                                        <p:attrNameLst>
+                                          <p:attrName>style.visibility</p:attrName>
+                                        </p:attrNameLst>
+                                      </p:cBhvr>
+                                      <p:to>
+                                        <p:strVal val="hidden"/>
+                                      </p:to>
+                                    </p:set>
+                                  </p:childTnLst>
+                                </p:cTn>
+                              </p:par>
+                            </p:childTnLst>
+                          </p:cTn>
+                        </p:par>
+                      </p:childTnLst>
+                    </p:cTn>
+                  </p:par>
+                  <p:par>
+                    <p:cTn id="39" fill="hold">
+                      <p:stCondLst>
+                        <p:cond delay="indefinite"/>
+                      </p:stCondLst>
+                      <p:childTnLst>
+                        <p:par>
+                          <p:cTn id="40" fill="hold">
+                            <p:stCondLst>
+                              <p:cond delay="0"/>
+                            </p:stCondLst>
+                            <p:childTnLst>
+                              <p:par>
+                                <p:cTn id="41" presetID="42" presetClass="entr" presetSubtype="0" fill="hold" nodeType="clickEffect">
+                                  <p:stCondLst>
+                                    <p:cond delay="0"/>
+                                  </p:stCondLst>
+                                  <p:childTnLst>
+                                    <p:set>
+                                      <p:cBhvr>
+                                        <p:cTn id="42" dur="1" fill="hold">
+                                          <p:stCondLst>
+                                            <p:cond delay="0"/>
+                                          </p:stCondLst>
+                                        </p:cTn>
+                                        <p:tgtEl>
+                                          <p:spTgt spid="9"/>
+                                        </p:tgtEl>
+                                        <p:attrNameLst>
+                                          <p:attrName>style.visibility</p:attrName>
+                                        </p:attrNameLst>
+                                      </p:cBhvr>
+                                      <p:to>
+                                        <p:strVal val="visible"/>
+                                      </p:to>
+                                    </p:set>
+                                    <p:animEffect transition="in" filter="fade">
+                                      <p:cBhvr>
+                                        <p:cTn id="43" dur="1000"/>
+                                        <p:tgtEl>
+                                          <p:spTgt spid="9"/>
+                                        </p:tgtEl>
+                                      </p:cBhvr>
+                                    </p:animEffect>
+                                    <p:anim calcmode="lin" valueType="num">
+                                      <p:cBhvr>
+                                        <p:cTn id="44" dur="1000" fill="hold"/>
+                                        <p:tgtEl>
+                                          <p:spTgt spid="9"/>
+                                        </p:tgtEl>
+                                        <p:attrNameLst>
+                                          <p:attrName>ppt_x</p:attrName>
+                                        </p:attrNameLst>
+                                      </p:cBhvr>
+                                      <p:tavLst>
+                                        <p:tav tm="0">
+                                          <p:val>
+                                            <p:strVal val="#ppt_x"/>
+                                          </p:val>
+                                        </p:tav>
+                                        <p:tav tm="100000">
+                                          <p:val>
+                                            <p:strVal val="#ppt_x"/>
+                                          </p:val>
+                                        </p:tav>
+                                      </p:tavLst>
+                                    </p:anim>
+                                    <p:anim calcmode="lin" valueType="num">
+                                      <p:cBhvr>
+                                        <p:cTn id="45" dur="1000" fill="hold"/>
+                                        <p:tgtEl>
+                                          <p:spTgt spid="9"/>
+                                        </p:tgtEl>
+                                        <p:attrNameLst>
+                                          <p:attrName>ppt_y</p:attrName>
+                                        </p:attrNameLst>
+                                      </p:cBhvr>
+                                      <p:tavLst>
+                                        <p:tav tm="0">
+                                          <p:val>
+                                            <p:strVal val="#ppt_y+.1"/>
+                                          </p:val>
+                                        </p:tav>
+                                        <p:tav tm="100000">
+                                          <p:val>
+                                            <p:strVal val="#ppt_y"/>
+                                          </p:val>
+                                        </p:tav>
+                                      </p:tavLst>
+                                    </p:anim>
+                                  </p:childTnLst>
+                                </p:cTn>
+                              </p:par>
+                            </p:childTnLst>
+                          </p:cTn>
+                        </p:par>
+                      </p:childTnLst>
+                    </p:cTn>
+                  </p:par>
+                  <p:par>
+                    <p:cTn id="46" fill="hold">
+                      <p:stCondLst>
+                        <p:cond delay="indefinite"/>
+                      </p:stCondLst>
+                      <p:childTnLst>
+                        <p:par>
+                          <p:cTn id="47" fill="hold">
+                            <p:stCondLst>
+                              <p:cond delay="0"/>
+                            </p:stCondLst>
+                            <p:childTnLst>
+                              <p:par>
+                                <p:cTn id="48" presetID="42" presetClass="exit" presetSubtype="0" fill="hold" nodeType="clickEffect">
+                                  <p:stCondLst>
+                                    <p:cond delay="0"/>
+                                  </p:stCondLst>
+                                  <p:childTnLst>
+                                    <p:animEffect transition="out" filter="fade">
+                                      <p:cBhvr>
+                                        <p:cTn id="49" dur="1000"/>
+                                        <p:tgtEl>
+                                          <p:spTgt spid="9"/>
+                                        </p:tgtEl>
+                                      </p:cBhvr>
+                                    </p:animEffect>
+                                    <p:anim calcmode="lin" valueType="num">
+                                      <p:cBhvr>
+                                        <p:cTn id="50" dur="1000"/>
+                                        <p:tgtEl>
+                                          <p:spTgt spid="9"/>
+                                        </p:tgtEl>
+                                        <p:attrNameLst>
+                                          <p:attrName>ppt_x</p:attrName>
+                                        </p:attrNameLst>
+                                      </p:cBhvr>
+                                      <p:tavLst>
+                                        <p:tav tm="0">
+                                          <p:val>
+                                            <p:strVal val="ppt_x"/>
+                                          </p:val>
+                                        </p:tav>
+                                        <p:tav tm="100000">
+                                          <p:val>
+                                            <p:strVal val="ppt_x"/>
+                                          </p:val>
+                                        </p:tav>
+                                      </p:tavLst>
+                                    </p:anim>
+                                    <p:anim calcmode="lin" valueType="num">
+                                      <p:cBhvr>
+                                        <p:cTn id="51" dur="1000"/>
+                                        <p:tgtEl>
+                                          <p:spTgt spid="9"/>
+                                        </p:tgtEl>
+                                        <p:attrNameLst>
+                                          <p:attrName>ppt_y</p:attrName>
+                                        </p:attrNameLst>
+                                      </p:cBhvr>
+                                      <p:tavLst>
+                                        <p:tav tm="0">
+                                          <p:val>
+                                            <p:strVal val="ppt_y"/>
+                                          </p:val>
+                                        </p:tav>
+                                        <p:tav tm="100000">
+                                          <p:val>
+                                            <p:strVal val="ppt_y+.1"/>
+                                          </p:val>
+                                        </p:tav>
+                                      </p:tavLst>
+                                    </p:anim>
+                                    <p:set>
+                                      <p:cBhvr>
+                                        <p:cTn id="52" dur="1" fill="hold">
+                                          <p:stCondLst>
+                                            <p:cond delay="999"/>
+                                          </p:stCondLst>
+                                        </p:cTn>
+                                        <p:tgtEl>
+                                          <p:spTgt spid="9"/>
+                                        </p:tgtEl>
+                                        <p:attrNameLst>
+                                          <p:attrName>style.visibility</p:attrName>
+                                        </p:attrNameLst>
+                                      </p:cBhvr>
+                                      <p:to>
+                                        <p:strVal val="hidden"/>
+                                      </p:to>
+                                    </p:set>
+                                  </p:childTnLst>
+                                </p:cTn>
+                              </p:par>
+                            </p:childTnLst>
+                          </p:cTn>
+                        </p:par>
+                      </p:childTnLst>
+                    </p:cTn>
+                  </p:par>
+                  <p:par>
+                    <p:cTn id="53" fill="hold">
+                      <p:stCondLst>
+                        <p:cond delay="indefinite"/>
+                      </p:stCondLst>
+                      <p:childTnLst>
+                        <p:par>
+                          <p:cTn id="54" fill="hold">
+                            <p:stCondLst>
+                              <p:cond delay="0"/>
+                            </p:stCondLst>
+                            <p:childTnLst>
+                              <p:par>
+                                <p:cTn id="55" presetID="42" presetClass="entr" presetSubtype="0" fill="hold" nodeType="clickEffect">
+                                  <p:stCondLst>
+                                    <p:cond delay="0"/>
+                                  </p:stCondLst>
+                                  <p:childTnLst>
+                                    <p:set>
+                                      <p:cBhvr>
+                                        <p:cTn id="56" dur="1" fill="hold">
+                                          <p:stCondLst>
+                                            <p:cond delay="0"/>
+                                          </p:stCondLst>
+                                        </p:cTn>
+                                        <p:tgtEl>
+                                          <p:spTgt spid="7"/>
+                                        </p:tgtEl>
+                                        <p:attrNameLst>
+                                          <p:attrName>style.visibility</p:attrName>
+                                        </p:attrNameLst>
+                                      </p:cBhvr>
+                                      <p:to>
+                                        <p:strVal val="visible"/>
+                                      </p:to>
+                                    </p:set>
+                                    <p:animEffect transition="in" filter="fade">
+                                      <p:cBhvr>
+                                        <p:cTn id="57" dur="1000"/>
+                                        <p:tgtEl>
+                                          <p:spTgt spid="7"/>
+                                        </p:tgtEl>
+                                      </p:cBhvr>
+                                    </p:animEffect>
+                                    <p:anim calcmode="lin" valueType="num">
+                                      <p:cBhvr>
+                                        <p:cTn id="58" dur="1000" fill="hold"/>
+                                        <p:tgtEl>
+                                          <p:spTgt spid="7"/>
+                                        </p:tgtEl>
+                                        <p:attrNameLst>
+                                          <p:attrName>ppt_x</p:attrName>
+                                        </p:attrNameLst>
+                                      </p:cBhvr>
+                                      <p:tavLst>
+                                        <p:tav tm="0">
+                                          <p:val>
+                                            <p:strVal val="#ppt_x"/>
+                                          </p:val>
+                                        </p:tav>
+                                        <p:tav tm="100000">
+                                          <p:val>
+                                            <p:strVal val="#ppt_x"/>
+                                          </p:val>
+                                        </p:tav>
+                                      </p:tavLst>
+                                    </p:anim>
+                                    <p:anim calcmode="lin" valueType="num">
+                                      <p:cBhvr>
+                                        <p:cTn id="59" dur="1000" fill="hold"/>
                                         <p:tgtEl>
                                           <p:spTgt spid="7"/>
                                         </p:tgtEl>
@@ -12356,7 +14646,7 @@
 </p:sld>
 </file>
 
-<file path=ppt/slides/slide13.xml><?xml version="1.0" encoding="utf-8"?>
+<file path=ppt/slides/slide16.xml><?xml version="1.0" encoding="utf-8"?>
 <p:sld xmlns:a="http://schemas.openxmlformats.org/drawingml/2006/main" xmlns:r="http://schemas.openxmlformats.org/officeDocument/2006/relationships" xmlns:p="http://schemas.openxmlformats.org/presentationml/2006/main">
   <p:cSld>
     <p:spTree>
@@ -12396,7 +14686,7 @@
             <a:pPr algn="ctr"/>
             <a:r>
               <a:rPr lang="en-US" altLang="zh-CN" sz="4800" dirty="0"/>
-              <a:t>5</a:t>
+              <a:t>6</a:t>
             </a:r>
             <a:r>
               <a:rPr lang="en-US" altLang="zh-CN" sz="4800" dirty="0"/>
@@ -12441,24 +14731,28 @@
               <a:t>2017</a:t>
             </a:r>
             <a:r>
+              <a:rPr lang="zh-CN" altLang="zh-CN" sz="2400" dirty="0" smtClean="0"/>
+              <a:t>年</a:t>
+            </a:r>
+            <a:r>
+              <a:rPr lang="en-US" altLang="zh-CN" sz="2400" dirty="0"/>
+              <a:t>4</a:t>
+            </a:r>
+            <a:r>
+              <a:rPr lang="zh-CN" altLang="zh-CN" sz="2400" dirty="0" smtClean="0"/>
+              <a:t>月</a:t>
+            </a:r>
+            <a:r>
+              <a:rPr lang="en-US" altLang="zh-CN" sz="2400" dirty="0"/>
+              <a:t>9</a:t>
+            </a:r>
+            <a:r>
+              <a:rPr lang="zh-CN" altLang="zh-CN" sz="2400" dirty="0" smtClean="0"/>
+              <a:t>日</a:t>
+            </a:r>
+            <a:r>
               <a:rPr lang="zh-CN" altLang="zh-CN" sz="2400" dirty="0"/>
-              <a:t>年</a:t>
-            </a:r>
-            <a:r>
-              <a:rPr lang="en-US" altLang="zh-CN" sz="2400" dirty="0"/>
-              <a:t>3</a:t>
-            </a:r>
-            <a:r>
-              <a:rPr lang="zh-CN" altLang="zh-CN" sz="2400" dirty="0"/>
-              <a:t>月</a:t>
-            </a:r>
-            <a:r>
-              <a:rPr lang="en-US" altLang="zh-CN" sz="2400" dirty="0"/>
-              <a:t>31</a:t>
-            </a:r>
-            <a:r>
-              <a:rPr lang="zh-CN" altLang="zh-CN" sz="2400" dirty="0"/>
-              <a:t>日（文案完成）</a:t>
+              <a:t>（文案完成）</a:t>
             </a:r>
           </a:p>
           <a:p>
@@ -12674,7 +14968,7 @@
 </p:sld>
 </file>
 
-<file path=ppt/slides/slide14.xml><?xml version="1.0" encoding="utf-8"?>
+<file path=ppt/slides/slide17.xml><?xml version="1.0" encoding="utf-8"?>
 <p:sld xmlns:a="http://schemas.openxmlformats.org/drawingml/2006/main" xmlns:r="http://schemas.openxmlformats.org/officeDocument/2006/relationships" xmlns:p="http://schemas.openxmlformats.org/presentationml/2006/main">
   <p:cSld>
     <p:spTree>
@@ -12714,7 +15008,7 @@
             <a:pPr algn="ctr"/>
             <a:r>
               <a:rPr lang="en-US" altLang="zh-CN" sz="4800" dirty="0"/>
-              <a:t>6</a:t>
+              <a:t>7</a:t>
             </a:r>
             <a:r>
               <a:rPr lang="zh-CN" altLang="zh-CN" sz="4800" dirty="0" smtClean="0"/>
@@ -14012,7 +16306,7 @@
 </p:sld>
 </file>
 
-<file path=ppt/slides/slide15.xml><?xml version="1.0" encoding="utf-8"?>
+<file path=ppt/slides/slide18.xml><?xml version="1.0" encoding="utf-8"?>
 <p:sld xmlns:a="http://schemas.openxmlformats.org/drawingml/2006/main" xmlns:r="http://schemas.openxmlformats.org/officeDocument/2006/relationships" xmlns:p="http://schemas.openxmlformats.org/presentationml/2006/main">
   <p:cSld>
     <p:spTree>
@@ -14046,7 +16340,7 @@
           <a:p>
             <a:r>
               <a:rPr lang="en-US" altLang="zh-CN" dirty="0"/>
-              <a:t>6</a:t>
+              <a:t>7</a:t>
             </a:r>
             <a:r>
               <a:rPr lang="en-US" altLang="zh-CN" dirty="0" smtClean="0"/>
@@ -14150,11 +16444,58 @@
           <a:p>
             <a:r>
               <a:rPr lang="zh-CN" altLang="en-US" sz="2400" dirty="0" smtClean="0"/>
-              <a:t>会议记录：谢正树</a:t>
+              <a:t>谢正树</a:t>
+            </a:r>
+            <a:r>
+              <a:rPr lang="en-US" altLang="zh-CN" sz="2400" dirty="0" smtClean="0"/>
+              <a:t>:</a:t>
+            </a:r>
+            <a:r>
+              <a:rPr lang="zh-CN" altLang="en-US" sz="2400" dirty="0" smtClean="0"/>
+              <a:t>需求规格说明</a:t>
+            </a:r>
+            <a:r>
+              <a:rPr lang="en-US" altLang="zh-CN" sz="2400" dirty="0" smtClean="0"/>
+              <a:t>word,</a:t>
+            </a:r>
+            <a:r>
+              <a:rPr lang="zh-CN" altLang="en-US" sz="2400" dirty="0" smtClean="0"/>
+              <a:t>会议记录</a:t>
             </a:r>
             <a:endParaRPr lang="en-US" altLang="zh-CN" sz="2400" dirty="0" smtClean="0"/>
           </a:p>
           <a:p>
+            <a:r>
+              <a:rPr lang="zh-CN" altLang="en-US" sz="2400" dirty="0"/>
+              <a:t>嵇德宏</a:t>
+            </a:r>
+            <a:r>
+              <a:rPr lang="en-US" altLang="zh-CN" sz="2400" dirty="0" smtClean="0"/>
+              <a:t>:</a:t>
+            </a:r>
+            <a:r>
+              <a:rPr lang="zh-CN" altLang="en-US" sz="2400" dirty="0" smtClean="0"/>
+              <a:t>部分图表制作</a:t>
+            </a:r>
+            <a:r>
+              <a:rPr lang="en-US" altLang="zh-CN" sz="2400" dirty="0" smtClean="0"/>
+              <a:t>,</a:t>
+            </a:r>
+            <a:r>
+              <a:rPr lang="zh-CN" altLang="en-US" sz="2400" dirty="0" smtClean="0"/>
+              <a:t>调查问卷制作分析</a:t>
+            </a:r>
+            <a:endParaRPr lang="en-US" altLang="zh-CN" sz="2400" dirty="0" smtClean="0"/>
+          </a:p>
+          <a:p>
+            <a:r>
+              <a:rPr lang="zh-CN" altLang="en-US" sz="2400" dirty="0" smtClean="0"/>
+              <a:t>郑丁公</a:t>
+            </a:r>
+            <a:r>
+              <a:rPr lang="en-US" altLang="zh-CN" sz="2400" dirty="0" smtClean="0"/>
+              <a:t>:</a:t>
+            </a:r>
             <a:r>
               <a:rPr lang="zh-CN" altLang="en-US" sz="2400" dirty="0" smtClean="0"/>
               <a:t>项目计划</a:t>
@@ -14165,20 +16506,29 @@
             </a:r>
             <a:r>
               <a:rPr lang="zh-CN" altLang="en-US" sz="2400" dirty="0" smtClean="0"/>
-              <a:t>完善：郑丁公</a:t>
+              <a:t>完善</a:t>
+            </a:r>
+            <a:r>
+              <a:rPr lang="en-US" altLang="zh-CN" sz="2400" dirty="0" smtClean="0"/>
+              <a:t>,</a:t>
+            </a:r>
+            <a:r>
+              <a:rPr lang="en-US" altLang="zh-CN" sz="2400" dirty="0" err="1" smtClean="0"/>
+              <a:t>ppt</a:t>
+            </a:r>
+            <a:r>
+              <a:rPr lang="zh-CN" altLang="en-US" sz="2400" dirty="0" smtClean="0"/>
+              <a:t>制作</a:t>
+            </a:r>
+            <a:r>
+              <a:rPr lang="en-US" altLang="zh-CN" sz="2400" dirty="0" smtClean="0"/>
+              <a:t>,</a:t>
+            </a:r>
+            <a:r>
+              <a:rPr lang="zh-CN" altLang="en-US" sz="2400" dirty="0" smtClean="0"/>
+              <a:t>部分图表制作</a:t>
             </a:r>
             <a:endParaRPr lang="en-US" altLang="zh-CN" sz="2400" dirty="0" smtClean="0"/>
-          </a:p>
-          <a:p>
-            <a:r>
-              <a:rPr lang="en-US" altLang="zh-CN" sz="2400" dirty="0" err="1" smtClean="0"/>
-              <a:t>Ppt</a:t>
-            </a:r>
-            <a:r>
-              <a:rPr lang="zh-CN" altLang="en-US" sz="2400" dirty="0" smtClean="0"/>
-              <a:t>制作：郑丁公，嵇德宏</a:t>
-            </a:r>
-            <a:endParaRPr lang="zh-CN" altLang="en-US" sz="2400" dirty="0"/>
           </a:p>
         </p:txBody>
       </p:sp>
@@ -14205,7 +16555,7 @@
 </p:sld>
 </file>
 
-<file path=ppt/slides/slide16.xml><?xml version="1.0" encoding="utf-8"?>
+<file path=ppt/slides/slide19.xml><?xml version="1.0" encoding="utf-8"?>
 <p:sld xmlns:a="http://schemas.openxmlformats.org/drawingml/2006/main" xmlns:r="http://schemas.openxmlformats.org/officeDocument/2006/relationships" xmlns:p="http://schemas.openxmlformats.org/presentationml/2006/main">
   <p:cSld>
     <p:spTree>
@@ -14297,13 +16647,13 @@
   <p:clrMapOvr>
     <a:masterClrMapping/>
   </p:clrMapOvr>
-  <mc:AlternateContent xmlns:mc="http://schemas.openxmlformats.org/markup-compatibility/2006">
-    <mc:Choice xmlns:p14="http://schemas.microsoft.com/office/powerpoint/2010/main" Requires="p14">
+  <mc:AlternateContent xmlns:mc="http://schemas.openxmlformats.org/markup-compatibility/2006" xmlns:p14="http://schemas.microsoft.com/office/powerpoint/2010/main">
+    <mc:Choice Requires="p14">
       <p:transition spd="slow" p14:dur="1200">
         <p14:prism/>
       </p:transition>
     </mc:Choice>
-    <mc:Fallback>
+    <mc:Fallback xmlns="">
       <p:transition spd="slow">
         <p:fade/>
       </p:transition>
@@ -14361,16 +16711,14 @@
       </p:sp>
       <p:sp>
         <p:nvSpPr>
-          <p:cNvPr id="4" name="TextBox 3">
-            <a:hlinkClick r:id="rId2" action="ppaction://hlinksldjump"/>
-          </p:cNvPr>
+          <p:cNvPr id="3" name="TextBox 2"/>
           <p:cNvSpPr txBox="1"/>
           <p:nvPr/>
         </p:nvSpPr>
         <p:spPr>
           <a:xfrm>
-            <a:off x="1115616" y="1268760"/>
-            <a:ext cx="8856984" cy="707886"/>
+            <a:off x="751351" y="1404530"/>
+            <a:ext cx="7773667" cy="5324814"/>
           </a:xfrm>
           <a:prstGeom prst="rect">
             <a:avLst/>
@@ -14378,201 +16726,149 @@
           <a:noFill/>
         </p:spPr>
         <p:txBody>
-          <a:bodyPr wrap="square" rtlCol="0">
+          <a:bodyPr vert="wordArtVertRtl" wrap="square" rtlCol="0">
             <a:spAutoFit/>
           </a:bodyPr>
           <a:lstStyle/>
           <a:p>
-            <a:r>
-              <a:rPr lang="en-US" altLang="zh-CN" sz="4000" dirty="0" smtClean="0"/>
-              <a:t>01.</a:t>
-            </a:r>
-            <a:r>
-              <a:rPr lang="zh-CN" altLang="en-US" sz="4000" dirty="0" smtClean="0"/>
+            <a:pPr>
+              <a:lnSpc>
+                <a:spcPct val="200000"/>
+              </a:lnSpc>
+            </a:pPr>
+            <a:r>
+              <a:rPr lang="en-US" altLang="zh-CN" sz="3200" dirty="0" smtClean="0">
+                <a:hlinkClick r:id="rId2" action="ppaction://hlinksldjump"/>
+              </a:rPr>
+              <a:t>1</a:t>
+            </a:r>
+            <a:r>
+              <a:rPr lang="zh-CN" altLang="en-US" sz="3200" dirty="0" smtClean="0">
+                <a:hlinkClick r:id="rId2" action="ppaction://hlinksldjump"/>
+              </a:rPr>
               <a:t>前言</a:t>
             </a:r>
-          </a:p>
-        </p:txBody>
-      </p:sp>
-      <p:sp>
-        <p:nvSpPr>
-          <p:cNvPr id="5" name="TextBox 4">
-            <a:hlinkClick r:id="rId3" action="ppaction://hlinksldjump"/>
-          </p:cNvPr>
-          <p:cNvSpPr txBox="1"/>
-          <p:nvPr/>
-        </p:nvSpPr>
-        <p:spPr>
-          <a:xfrm>
-            <a:off x="1115616" y="1988840"/>
-            <a:ext cx="5400600" cy="1323439"/>
-          </a:xfrm>
-          <a:prstGeom prst="rect">
-            <a:avLst/>
-          </a:prstGeom>
-          <a:noFill/>
-        </p:spPr>
-        <p:txBody>
-          <a:bodyPr wrap="square" rtlCol="0">
-            <a:spAutoFit/>
-          </a:bodyPr>
-          <a:lstStyle/>
-          <a:p>
-            <a:r>
-              <a:rPr lang="en-US" altLang="zh-CN" sz="4000" dirty="0" smtClean="0"/>
-              <a:t>02.</a:t>
-            </a:r>
-            <a:r>
-              <a:rPr lang="zh-CN" altLang="en-US" sz="4000" dirty="0" smtClean="0"/>
+            <a:endParaRPr lang="en-US" altLang="zh-CN" sz="3200" dirty="0" smtClean="0"/>
+          </a:p>
+          <a:p>
+            <a:pPr>
+              <a:lnSpc>
+                <a:spcPct val="200000"/>
+              </a:lnSpc>
+            </a:pPr>
+            <a:r>
+              <a:rPr lang="en-US" altLang="zh-CN" sz="3200" dirty="0" smtClean="0">
+                <a:hlinkClick r:id="rId3" action="ppaction://hlinksldjump"/>
+              </a:rPr>
+              <a:t>2</a:t>
+            </a:r>
+            <a:r>
+              <a:rPr lang="zh-CN" altLang="en-US" sz="3200" dirty="0" smtClean="0">
+                <a:hlinkClick r:id="rId3" action="ppaction://hlinksldjump"/>
+              </a:rPr>
               <a:t>项目概述</a:t>
             </a:r>
-          </a:p>
-          <a:p>
-            <a:endParaRPr lang="zh-CN" altLang="en-US" sz="4000" dirty="0"/>
-          </a:p>
-        </p:txBody>
-      </p:sp>
-      <p:sp>
-        <p:nvSpPr>
-          <p:cNvPr id="9" name="TextBox 8">
-            <a:hlinkClick r:id="rId4" action="ppaction://hlinksldjump"/>
-          </p:cNvPr>
-          <p:cNvSpPr txBox="1"/>
-          <p:nvPr/>
-        </p:nvSpPr>
-        <p:spPr>
-          <a:xfrm>
-            <a:off x="1115616" y="2793122"/>
-            <a:ext cx="2952328" cy="707886"/>
-          </a:xfrm>
-          <a:prstGeom prst="rect">
-            <a:avLst/>
-          </a:prstGeom>
-          <a:noFill/>
-        </p:spPr>
-        <p:txBody>
-          <a:bodyPr wrap="square" rtlCol="0">
-            <a:spAutoFit/>
-          </a:bodyPr>
-          <a:lstStyle/>
-          <a:p>
-            <a:r>
-              <a:rPr lang="en-US" altLang="zh-CN" sz="4000" dirty="0" smtClean="0"/>
-              <a:t>03.</a:t>
-            </a:r>
-            <a:r>
-              <a:rPr lang="zh-CN" altLang="en-US" sz="4000" dirty="0" smtClean="0"/>
+            <a:endParaRPr lang="en-US" altLang="zh-CN" sz="3200" dirty="0" smtClean="0"/>
+          </a:p>
+          <a:p>
+            <a:pPr>
+              <a:lnSpc>
+                <a:spcPct val="200000"/>
+              </a:lnSpc>
+            </a:pPr>
+            <a:r>
+              <a:rPr lang="en-US" altLang="zh-CN" sz="3200" dirty="0" smtClean="0">
+                <a:hlinkClick r:id="rId4" action="ppaction://hlinksldjump"/>
+              </a:rPr>
+              <a:t>3</a:t>
+            </a:r>
+            <a:r>
+              <a:rPr lang="zh-CN" altLang="en-US" sz="3200" dirty="0" smtClean="0">
+                <a:hlinkClick r:id="rId4" action="ppaction://hlinksldjump"/>
+              </a:rPr>
+              <a:t>需求规格</a:t>
+            </a:r>
+            <a:endParaRPr lang="en-US" altLang="zh-CN" sz="3200" dirty="0" smtClean="0"/>
+          </a:p>
+          <a:p>
+            <a:pPr>
+              <a:lnSpc>
+                <a:spcPct val="200000"/>
+              </a:lnSpc>
+            </a:pPr>
+            <a:r>
+              <a:rPr lang="en-US" altLang="zh-CN" sz="3200" dirty="0" smtClean="0">
+                <a:hlinkClick r:id="rId5" action="ppaction://hlinksldjump"/>
+              </a:rPr>
+              <a:t>4</a:t>
+            </a:r>
+            <a:r>
+              <a:rPr lang="zh-CN" altLang="en-US" sz="3200" dirty="0" smtClean="0">
+                <a:hlinkClick r:id="rId5" action="ppaction://hlinksldjump"/>
+              </a:rPr>
               <a:t>项目组织</a:t>
             </a:r>
-            <a:endParaRPr lang="zh-CN" altLang="en-US" sz="4000" dirty="0"/>
-          </a:p>
-        </p:txBody>
-      </p:sp>
-      <p:sp>
-        <p:nvSpPr>
-          <p:cNvPr id="10" name="TextBox 9">
-            <a:hlinkClick r:id="rId5" action="ppaction://hlinksldjump"/>
-          </p:cNvPr>
-          <p:cNvSpPr txBox="1"/>
-          <p:nvPr/>
-        </p:nvSpPr>
-        <p:spPr>
-          <a:xfrm>
-            <a:off x="1106186" y="3573016"/>
-            <a:ext cx="4401918" cy="707886"/>
-          </a:xfrm>
-          <a:prstGeom prst="rect">
-            <a:avLst/>
-          </a:prstGeom>
-          <a:noFill/>
-        </p:spPr>
-        <p:txBody>
-          <a:bodyPr wrap="square" rtlCol="0">
-            <a:spAutoFit/>
-          </a:bodyPr>
-          <a:lstStyle/>
-          <a:p>
-            <a:r>
-              <a:rPr lang="en-US" altLang="zh-CN" sz="4000" dirty="0" smtClean="0"/>
-              <a:t>04.</a:t>
-            </a:r>
-            <a:r>
-              <a:rPr lang="zh-CN" altLang="en-US" sz="4000" dirty="0" smtClean="0"/>
-              <a:t>任务分解</a:t>
-            </a:r>
-            <a:endParaRPr lang="zh-CN" altLang="en-US" sz="4000" dirty="0"/>
-          </a:p>
-        </p:txBody>
-      </p:sp>
-      <p:sp>
-        <p:nvSpPr>
-          <p:cNvPr id="11" name="TextBox 10">
-            <a:hlinkClick r:id="rId6" action="ppaction://hlinksldjump"/>
-          </p:cNvPr>
-          <p:cNvSpPr txBox="1"/>
-          <p:nvPr/>
-        </p:nvSpPr>
-        <p:spPr>
-          <a:xfrm>
-            <a:off x="1115616" y="4402618"/>
-            <a:ext cx="4449992" cy="707886"/>
-          </a:xfrm>
-          <a:prstGeom prst="rect">
-            <a:avLst/>
-          </a:prstGeom>
-          <a:noFill/>
-        </p:spPr>
-        <p:txBody>
-          <a:bodyPr wrap="square" rtlCol="0">
-            <a:spAutoFit/>
-          </a:bodyPr>
-          <a:lstStyle/>
-          <a:p>
-            <a:r>
-              <a:rPr lang="en-US" altLang="zh-CN" sz="4000" dirty="0" smtClean="0"/>
-              <a:t>05.</a:t>
-            </a:r>
-            <a:r>
-              <a:rPr lang="zh-CN" altLang="en-US" sz="4000" dirty="0" smtClean="0"/>
+            <a:endParaRPr lang="en-US" altLang="zh-CN" sz="3200" dirty="0" smtClean="0"/>
+          </a:p>
+          <a:p>
+            <a:pPr>
+              <a:lnSpc>
+                <a:spcPct val="200000"/>
+              </a:lnSpc>
+            </a:pPr>
+            <a:r>
+              <a:rPr lang="en-US" altLang="zh-CN" sz="3200" dirty="0" smtClean="0">
+                <a:hlinkClick r:id="rId6" action="ppaction://hlinksldjump"/>
+              </a:rPr>
+              <a:t>5</a:t>
+            </a:r>
+            <a:r>
+              <a:rPr lang="zh-CN" altLang="en-US" sz="3200" dirty="0" smtClean="0">
+                <a:hlinkClick r:id="rId6" action="ppaction://hlinksldjump"/>
+              </a:rPr>
+              <a:t>工作任务分解</a:t>
+            </a:r>
+            <a:endParaRPr lang="en-US" altLang="zh-CN" sz="3200" dirty="0" smtClean="0"/>
+          </a:p>
+          <a:p>
+            <a:pPr>
+              <a:lnSpc>
+                <a:spcPct val="200000"/>
+              </a:lnSpc>
+            </a:pPr>
+            <a:r>
+              <a:rPr lang="en-US" altLang="zh-CN" sz="3200" dirty="0" smtClean="0">
+                <a:hlinkClick r:id="rId7" action="ppaction://hlinksldjump"/>
+              </a:rPr>
+              <a:t>6</a:t>
+            </a:r>
+            <a:r>
+              <a:rPr lang="zh-CN" altLang="en-US" sz="3200" dirty="0" smtClean="0">
+                <a:hlinkClick r:id="rId7" action="ppaction://hlinksldjump"/>
+              </a:rPr>
               <a:t>项目估计</a:t>
             </a:r>
-            <a:endParaRPr lang="zh-CN" altLang="en-US" sz="4000" dirty="0"/>
-          </a:p>
-        </p:txBody>
-      </p:sp>
-      <p:sp>
-        <p:nvSpPr>
-          <p:cNvPr id="12" name="TextBox 11">
-            <a:hlinkClick r:id="rId7" action="ppaction://hlinksldjump"/>
-          </p:cNvPr>
-          <p:cNvSpPr txBox="1"/>
-          <p:nvPr/>
-        </p:nvSpPr>
-        <p:spPr>
-          <a:xfrm>
-            <a:off x="1091682" y="5301208"/>
-            <a:ext cx="7704856" cy="707886"/>
-          </a:xfrm>
-          <a:prstGeom prst="rect">
-            <a:avLst/>
-          </a:prstGeom>
-          <a:noFill/>
-        </p:spPr>
-        <p:txBody>
-          <a:bodyPr wrap="square" rtlCol="0">
-            <a:spAutoFit/>
-          </a:bodyPr>
-          <a:lstStyle/>
-          <a:p>
-            <a:r>
-              <a:rPr lang="en-US" altLang="zh-CN" sz="4000" dirty="0" smtClean="0"/>
-              <a:t>06.</a:t>
-            </a:r>
-            <a:r>
-              <a:rPr lang="zh-CN" altLang="en-US" sz="4000" dirty="0" smtClean="0"/>
+            <a:endParaRPr lang="en-US" altLang="zh-CN" sz="3200" dirty="0" smtClean="0"/>
+          </a:p>
+          <a:p>
+            <a:pPr>
+              <a:lnSpc>
+                <a:spcPct val="200000"/>
+              </a:lnSpc>
+            </a:pPr>
+            <a:r>
+              <a:rPr lang="en-US" altLang="zh-CN" sz="3200" dirty="0" smtClean="0">
+                <a:hlinkClick r:id="rId8" action="ppaction://hlinksldjump"/>
+              </a:rPr>
+              <a:t>7</a:t>
+            </a:r>
+            <a:r>
+              <a:rPr lang="zh-CN" altLang="en-US" sz="3200" dirty="0" smtClean="0">
+                <a:hlinkClick r:id="rId8" action="ppaction://hlinksldjump"/>
+              </a:rPr>
               <a:t>其它</a:t>
             </a:r>
-            <a:endParaRPr lang="zh-CN" altLang="en-US" sz="4000" dirty="0"/>
+            <a:endParaRPr lang="zh-CN" altLang="en-US" sz="3200" dirty="0"/>
           </a:p>
         </p:txBody>
       </p:sp>
@@ -14586,13 +16882,13 @@
   <p:clrMapOvr>
     <a:masterClrMapping/>
   </p:clrMapOvr>
-  <mc:AlternateContent xmlns:mc="http://schemas.openxmlformats.org/markup-compatibility/2006">
-    <mc:Choice xmlns:p14="http://schemas.microsoft.com/office/powerpoint/2010/main" Requires="p14">
+  <mc:AlternateContent xmlns:mc="http://schemas.openxmlformats.org/markup-compatibility/2006" xmlns:p14="http://schemas.microsoft.com/office/powerpoint/2010/main">
+    <mc:Choice Requires="p14">
       <p:transition spd="slow" p14:dur="1200">
         <p14:prism/>
       </p:transition>
     </mc:Choice>
-    <mc:Fallback>
+    <mc:Fallback xmlns="">
       <p:transition spd="slow">
         <p:fade/>
       </p:transition>
@@ -14643,7 +16939,11 @@
             <a:pPr algn="ctr"/>
             <a:r>
               <a:rPr lang="en-US" altLang="zh-CN" sz="4800" dirty="0" smtClean="0"/>
-              <a:t>01.</a:t>
+              <a:t>1</a:t>
+            </a:r>
+            <a:r>
+              <a:rPr lang="en-US" altLang="zh-CN" sz="4800" dirty="0" smtClean="0"/>
+              <a:t>.</a:t>
             </a:r>
             <a:r>
               <a:rPr lang="zh-CN" altLang="en-US" sz="4800" dirty="0" smtClean="0"/>
@@ -14665,9 +16965,16 @@
         </p:nvSpPr>
         <p:spPr/>
         <p:txBody>
-          <a:bodyPr/>
+          <a:bodyPr>
+            <a:normAutofit fontScale="85000" lnSpcReduction="10000"/>
+          </a:bodyPr>
           <a:lstStyle/>
           <a:p>
+            <a:pPr>
+              <a:lnSpc>
+                <a:spcPct val="120000"/>
+              </a:lnSpc>
+            </a:pPr>
             <a:r>
               <a:rPr lang="en-US" altLang="zh-CN" sz="3200" b="1" dirty="0"/>
               <a:t>1.1 </a:t>
@@ -14683,29 +16990,96 @@
             <a:endParaRPr lang="zh-CN" altLang="zh-CN" sz="3200" b="1" dirty="0"/>
           </a:p>
           <a:p>
+            <a:pPr marL="0" indent="0">
+              <a:lnSpc>
+                <a:spcPct val="120000"/>
+              </a:lnSpc>
+              <a:buNone/>
+            </a:pPr>
             <a:r>
               <a:rPr lang="zh-CN" altLang="zh-CN" sz="3200" dirty="0"/>
-              <a:t>项目计划是项目得以实施和完成的依据，是项目跟踪和监控的基础</a:t>
-            </a:r>
-            <a:r>
-              <a:rPr lang="zh-CN" altLang="zh-CN" sz="3200" dirty="0" smtClean="0"/>
-              <a:t>。</a:t>
-            </a:r>
-            <a:endParaRPr lang="en-US" altLang="zh-CN" sz="3200" dirty="0" smtClean="0"/>
-          </a:p>
-          <a:p>
-            <a:r>
-              <a:rPr lang="zh-CN" altLang="zh-CN" sz="3200" dirty="0" smtClean="0"/>
-              <a:t>项目计划</a:t>
+              <a:t>（</a:t>
+            </a:r>
+            <a:r>
+              <a:rPr lang="en-US" altLang="zh-CN" sz="3200" dirty="0"/>
+              <a:t>1</a:t>
             </a:r>
             <a:r>
               <a:rPr lang="zh-CN" altLang="zh-CN" sz="3200" dirty="0"/>
-              <a:t>的内容包括项目所需完成的各项任务，负责执行各项任务的人员，相关人员的承诺、基于估计的各项任务的进度安排、成本预算等。</a:t>
+              <a:t>）通过编写这个游戏软件，使我们了解软件开发过程，将书本知识应用到实践，增强我们的动手能力，同时为以后的工作打下基础。 </a:t>
+            </a:r>
+          </a:p>
+          <a:p>
+            <a:pPr marL="0" indent="0">
+              <a:lnSpc>
+                <a:spcPct val="120000"/>
+              </a:lnSpc>
+              <a:buNone/>
+            </a:pPr>
+            <a:r>
+              <a:rPr lang="zh-CN" altLang="zh-CN" sz="3200" dirty="0"/>
+              <a:t>（</a:t>
             </a:r>
             <a:r>
               <a:rPr lang="en-US" altLang="zh-CN" sz="3200" dirty="0"/>
-              <a:t> </a:t>
-            </a:r>
+              <a:t>2</a:t>
+            </a:r>
+            <a:r>
+              <a:rPr lang="zh-CN" altLang="zh-CN" sz="3200" dirty="0"/>
+              <a:t>）培养我们的团队协作能力。</a:t>
+            </a:r>
+            <a:r>
+              <a:rPr lang="en-US" altLang="zh-CN" sz="3200" dirty="0"/>
+              <a:t> </a:t>
+            </a:r>
+            <a:endParaRPr lang="zh-CN" altLang="zh-CN" sz="3200" dirty="0"/>
+          </a:p>
+          <a:p>
+            <a:pPr marL="0" indent="0">
+              <a:lnSpc>
+                <a:spcPct val="120000"/>
+              </a:lnSpc>
+              <a:buNone/>
+            </a:pPr>
+            <a:r>
+              <a:rPr lang="zh-CN" altLang="zh-CN" sz="3200" dirty="0"/>
+              <a:t>（</a:t>
+            </a:r>
+            <a:r>
+              <a:rPr lang="en-US" altLang="zh-CN" sz="3200" dirty="0"/>
+              <a:t>3</a:t>
+            </a:r>
+            <a:r>
+              <a:rPr lang="zh-CN" altLang="zh-CN" sz="3200" dirty="0"/>
+              <a:t>）如果有可能，期望可以带来经济效益。</a:t>
+            </a:r>
+            <a:r>
+              <a:rPr lang="en-US" altLang="zh-CN" sz="3200" dirty="0"/>
+              <a:t> </a:t>
+            </a:r>
+            <a:endParaRPr lang="zh-CN" altLang="zh-CN" sz="3200" dirty="0"/>
+          </a:p>
+          <a:p>
+            <a:pPr marL="0" indent="0">
+              <a:lnSpc>
+                <a:spcPct val="120000"/>
+              </a:lnSpc>
+              <a:buNone/>
+            </a:pPr>
+            <a:r>
+              <a:rPr lang="zh-CN" altLang="zh-CN" sz="3200" dirty="0"/>
+              <a:t>（</a:t>
+            </a:r>
+            <a:r>
+              <a:rPr lang="en-US" altLang="zh-CN" sz="3200" dirty="0"/>
+              <a:t>4</a:t>
+            </a:r>
+            <a:r>
+              <a:rPr lang="zh-CN" altLang="zh-CN" sz="3200" dirty="0"/>
+              <a:t>）期望这款游戏软件被越来越多的客户喜爱。</a:t>
+            </a:r>
+          </a:p>
+          <a:p>
             <a:endParaRPr lang="zh-CN" altLang="zh-CN" sz="3200" dirty="0"/>
           </a:p>
           <a:p>
@@ -14809,8 +17183,12 @@
           <a:lstStyle/>
           <a:p>
             <a:r>
+              <a:rPr lang="zh-CN" altLang="zh-CN" sz="2400" dirty="0" smtClean="0"/>
+              <a:t>描述出现</a:t>
+            </a:r>
+            <a:r>
               <a:rPr lang="zh-CN" altLang="zh-CN" sz="2400" dirty="0"/>
-              <a:t>描述本文档中出现的术语和缩略语。</a:t>
+              <a:t>的术语和缩略语。</a:t>
             </a:r>
             <a:r>
               <a:rPr lang="en-US" altLang="zh-CN" sz="2400" dirty="0"/>
@@ -15029,7 +17407,11 @@
             <a:pPr algn="ctr"/>
             <a:r>
               <a:rPr lang="en-US" altLang="zh-CN" sz="4800" b="1" dirty="0" smtClean="0"/>
-              <a:t>2 </a:t>
+              <a:t>2</a:t>
+            </a:r>
+            <a:r>
+              <a:rPr lang="en-US" altLang="zh-CN" sz="4800" b="1" dirty="0" smtClean="0"/>
+              <a:t> </a:t>
             </a:r>
             <a:r>
               <a:rPr lang="zh-CN" altLang="zh-CN" sz="4800" b="1" dirty="0" smtClean="0"/>
@@ -15337,13 +17719,23 @@
             </a:r>
             <a:r>
               <a:rPr lang="zh-CN" altLang="zh-CN" sz="2400" dirty="0"/>
-              <a:t>条主线剧情（总体）</a:t>
-            </a:r>
-          </a:p>
-          <a:p>
+              <a:t>条主线剧情（总体</a:t>
+            </a:r>
+            <a:r>
+              <a:rPr lang="zh-CN" altLang="zh-CN" sz="2400" dirty="0" smtClean="0"/>
+              <a:t>）</a:t>
+            </a:r>
+            <a:r>
+              <a:rPr lang="zh-CN" altLang="en-US" sz="2400" dirty="0" smtClean="0"/>
+              <a:t>，</a:t>
+            </a:r>
+            <a:r>
+              <a:rPr lang="zh-CN" altLang="zh-CN" sz="2400" dirty="0" smtClean="0"/>
+              <a:t>多种多样</a:t>
+            </a:r>
             <a:r>
               <a:rPr lang="zh-CN" altLang="zh-CN" sz="2400" dirty="0"/>
-              <a:t>多种多样的侦探线索，导致的不同的剧情</a:t>
+              <a:t>的侦探线索，导致的不同的剧情</a:t>
             </a:r>
             <a:r>
               <a:rPr lang="zh-CN" altLang="zh-CN" sz="2400" dirty="0" smtClean="0"/>
@@ -15353,34 +17745,41 @@
           </a:p>
           <a:p>
             <a:r>
-              <a:rPr lang="en-US" altLang="zh-CN" sz="2400" dirty="0" smtClean="0"/>
-              <a:t>3</a:t>
-            </a:r>
+              <a:rPr lang="zh-CN" altLang="en-US" sz="2400" dirty="0" smtClean="0"/>
+              <a:t>回合制的战斗模式</a:t>
+            </a:r>
+            <a:endParaRPr lang="en-US" altLang="zh-CN" sz="2400" dirty="0" smtClean="0"/>
+          </a:p>
+          <a:p>
             <a:r>
               <a:rPr lang="zh-CN" altLang="zh-CN" sz="2400" dirty="0" smtClean="0"/>
-              <a:t>家</a:t>
+              <a:t>属于</a:t>
             </a:r>
             <a:r>
               <a:rPr lang="zh-CN" altLang="zh-CN" sz="2400" dirty="0"/>
-              <a:t>动态经济的侦探事务所</a:t>
+              <a:t>玩家自己构造的房屋</a:t>
             </a:r>
           </a:p>
           <a:p>
             <a:r>
               <a:rPr lang="zh-CN" altLang="zh-CN" sz="2400" dirty="0"/>
-              <a:t>属于玩家自己构造的房屋</a:t>
-            </a:r>
-          </a:p>
-          <a:p>
+              <a:t>可以招聘人物的侦探所，制定想要完成的</a:t>
+            </a:r>
+            <a:r>
+              <a:rPr lang="zh-CN" altLang="zh-CN" sz="2400" dirty="0" smtClean="0"/>
+              <a:t>任务</a:t>
+            </a:r>
+            <a:r>
+              <a:rPr lang="zh-CN" altLang="en-US" sz="2400" dirty="0" smtClean="0"/>
+              <a:t>，</a:t>
+            </a:r>
+            <a:r>
+              <a:rPr lang="zh-CN" altLang="zh-CN" sz="2400" dirty="0" smtClean="0"/>
+              <a:t>随</a:t>
+            </a:r>
             <a:r>
               <a:rPr lang="zh-CN" altLang="zh-CN" sz="2400" dirty="0"/>
-              <a:t>可以招聘人物的侦探所，制定想要完成的任务</a:t>
-            </a:r>
-          </a:p>
-          <a:p>
-            <a:r>
-              <a:rPr lang="zh-CN" altLang="zh-CN" sz="2400" dirty="0"/>
-              <a:t>随名气变化的无限的支线任务接取，包括自动执行和手动</a:t>
+              <a:t>名气变化的无限的支线任务接取，包括自动执行和手动</a:t>
             </a:r>
             <a:r>
               <a:rPr lang="zh-CN" altLang="zh-CN" sz="2400" dirty="0" smtClean="0"/>
@@ -15425,7 +17824,7 @@
       </p:sp>
       <p:sp>
         <p:nvSpPr>
-          <p:cNvPr id="4" name="TextBox 3"/>
+          <p:cNvPr id="4" name="TextBox 3" hidden="1"/>
           <p:cNvSpPr txBox="1"/>
           <p:nvPr/>
         </p:nvSpPr>
@@ -16262,176 +18661,6 @@
                                   </p:childTnLst>
                                 </p:cTn>
                               </p:par>
-                              <p:par>
-                                <p:cTn id="41" presetID="2" presetClass="entr" presetSubtype="8" fill="hold" grpId="0" nodeType="withEffect">
-                                  <p:stCondLst>
-                                    <p:cond delay="0"/>
-                                  </p:stCondLst>
-                                  <p:childTnLst>
-                                    <p:set>
-                                      <p:cBhvr>
-                                        <p:cTn id="42" dur="1" fill="hold">
-                                          <p:stCondLst>
-                                            <p:cond delay="0"/>
-                                          </p:stCondLst>
-                                        </p:cTn>
-                                        <p:tgtEl>
-                                          <p:spTgt spid="3">
-                                            <p:txEl>
-                                              <p:pRg st="6" end="6"/>
-                                            </p:txEl>
-                                          </p:spTgt>
-                                        </p:tgtEl>
-                                        <p:attrNameLst>
-                                          <p:attrName>style.visibility</p:attrName>
-                                        </p:attrNameLst>
-                                      </p:cBhvr>
-                                      <p:to>
-                                        <p:strVal val="visible"/>
-                                      </p:to>
-                                    </p:set>
-                                    <p:anim calcmode="lin" valueType="num">
-                                      <p:cBhvr additive="base">
-                                        <p:cTn id="43" dur="500" fill="hold"/>
-                                        <p:tgtEl>
-                                          <p:spTgt spid="3">
-                                            <p:txEl>
-                                              <p:pRg st="6" end="6"/>
-                                            </p:txEl>
-                                          </p:spTgt>
-                                        </p:tgtEl>
-                                        <p:attrNameLst>
-                                          <p:attrName>ppt_x</p:attrName>
-                                        </p:attrNameLst>
-                                      </p:cBhvr>
-                                      <p:tavLst>
-                                        <p:tav tm="0">
-                                          <p:val>
-                                            <p:strVal val="0-#ppt_w/2"/>
-                                          </p:val>
-                                        </p:tav>
-                                        <p:tav tm="100000">
-                                          <p:val>
-                                            <p:strVal val="#ppt_x"/>
-                                          </p:val>
-                                        </p:tav>
-                                      </p:tavLst>
-                                    </p:anim>
-                                    <p:anim calcmode="lin" valueType="num">
-                                      <p:cBhvr additive="base">
-                                        <p:cTn id="44" dur="500" fill="hold"/>
-                                        <p:tgtEl>
-                                          <p:spTgt spid="3">
-                                            <p:txEl>
-                                              <p:pRg st="6" end="6"/>
-                                            </p:txEl>
-                                          </p:spTgt>
-                                        </p:tgtEl>
-                                        <p:attrNameLst>
-                                          <p:attrName>ppt_y</p:attrName>
-                                        </p:attrNameLst>
-                                      </p:cBhvr>
-                                      <p:tavLst>
-                                        <p:tav tm="0">
-                                          <p:val>
-                                            <p:strVal val="#ppt_y"/>
-                                          </p:val>
-                                        </p:tav>
-                                        <p:tav tm="100000">
-                                          <p:val>
-                                            <p:strVal val="#ppt_y"/>
-                                          </p:val>
-                                        </p:tav>
-                                      </p:tavLst>
-                                    </p:anim>
-                                  </p:childTnLst>
-                                </p:cTn>
-                              </p:par>
-                              <p:par>
-                                <p:cTn id="45" presetID="2" presetClass="entr" presetSubtype="8" fill="hold" grpId="0" nodeType="withEffect">
-                                  <p:stCondLst>
-                                    <p:cond delay="0"/>
-                                  </p:stCondLst>
-                                  <p:childTnLst>
-                                    <p:set>
-                                      <p:cBhvr>
-                                        <p:cTn id="46" dur="1" fill="hold">
-                                          <p:stCondLst>
-                                            <p:cond delay="0"/>
-                                          </p:stCondLst>
-                                        </p:cTn>
-                                        <p:tgtEl>
-                                          <p:spTgt spid="3">
-                                            <p:txEl>
-                                              <p:pRg st="7" end="7"/>
-                                            </p:txEl>
-                                          </p:spTgt>
-                                        </p:tgtEl>
-                                        <p:attrNameLst>
-                                          <p:attrName>style.visibility</p:attrName>
-                                        </p:attrNameLst>
-                                      </p:cBhvr>
-                                      <p:to>
-                                        <p:strVal val="visible"/>
-                                      </p:to>
-                                    </p:set>
-                                    <p:anim calcmode="lin" valueType="num">
-                                      <p:cBhvr additive="base">
-                                        <p:cTn id="47" dur="500" fill="hold"/>
-                                        <p:tgtEl>
-                                          <p:spTgt spid="3">
-                                            <p:txEl>
-                                              <p:pRg st="7" end="7"/>
-                                            </p:txEl>
-                                          </p:spTgt>
-                                        </p:tgtEl>
-                                        <p:attrNameLst>
-                                          <p:attrName>ppt_x</p:attrName>
-                                        </p:attrNameLst>
-                                      </p:cBhvr>
-                                      <p:tavLst>
-                                        <p:tav tm="0">
-                                          <p:val>
-                                            <p:strVal val="0-#ppt_w/2"/>
-                                          </p:val>
-                                        </p:tav>
-                                        <p:tav tm="100000">
-                                          <p:val>
-                                            <p:strVal val="#ppt_x"/>
-                                          </p:val>
-                                        </p:tav>
-                                      </p:tavLst>
-                                    </p:anim>
-                                    <p:anim calcmode="lin" valueType="num">
-                                      <p:cBhvr additive="base">
-                                        <p:cTn id="48" dur="500" fill="hold"/>
-                                        <p:tgtEl>
-                                          <p:spTgt spid="3">
-                                            <p:txEl>
-                                              <p:pRg st="7" end="7"/>
-                                            </p:txEl>
-                                          </p:spTgt>
-                                        </p:tgtEl>
-                                        <p:attrNameLst>
-                                          <p:attrName>ppt_y</p:attrName>
-                                        </p:attrNameLst>
-                                      </p:cBhvr>
-                                      <p:tavLst>
-                                        <p:tav tm="0">
-                                          <p:val>
-                                            <p:strVal val="#ppt_y"/>
-                                          </p:val>
-                                        </p:tav>
-                                        <p:tav tm="100000">
-                                          <p:val>
-                                            <p:strVal val="#ppt_y"/>
-                                          </p:val>
-                                        </p:tav>
-                                      </p:tavLst>
-                                    </p:anim>
-                                  </p:childTnLst>
-                                </p:cTn>
-                              </p:par>
                             </p:childTnLst>
                           </p:cTn>
                         </p:par>
@@ -16439,19 +18668,189 @@
                     </p:cTn>
                   </p:par>
                   <p:par>
-                    <p:cTn id="49" fill="hold">
+                    <p:cTn id="41" fill="hold">
                       <p:stCondLst>
                         <p:cond delay="indefinite"/>
                       </p:stCondLst>
                       <p:childTnLst>
                         <p:par>
-                          <p:cTn id="50" fill="hold">
+                          <p:cTn id="42" fill="hold">
                             <p:stCondLst>
                               <p:cond delay="0"/>
                             </p:stCondLst>
                             <p:childTnLst>
                               <p:par>
-                                <p:cTn id="51" presetID="2" presetClass="exit" presetSubtype="2" fill="hold" grpId="1" nodeType="clickEffect">
+                                <p:cTn id="43" presetID="2" presetClass="exit" presetSubtype="2" fill="hold" grpId="1" nodeType="clickEffect">
+                                  <p:stCondLst>
+                                    <p:cond delay="0"/>
+                                  </p:stCondLst>
+                                  <p:childTnLst>
+                                    <p:anim calcmode="lin" valueType="num">
+                                      <p:cBhvr additive="base">
+                                        <p:cTn id="44" dur="500"/>
+                                        <p:tgtEl>
+                                          <p:spTgt spid="3">
+                                            <p:txEl>
+                                              <p:pRg st="0" end="0"/>
+                                            </p:txEl>
+                                          </p:spTgt>
+                                        </p:tgtEl>
+                                        <p:attrNameLst>
+                                          <p:attrName>ppt_x</p:attrName>
+                                        </p:attrNameLst>
+                                      </p:cBhvr>
+                                      <p:tavLst>
+                                        <p:tav tm="0">
+                                          <p:val>
+                                            <p:strVal val="ppt_x"/>
+                                          </p:val>
+                                        </p:tav>
+                                        <p:tav tm="100000">
+                                          <p:val>
+                                            <p:strVal val="1+ppt_w/2"/>
+                                          </p:val>
+                                        </p:tav>
+                                      </p:tavLst>
+                                    </p:anim>
+                                    <p:anim calcmode="lin" valueType="num">
+                                      <p:cBhvr additive="base">
+                                        <p:cTn id="45" dur="500"/>
+                                        <p:tgtEl>
+                                          <p:spTgt spid="3">
+                                            <p:txEl>
+                                              <p:pRg st="0" end="0"/>
+                                            </p:txEl>
+                                          </p:spTgt>
+                                        </p:tgtEl>
+                                        <p:attrNameLst>
+                                          <p:attrName>ppt_y</p:attrName>
+                                        </p:attrNameLst>
+                                      </p:cBhvr>
+                                      <p:tavLst>
+                                        <p:tav tm="0">
+                                          <p:val>
+                                            <p:strVal val="ppt_y"/>
+                                          </p:val>
+                                        </p:tav>
+                                        <p:tav tm="100000">
+                                          <p:val>
+                                            <p:strVal val="ppt_y"/>
+                                          </p:val>
+                                        </p:tav>
+                                      </p:tavLst>
+                                    </p:anim>
+                                    <p:set>
+                                      <p:cBhvr>
+                                        <p:cTn id="46" dur="1" fill="hold">
+                                          <p:stCondLst>
+                                            <p:cond delay="499"/>
+                                          </p:stCondLst>
+                                        </p:cTn>
+                                        <p:tgtEl>
+                                          <p:spTgt spid="3">
+                                            <p:txEl>
+                                              <p:pRg st="0" end="0"/>
+                                            </p:txEl>
+                                          </p:spTgt>
+                                        </p:tgtEl>
+                                        <p:attrNameLst>
+                                          <p:attrName>style.visibility</p:attrName>
+                                        </p:attrNameLst>
+                                      </p:cBhvr>
+                                      <p:to>
+                                        <p:strVal val="hidden"/>
+                                      </p:to>
+                                    </p:set>
+                                  </p:childTnLst>
+                                </p:cTn>
+                              </p:par>
+                              <p:par>
+                                <p:cTn id="47" presetID="2" presetClass="exit" presetSubtype="2" fill="hold" grpId="1" nodeType="withEffect">
+                                  <p:stCondLst>
+                                    <p:cond delay="0"/>
+                                  </p:stCondLst>
+                                  <p:childTnLst>
+                                    <p:anim calcmode="lin" valueType="num">
+                                      <p:cBhvr additive="base">
+                                        <p:cTn id="48" dur="500"/>
+                                        <p:tgtEl>
+                                          <p:spTgt spid="3">
+                                            <p:txEl>
+                                              <p:pRg st="1" end="1"/>
+                                            </p:txEl>
+                                          </p:spTgt>
+                                        </p:tgtEl>
+                                        <p:attrNameLst>
+                                          <p:attrName>ppt_x</p:attrName>
+                                        </p:attrNameLst>
+                                      </p:cBhvr>
+                                      <p:tavLst>
+                                        <p:tav tm="0">
+                                          <p:val>
+                                            <p:strVal val="ppt_x"/>
+                                          </p:val>
+                                        </p:tav>
+                                        <p:tav tm="100000">
+                                          <p:val>
+                                            <p:strVal val="1+ppt_w/2"/>
+                                          </p:val>
+                                        </p:tav>
+                                      </p:tavLst>
+                                    </p:anim>
+                                    <p:anim calcmode="lin" valueType="num">
+                                      <p:cBhvr additive="base">
+                                        <p:cTn id="49" dur="500"/>
+                                        <p:tgtEl>
+                                          <p:spTgt spid="3">
+                                            <p:txEl>
+                                              <p:pRg st="1" end="1"/>
+                                            </p:txEl>
+                                          </p:spTgt>
+                                        </p:tgtEl>
+                                        <p:attrNameLst>
+                                          <p:attrName>ppt_y</p:attrName>
+                                        </p:attrNameLst>
+                                      </p:cBhvr>
+                                      <p:tavLst>
+                                        <p:tav tm="0">
+                                          <p:val>
+                                            <p:strVal val="ppt_y"/>
+                                          </p:val>
+                                        </p:tav>
+                                        <p:tav tm="100000">
+                                          <p:val>
+                                            <p:strVal val="ppt_y"/>
+                                          </p:val>
+                                        </p:tav>
+                                      </p:tavLst>
+                                    </p:anim>
+                                    <p:set>
+                                      <p:cBhvr>
+                                        <p:cTn id="50" dur="1" fill="hold">
+                                          <p:stCondLst>
+                                            <p:cond delay="499"/>
+                                          </p:stCondLst>
+                                        </p:cTn>
+                                        <p:tgtEl>
+                                          <p:spTgt spid="3">
+                                            <p:txEl>
+                                              <p:pRg st="1" end="1"/>
+                                            </p:txEl>
+                                          </p:spTgt>
+                                        </p:tgtEl>
+                                        <p:attrNameLst>
+                                          <p:attrName>style.visibility</p:attrName>
+                                        </p:attrNameLst>
+                                      </p:cBhvr>
+                                      <p:to>
+                                        <p:strVal val="hidden"/>
+                                      </p:to>
+                                    </p:set>
+                                  </p:childTnLst>
+                                </p:cTn>
+                              </p:par>
+                              <p:par>
+                                <p:cTn id="51" presetID="2" presetClass="exit" presetSubtype="2" fill="hold" grpId="1" nodeType="withEffect">
                                   <p:stCondLst>
                                     <p:cond delay="0"/>
                                   </p:stCondLst>
@@ -16462,7 +18861,7 @@
                                         <p:tgtEl>
                                           <p:spTgt spid="3">
                                             <p:txEl>
-                                              <p:pRg st="0" end="0"/>
+                                              <p:pRg st="2" end="2"/>
                                             </p:txEl>
                                           </p:spTgt>
                                         </p:tgtEl>
@@ -16489,7 +18888,7 @@
                                         <p:tgtEl>
                                           <p:spTgt spid="3">
                                             <p:txEl>
-                                              <p:pRg st="0" end="0"/>
+                                              <p:pRg st="2" end="2"/>
                                             </p:txEl>
                                           </p:spTgt>
                                         </p:tgtEl>
@@ -16520,7 +18919,7 @@
                                         <p:tgtEl>
                                           <p:spTgt spid="3">
                                             <p:txEl>
-                                              <p:pRg st="0" end="0"/>
+                                              <p:pRg st="2" end="2"/>
                                             </p:txEl>
                                           </p:spTgt>
                                         </p:tgtEl>
@@ -16547,7 +18946,7 @@
                                         <p:tgtEl>
                                           <p:spTgt spid="3">
                                             <p:txEl>
-                                              <p:pRg st="1" end="1"/>
+                                              <p:pRg st="3" end="3"/>
                                             </p:txEl>
                                           </p:spTgt>
                                         </p:tgtEl>
@@ -16574,7 +18973,7 @@
                                         <p:tgtEl>
                                           <p:spTgt spid="3">
                                             <p:txEl>
-                                              <p:pRg st="1" end="1"/>
+                                              <p:pRg st="3" end="3"/>
                                             </p:txEl>
                                           </p:spTgt>
                                         </p:tgtEl>
@@ -16605,7 +19004,7 @@
                                         <p:tgtEl>
                                           <p:spTgt spid="3">
                                             <p:txEl>
-                                              <p:pRg st="1" end="1"/>
+                                              <p:pRg st="3" end="3"/>
                                             </p:txEl>
                                           </p:spTgt>
                                         </p:tgtEl>
@@ -16632,7 +19031,7 @@
                                         <p:tgtEl>
                                           <p:spTgt spid="3">
                                             <p:txEl>
-                                              <p:pRg st="2" end="2"/>
+                                              <p:pRg st="4" end="4"/>
                                             </p:txEl>
                                           </p:spTgt>
                                         </p:tgtEl>
@@ -16659,7 +19058,7 @@
                                         <p:tgtEl>
                                           <p:spTgt spid="3">
                                             <p:txEl>
-                                              <p:pRg st="2" end="2"/>
+                                              <p:pRg st="4" end="4"/>
                                             </p:txEl>
                                           </p:spTgt>
                                         </p:tgtEl>
@@ -16690,7 +19089,7 @@
                                         <p:tgtEl>
                                           <p:spTgt spid="3">
                                             <p:txEl>
-                                              <p:pRg st="2" end="2"/>
+                                              <p:pRg st="4" end="4"/>
                                             </p:txEl>
                                           </p:spTgt>
                                         </p:tgtEl>
@@ -16717,7 +19116,7 @@
                                         <p:tgtEl>
                                           <p:spTgt spid="3">
                                             <p:txEl>
-                                              <p:pRg st="3" end="3"/>
+                                              <p:pRg st="5" end="5"/>
                                             </p:txEl>
                                           </p:spTgt>
                                         </p:tgtEl>
@@ -16744,7 +19143,7 @@
                                         <p:tgtEl>
                                           <p:spTgt spid="3">
                                             <p:txEl>
-                                              <p:pRg st="3" end="3"/>
+                                              <p:pRg st="5" end="5"/>
                                             </p:txEl>
                                           </p:spTgt>
                                         </p:tgtEl>
@@ -16775,347 +19174,7 @@
                                         <p:tgtEl>
                                           <p:spTgt spid="3">
                                             <p:txEl>
-                                              <p:pRg st="3" end="3"/>
-                                            </p:txEl>
-                                          </p:spTgt>
-                                        </p:tgtEl>
-                                        <p:attrNameLst>
-                                          <p:attrName>style.visibility</p:attrName>
-                                        </p:attrNameLst>
-                                      </p:cBhvr>
-                                      <p:to>
-                                        <p:strVal val="hidden"/>
-                                      </p:to>
-                                    </p:set>
-                                  </p:childTnLst>
-                                </p:cTn>
-                              </p:par>
-                              <p:par>
-                                <p:cTn id="67" presetID="2" presetClass="exit" presetSubtype="2" fill="hold" grpId="1" nodeType="withEffect">
-                                  <p:stCondLst>
-                                    <p:cond delay="0"/>
-                                  </p:stCondLst>
-                                  <p:childTnLst>
-                                    <p:anim calcmode="lin" valueType="num">
-                                      <p:cBhvr additive="base">
-                                        <p:cTn id="68" dur="500"/>
-                                        <p:tgtEl>
-                                          <p:spTgt spid="3">
-                                            <p:txEl>
-                                              <p:pRg st="4" end="4"/>
-                                            </p:txEl>
-                                          </p:spTgt>
-                                        </p:tgtEl>
-                                        <p:attrNameLst>
-                                          <p:attrName>ppt_x</p:attrName>
-                                        </p:attrNameLst>
-                                      </p:cBhvr>
-                                      <p:tavLst>
-                                        <p:tav tm="0">
-                                          <p:val>
-                                            <p:strVal val="ppt_x"/>
-                                          </p:val>
-                                        </p:tav>
-                                        <p:tav tm="100000">
-                                          <p:val>
-                                            <p:strVal val="1+ppt_w/2"/>
-                                          </p:val>
-                                        </p:tav>
-                                      </p:tavLst>
-                                    </p:anim>
-                                    <p:anim calcmode="lin" valueType="num">
-                                      <p:cBhvr additive="base">
-                                        <p:cTn id="69" dur="500"/>
-                                        <p:tgtEl>
-                                          <p:spTgt spid="3">
-                                            <p:txEl>
-                                              <p:pRg st="4" end="4"/>
-                                            </p:txEl>
-                                          </p:spTgt>
-                                        </p:tgtEl>
-                                        <p:attrNameLst>
-                                          <p:attrName>ppt_y</p:attrName>
-                                        </p:attrNameLst>
-                                      </p:cBhvr>
-                                      <p:tavLst>
-                                        <p:tav tm="0">
-                                          <p:val>
-                                            <p:strVal val="ppt_y"/>
-                                          </p:val>
-                                        </p:tav>
-                                        <p:tav tm="100000">
-                                          <p:val>
-                                            <p:strVal val="ppt_y"/>
-                                          </p:val>
-                                        </p:tav>
-                                      </p:tavLst>
-                                    </p:anim>
-                                    <p:set>
-                                      <p:cBhvr>
-                                        <p:cTn id="70" dur="1" fill="hold">
-                                          <p:stCondLst>
-                                            <p:cond delay="499"/>
-                                          </p:stCondLst>
-                                        </p:cTn>
-                                        <p:tgtEl>
-                                          <p:spTgt spid="3">
-                                            <p:txEl>
-                                              <p:pRg st="4" end="4"/>
-                                            </p:txEl>
-                                          </p:spTgt>
-                                        </p:tgtEl>
-                                        <p:attrNameLst>
-                                          <p:attrName>style.visibility</p:attrName>
-                                        </p:attrNameLst>
-                                      </p:cBhvr>
-                                      <p:to>
-                                        <p:strVal val="hidden"/>
-                                      </p:to>
-                                    </p:set>
-                                  </p:childTnLst>
-                                </p:cTn>
-                              </p:par>
-                              <p:par>
-                                <p:cTn id="71" presetID="2" presetClass="exit" presetSubtype="2" fill="hold" grpId="1" nodeType="withEffect">
-                                  <p:stCondLst>
-                                    <p:cond delay="0"/>
-                                  </p:stCondLst>
-                                  <p:childTnLst>
-                                    <p:anim calcmode="lin" valueType="num">
-                                      <p:cBhvr additive="base">
-                                        <p:cTn id="72" dur="500"/>
-                                        <p:tgtEl>
-                                          <p:spTgt spid="3">
-                                            <p:txEl>
                                               <p:pRg st="5" end="5"/>
-                                            </p:txEl>
-                                          </p:spTgt>
-                                        </p:tgtEl>
-                                        <p:attrNameLst>
-                                          <p:attrName>ppt_x</p:attrName>
-                                        </p:attrNameLst>
-                                      </p:cBhvr>
-                                      <p:tavLst>
-                                        <p:tav tm="0">
-                                          <p:val>
-                                            <p:strVal val="ppt_x"/>
-                                          </p:val>
-                                        </p:tav>
-                                        <p:tav tm="100000">
-                                          <p:val>
-                                            <p:strVal val="1+ppt_w/2"/>
-                                          </p:val>
-                                        </p:tav>
-                                      </p:tavLst>
-                                    </p:anim>
-                                    <p:anim calcmode="lin" valueType="num">
-                                      <p:cBhvr additive="base">
-                                        <p:cTn id="73" dur="500"/>
-                                        <p:tgtEl>
-                                          <p:spTgt spid="3">
-                                            <p:txEl>
-                                              <p:pRg st="5" end="5"/>
-                                            </p:txEl>
-                                          </p:spTgt>
-                                        </p:tgtEl>
-                                        <p:attrNameLst>
-                                          <p:attrName>ppt_y</p:attrName>
-                                        </p:attrNameLst>
-                                      </p:cBhvr>
-                                      <p:tavLst>
-                                        <p:tav tm="0">
-                                          <p:val>
-                                            <p:strVal val="ppt_y"/>
-                                          </p:val>
-                                        </p:tav>
-                                        <p:tav tm="100000">
-                                          <p:val>
-                                            <p:strVal val="ppt_y"/>
-                                          </p:val>
-                                        </p:tav>
-                                      </p:tavLst>
-                                    </p:anim>
-                                    <p:set>
-                                      <p:cBhvr>
-                                        <p:cTn id="74" dur="1" fill="hold">
-                                          <p:stCondLst>
-                                            <p:cond delay="499"/>
-                                          </p:stCondLst>
-                                        </p:cTn>
-                                        <p:tgtEl>
-                                          <p:spTgt spid="3">
-                                            <p:txEl>
-                                              <p:pRg st="5" end="5"/>
-                                            </p:txEl>
-                                          </p:spTgt>
-                                        </p:tgtEl>
-                                        <p:attrNameLst>
-                                          <p:attrName>style.visibility</p:attrName>
-                                        </p:attrNameLst>
-                                      </p:cBhvr>
-                                      <p:to>
-                                        <p:strVal val="hidden"/>
-                                      </p:to>
-                                    </p:set>
-                                  </p:childTnLst>
-                                </p:cTn>
-                              </p:par>
-                              <p:par>
-                                <p:cTn id="75" presetID="2" presetClass="exit" presetSubtype="2" fill="hold" grpId="1" nodeType="withEffect">
-                                  <p:stCondLst>
-                                    <p:cond delay="0"/>
-                                  </p:stCondLst>
-                                  <p:childTnLst>
-                                    <p:anim calcmode="lin" valueType="num">
-                                      <p:cBhvr additive="base">
-                                        <p:cTn id="76" dur="500"/>
-                                        <p:tgtEl>
-                                          <p:spTgt spid="3">
-                                            <p:txEl>
-                                              <p:pRg st="6" end="6"/>
-                                            </p:txEl>
-                                          </p:spTgt>
-                                        </p:tgtEl>
-                                        <p:attrNameLst>
-                                          <p:attrName>ppt_x</p:attrName>
-                                        </p:attrNameLst>
-                                      </p:cBhvr>
-                                      <p:tavLst>
-                                        <p:tav tm="0">
-                                          <p:val>
-                                            <p:strVal val="ppt_x"/>
-                                          </p:val>
-                                        </p:tav>
-                                        <p:tav tm="100000">
-                                          <p:val>
-                                            <p:strVal val="1+ppt_w/2"/>
-                                          </p:val>
-                                        </p:tav>
-                                      </p:tavLst>
-                                    </p:anim>
-                                    <p:anim calcmode="lin" valueType="num">
-                                      <p:cBhvr additive="base">
-                                        <p:cTn id="77" dur="500"/>
-                                        <p:tgtEl>
-                                          <p:spTgt spid="3">
-                                            <p:txEl>
-                                              <p:pRg st="6" end="6"/>
-                                            </p:txEl>
-                                          </p:spTgt>
-                                        </p:tgtEl>
-                                        <p:attrNameLst>
-                                          <p:attrName>ppt_y</p:attrName>
-                                        </p:attrNameLst>
-                                      </p:cBhvr>
-                                      <p:tavLst>
-                                        <p:tav tm="0">
-                                          <p:val>
-                                            <p:strVal val="ppt_y"/>
-                                          </p:val>
-                                        </p:tav>
-                                        <p:tav tm="100000">
-                                          <p:val>
-                                            <p:strVal val="ppt_y"/>
-                                          </p:val>
-                                        </p:tav>
-                                      </p:tavLst>
-                                    </p:anim>
-                                    <p:set>
-                                      <p:cBhvr>
-                                        <p:cTn id="78" dur="1" fill="hold">
-                                          <p:stCondLst>
-                                            <p:cond delay="499"/>
-                                          </p:stCondLst>
-                                        </p:cTn>
-                                        <p:tgtEl>
-                                          <p:spTgt spid="3">
-                                            <p:txEl>
-                                              <p:pRg st="6" end="6"/>
-                                            </p:txEl>
-                                          </p:spTgt>
-                                        </p:tgtEl>
-                                        <p:attrNameLst>
-                                          <p:attrName>style.visibility</p:attrName>
-                                        </p:attrNameLst>
-                                      </p:cBhvr>
-                                      <p:to>
-                                        <p:strVal val="hidden"/>
-                                      </p:to>
-                                    </p:set>
-                                  </p:childTnLst>
-                                </p:cTn>
-                              </p:par>
-                              <p:par>
-                                <p:cTn id="79" presetID="2" presetClass="exit" presetSubtype="2" fill="hold" grpId="1" nodeType="withEffect">
-                                  <p:stCondLst>
-                                    <p:cond delay="0"/>
-                                  </p:stCondLst>
-                                  <p:childTnLst>
-                                    <p:anim calcmode="lin" valueType="num">
-                                      <p:cBhvr additive="base">
-                                        <p:cTn id="80" dur="500"/>
-                                        <p:tgtEl>
-                                          <p:spTgt spid="3">
-                                            <p:txEl>
-                                              <p:pRg st="7" end="7"/>
-                                            </p:txEl>
-                                          </p:spTgt>
-                                        </p:tgtEl>
-                                        <p:attrNameLst>
-                                          <p:attrName>ppt_x</p:attrName>
-                                        </p:attrNameLst>
-                                      </p:cBhvr>
-                                      <p:tavLst>
-                                        <p:tav tm="0">
-                                          <p:val>
-                                            <p:strVal val="ppt_x"/>
-                                          </p:val>
-                                        </p:tav>
-                                        <p:tav tm="100000">
-                                          <p:val>
-                                            <p:strVal val="1+ppt_w/2"/>
-                                          </p:val>
-                                        </p:tav>
-                                      </p:tavLst>
-                                    </p:anim>
-                                    <p:anim calcmode="lin" valueType="num">
-                                      <p:cBhvr additive="base">
-                                        <p:cTn id="81" dur="500"/>
-                                        <p:tgtEl>
-                                          <p:spTgt spid="3">
-                                            <p:txEl>
-                                              <p:pRg st="7" end="7"/>
-                                            </p:txEl>
-                                          </p:spTgt>
-                                        </p:tgtEl>
-                                        <p:attrNameLst>
-                                          <p:attrName>ppt_y</p:attrName>
-                                        </p:attrNameLst>
-                                      </p:cBhvr>
-                                      <p:tavLst>
-                                        <p:tav tm="0">
-                                          <p:val>
-                                            <p:strVal val="ppt_y"/>
-                                          </p:val>
-                                        </p:tav>
-                                        <p:tav tm="100000">
-                                          <p:val>
-                                            <p:strVal val="ppt_y"/>
-                                          </p:val>
-                                        </p:tav>
-                                      </p:tavLst>
-                                    </p:anim>
-                                    <p:set>
-                                      <p:cBhvr>
-                                        <p:cTn id="82" dur="1" fill="hold">
-                                          <p:stCondLst>
-                                            <p:cond delay="499"/>
-                                          </p:stCondLst>
-                                        </p:cTn>
-                                        <p:tgtEl>
-                                          <p:spTgt spid="3">
-                                            <p:txEl>
-                                              <p:pRg st="7" end="7"/>
                                             </p:txEl>
                                           </p:spTgt>
                                         </p:tgtEl>
@@ -17199,20 +19258,15 @@
           <a:bodyPr/>
           <a:lstStyle/>
           <a:p>
-            <a:pPr algn="ctr"/>
-            <a:r>
-              <a:rPr lang="en-US" altLang="zh-CN" sz="4800" dirty="0" smtClean="0"/>
+            <a:r>
+              <a:rPr lang="en-US" altLang="zh-CN" dirty="0" smtClean="0"/>
               <a:t>2.2</a:t>
             </a:r>
             <a:r>
-              <a:rPr lang="zh-CN" altLang="zh-CN" sz="4800" dirty="0" smtClean="0"/>
-              <a:t>项目具体</a:t>
-            </a:r>
-            <a:r>
-              <a:rPr lang="zh-CN" altLang="zh-CN" sz="4800" dirty="0"/>
-              <a:t>目标</a:t>
-            </a:r>
-            <a:endParaRPr lang="zh-CN" altLang="en-US" sz="4800" dirty="0"/>
+              <a:rPr lang="zh-CN" altLang="zh-CN" dirty="0" smtClean="0"/>
+              <a:t>项目目标</a:t>
+            </a:r>
+            <a:endParaRPr lang="zh-CN" altLang="en-US" dirty="0"/>
           </a:p>
         </p:txBody>
       </p:sp>
@@ -17229,234 +19283,100 @@
         <p:spPr/>
         <p:txBody>
           <a:bodyPr>
-            <a:normAutofit fontScale="92500" lnSpcReduction="20000"/>
+            <a:normAutofit/>
           </a:bodyPr>
           <a:lstStyle/>
           <a:p>
             <a:r>
-              <a:rPr lang="zh-CN" altLang="zh-CN" sz="2000" dirty="0"/>
+              <a:rPr lang="zh-CN" altLang="zh-CN" sz="2800" dirty="0" smtClean="0"/>
               <a:t>项目名称：</a:t>
             </a:r>
             <a:r>
-              <a:rPr lang="en-US" altLang="zh-CN" sz="2000" dirty="0"/>
+              <a:rPr lang="en-US" altLang="zh-CN" sz="2800" dirty="0" smtClean="0"/>
               <a:t> RPG</a:t>
             </a:r>
             <a:r>
-              <a:rPr lang="zh-CN" altLang="zh-CN" sz="2000" dirty="0"/>
+              <a:rPr lang="zh-CN" altLang="zh-CN" sz="2800" dirty="0" smtClean="0"/>
               <a:t>游戏开发计划</a:t>
             </a:r>
             <a:r>
-              <a:rPr lang="en-US" altLang="zh-CN" sz="2000" dirty="0"/>
+              <a:rPr lang="en-US" altLang="zh-CN" sz="2800" dirty="0" smtClean="0"/>
               <a:t> </a:t>
             </a:r>
-            <a:endParaRPr lang="zh-CN" altLang="zh-CN" sz="2000" b="1" dirty="0"/>
-          </a:p>
-          <a:p>
-            <a:r>
-              <a:rPr lang="zh-CN" altLang="zh-CN" sz="2000" dirty="0"/>
+            <a:endParaRPr lang="zh-CN" altLang="zh-CN" sz="2800" b="1" dirty="0" smtClean="0"/>
+          </a:p>
+          <a:p>
+            <a:r>
+              <a:rPr lang="zh-CN" altLang="zh-CN" sz="2800" dirty="0" smtClean="0"/>
               <a:t>任务提出者：</a:t>
             </a:r>
             <a:r>
-              <a:rPr lang="en-US" altLang="zh-CN" sz="2000" dirty="0"/>
+              <a:rPr lang="en-US" altLang="zh-CN" sz="2800" dirty="0" smtClean="0"/>
               <a:t> </a:t>
             </a:r>
             <a:r>
-              <a:rPr lang="zh-CN" altLang="zh-CN" sz="2000" dirty="0"/>
+              <a:rPr lang="zh-CN" altLang="zh-CN" sz="2800" dirty="0" smtClean="0"/>
               <a:t>郑丁公</a:t>
             </a:r>
             <a:r>
-              <a:rPr lang="en-US" altLang="zh-CN" sz="2000" dirty="0"/>
-              <a:t> </a:t>
-            </a:r>
-            <a:endParaRPr lang="zh-CN" altLang="zh-CN" sz="2000" b="1" dirty="0"/>
-          </a:p>
-          <a:p>
-            <a:r>
-              <a:rPr lang="zh-CN" altLang="zh-CN" sz="2000" dirty="0"/>
-              <a:t>用户：青少年（</a:t>
-            </a:r>
-            <a:r>
-              <a:rPr lang="en-US" altLang="zh-CN" sz="2000" dirty="0"/>
-              <a:t>14-30</a:t>
-            </a:r>
-            <a:r>
-              <a:rPr lang="zh-CN" altLang="zh-CN" sz="2000" dirty="0"/>
-              <a:t>大概）</a:t>
-            </a:r>
-            <a:r>
-              <a:rPr lang="en-US" altLang="zh-CN" sz="2000" dirty="0"/>
-              <a:t>  </a:t>
-            </a:r>
-            <a:endParaRPr lang="zh-CN" altLang="zh-CN" sz="2000" b="1" dirty="0"/>
-          </a:p>
-          <a:p>
-            <a:r>
-              <a:rPr lang="zh-CN" altLang="zh-CN" sz="2000" dirty="0"/>
+              <a:rPr lang="en-US" altLang="zh-CN" sz="2800" dirty="0" smtClean="0"/>
+              <a:t>  </a:t>
+            </a:r>
+            <a:endParaRPr lang="zh-CN" altLang="zh-CN" sz="2800" b="1" dirty="0" smtClean="0"/>
+          </a:p>
+          <a:p>
+            <a:r>
+              <a:rPr lang="zh-CN" altLang="zh-CN" sz="2800" dirty="0" smtClean="0"/>
               <a:t>开发者：</a:t>
             </a:r>
             <a:r>
-              <a:rPr lang="en-US" altLang="zh-CN" sz="2000" dirty="0"/>
+              <a:rPr lang="en-US" altLang="zh-CN" sz="2800" dirty="0" smtClean="0"/>
               <a:t> </a:t>
             </a:r>
             <a:r>
-              <a:rPr lang="zh-CN" altLang="zh-CN" sz="2000" dirty="0"/>
+              <a:rPr lang="zh-CN" altLang="zh-CN" sz="2800" dirty="0" smtClean="0"/>
               <a:t>嵇德宏，谢正树，郑丁公</a:t>
             </a:r>
-            <a:endParaRPr lang="zh-CN" altLang="zh-CN" sz="2000" b="1" dirty="0"/>
-          </a:p>
-          <a:p>
-            <a:r>
-              <a:rPr lang="zh-CN" altLang="zh-CN" sz="2000" dirty="0"/>
-              <a:t>具体目标：文案第一章部分必须全部完成，（游戏时长</a:t>
-            </a:r>
-            <a:r>
-              <a:rPr lang="en-US" altLang="zh-CN" sz="2000" dirty="0"/>
+            <a:endParaRPr lang="zh-CN" altLang="zh-CN" sz="2800" b="1" dirty="0" smtClean="0"/>
+          </a:p>
+          <a:p>
+            <a:r>
+              <a:rPr lang="zh-CN" altLang="zh-CN" sz="2800" dirty="0" smtClean="0"/>
+              <a:t>目标</a:t>
+            </a:r>
+            <a:r>
+              <a:rPr lang="zh-CN" altLang="zh-CN" sz="2800" dirty="0"/>
+              <a:t>：文案第一章部分必须全部完成，（游戏时长</a:t>
+            </a:r>
+            <a:r>
+              <a:rPr lang="en-US" altLang="zh-CN" sz="2800" dirty="0"/>
               <a:t>5</a:t>
             </a:r>
             <a:r>
-              <a:rPr lang="zh-CN" altLang="zh-CN" sz="2000" dirty="0"/>
+              <a:rPr lang="zh-CN" altLang="zh-CN" sz="2800" dirty="0"/>
               <a:t>小时</a:t>
             </a:r>
             <a:r>
-              <a:rPr lang="en-US" altLang="zh-CN" sz="2000" dirty="0"/>
+              <a:rPr lang="en-US" altLang="zh-CN" sz="2800" dirty="0"/>
               <a:t>+</a:t>
             </a:r>
             <a:r>
-              <a:rPr lang="zh-CN" altLang="zh-CN" sz="2000" dirty="0"/>
+              <a:rPr lang="zh-CN" altLang="zh-CN" sz="2800" dirty="0"/>
               <a:t>）</a:t>
             </a:r>
             <a:r>
-              <a:rPr lang="zh-CN" altLang="zh-CN" sz="2000" dirty="0" smtClean="0"/>
-              <a:t>之后</a:t>
-            </a:r>
-            <a:endParaRPr lang="en-US" altLang="zh-CN" sz="2000" dirty="0" smtClean="0"/>
-          </a:p>
-          <a:p>
-            <a:pPr marL="0" indent="0">
-              <a:buNone/>
-            </a:pPr>
-            <a:r>
-              <a:rPr lang="en-US" altLang="zh-CN" sz="2000" dirty="0"/>
-              <a:t> </a:t>
-            </a:r>
-            <a:r>
-              <a:rPr lang="en-US" altLang="zh-CN" sz="2000" dirty="0" smtClean="0"/>
-              <a:t>     </a:t>
-            </a:r>
-            <a:r>
-              <a:rPr lang="zh-CN" altLang="zh-CN" sz="2000" dirty="0" smtClean="0"/>
-              <a:t>部分</a:t>
-            </a:r>
-            <a:r>
-              <a:rPr lang="zh-CN" altLang="zh-CN" sz="2000" dirty="0"/>
-              <a:t>待定</a:t>
-            </a:r>
-            <a:endParaRPr lang="zh-CN" altLang="zh-CN" sz="2000" b="1" dirty="0"/>
-          </a:p>
-          <a:p>
-            <a:r>
-              <a:rPr lang="zh-CN" altLang="en-US" sz="2000" dirty="0"/>
-              <a:t>我们的文案经过初步的撰写与审核，基本上已经定型了。</a:t>
-            </a:r>
-          </a:p>
-          <a:p>
-            <a:pPr marL="0" indent="0">
-              <a:buNone/>
-            </a:pPr>
-            <a:r>
-              <a:rPr lang="zh-CN" altLang="en-US" sz="2000" dirty="0">
-                <a:sym typeface="+mn-ea"/>
-              </a:rPr>
-              <a:t>但鉴于文案的庞大</a:t>
-            </a:r>
-            <a:r>
-              <a:rPr lang="en-US" altLang="zh-CN" sz="2000" dirty="0">
-                <a:sym typeface="+mn-ea"/>
-              </a:rPr>
-              <a:t>...</a:t>
-            </a:r>
-            <a:r>
-              <a:rPr lang="zh-CN" altLang="en-US" sz="2000" dirty="0">
-                <a:sym typeface="+mn-ea"/>
-              </a:rPr>
-              <a:t>我们最终还是定下了属于我们的初级目标：</a:t>
-            </a:r>
-          </a:p>
-          <a:p>
-            <a:pPr marL="0" indent="0">
-              <a:buNone/>
-            </a:pPr>
-            <a:r>
-              <a:rPr lang="zh-CN" altLang="en-US" sz="2000" dirty="0">
-                <a:sym typeface="+mn-ea"/>
-              </a:rPr>
-              <a:t>   </a:t>
-            </a:r>
-            <a:r>
-              <a:rPr lang="en-US" altLang="zh-CN" sz="2000" dirty="0">
-                <a:sym typeface="+mn-ea"/>
-              </a:rPr>
-              <a:t> </a:t>
-            </a:r>
-            <a:r>
-              <a:rPr lang="zh-CN" altLang="en-US" sz="2000" dirty="0" smtClean="0">
-                <a:sym typeface="+mn-ea"/>
-              </a:rPr>
-              <a:t>文案</a:t>
-            </a:r>
-            <a:r>
-              <a:rPr lang="zh-CN" altLang="en-US" sz="2000" dirty="0">
-                <a:sym typeface="+mn-ea"/>
-              </a:rPr>
-              <a:t>第一章部分必须全部完成，之后部分待定</a:t>
-            </a:r>
-          </a:p>
-          <a:p>
-            <a:pPr marL="0" indent="0">
-              <a:buNone/>
-            </a:pPr>
-            <a:r>
-              <a:rPr lang="zh-CN" altLang="en-US" sz="2000" dirty="0">
-                <a:sym typeface="+mn-ea"/>
-              </a:rPr>
-              <a:t> </a:t>
-            </a:r>
-            <a:r>
-              <a:rPr lang="zh-CN" altLang="en-US" sz="2000" dirty="0" smtClean="0">
-                <a:sym typeface="+mn-ea"/>
-              </a:rPr>
-              <a:t>   是的 </a:t>
-            </a:r>
-            <a:r>
-              <a:rPr lang="zh-CN" altLang="en-US" sz="2000" dirty="0">
-                <a:sym typeface="+mn-ea"/>
-              </a:rPr>
-              <a:t>第一章必须完成，必须完成。</a:t>
-            </a:r>
-          </a:p>
-          <a:p>
-            <a:pPr marL="0" indent="0">
-              <a:buNone/>
-            </a:pPr>
-            <a:r>
-              <a:rPr lang="zh-CN" altLang="en-US" sz="2000" dirty="0" smtClean="0"/>
-              <a:t>    </a:t>
-            </a:r>
-            <a:r>
-              <a:rPr lang="zh-CN" altLang="en-US" sz="2000" dirty="0"/>
-              <a:t>我们</a:t>
-            </a:r>
-            <a:r>
-              <a:rPr lang="zh-CN" altLang="en-US" sz="2000" dirty="0" smtClean="0"/>
-              <a:t>一共设想了六章</a:t>
-            </a:r>
-            <a:r>
-              <a:rPr lang="zh-CN" altLang="en-US" sz="2000" dirty="0"/>
-              <a:t>的故事，所以说系统的庞大可能会使我们做不完。</a:t>
-            </a:r>
-          </a:p>
-          <a:p>
-            <a:endParaRPr lang="zh-CN" altLang="en-US" dirty="0"/>
+              <a:rPr lang="zh-CN" altLang="zh-CN" sz="2800" dirty="0" smtClean="0"/>
+              <a:t>之后部分</a:t>
+            </a:r>
+            <a:r>
+              <a:rPr lang="zh-CN" altLang="zh-CN" sz="2800" dirty="0"/>
+              <a:t>待</a:t>
+            </a:r>
+            <a:r>
+              <a:rPr lang="zh-CN" altLang="zh-CN" sz="2800" dirty="0" smtClean="0"/>
+              <a:t>定</a:t>
+            </a:r>
+            <a:endParaRPr lang="zh-CN" altLang="zh-CN" sz="2800" b="1" dirty="0"/>
           </a:p>
         </p:txBody>
       </p:sp>
@@ -17569,7 +19489,7 @@
             <p:ph sz="quarter" idx="13"/>
             <p:extLst>
               <p:ext uri="{D42A27DB-BD31-4B8C-83A1-F6EECF244321}">
-                <p14:modId xmlns:p14="http://schemas.microsoft.com/office/powerpoint/2010/main" val="687668127"/>
+                <p14:modId xmlns:p14="http://schemas.microsoft.com/office/powerpoint/2010/main" val="3234135186"/>
               </p:ext>
             </p:extLst>
           </p:nvPr>
@@ -17986,18 +19906,24 @@
                         </a:spcAft>
                       </a:pPr>
                       <a:r>
-                        <a:rPr lang="en-US" sz="1800" kern="100">
+                        <a:rPr lang="zh-CN" altLang="en-US" sz="1800" kern="100" dirty="0" smtClean="0">
+                          <a:effectLst/>
+                        </a:rPr>
+                        <a:t>各阶段</a:t>
+                      </a:r>
+                      <a:r>
+                        <a:rPr lang="en-US" sz="1800" kern="100" dirty="0" err="1" smtClean="0">
                           <a:effectLst/>
                         </a:rPr>
                         <a:t>Ppt</a:t>
                       </a:r>
                       <a:r>
-                        <a:rPr lang="zh-CN" sz="1800" kern="100">
+                        <a:rPr lang="zh-CN" sz="1800" kern="100" dirty="0">
                           <a:effectLst/>
                         </a:rPr>
                         <a:t>展示</a:t>
                       </a:r>
-                      <a:endParaRPr lang="zh-CN" sz="1800" kern="100">
+                      <a:endParaRPr lang="zh-CN" sz="1800" kern="100" dirty="0">
                         <a:effectLst/>
                         <a:latin typeface="Calibri"/>
                         <a:ea typeface="宋体"/>
@@ -18162,18 +20088,24 @@
                         </a:spcAft>
                       </a:pPr>
                       <a:r>
-                        <a:rPr lang="en-US" sz="1800" kern="100">
+                        <a:rPr lang="zh-CN" altLang="en-US" sz="1800" kern="100" dirty="0" smtClean="0">
+                          <a:effectLst/>
+                        </a:rPr>
+                        <a:t>各阶段</a:t>
+                      </a:r>
+                      <a:r>
+                        <a:rPr lang="en-US" sz="1800" kern="100" dirty="0" smtClean="0">
                           <a:effectLst/>
                         </a:rPr>
                         <a:t>Word</a:t>
                       </a:r>
                       <a:r>
-                        <a:rPr lang="zh-CN" sz="1800" kern="100">
+                        <a:rPr lang="zh-CN" sz="1800" kern="100" dirty="0">
                           <a:effectLst/>
                         </a:rPr>
                         <a:t>文档</a:t>
                       </a:r>
-                      <a:endParaRPr lang="zh-CN" sz="1800" kern="100">
+                      <a:endParaRPr lang="zh-CN" sz="1800" kern="100" dirty="0">
                         <a:effectLst/>
                         <a:latin typeface="Calibri"/>
                         <a:ea typeface="宋体"/>
@@ -18354,12 +20286,7 @@
             <p:ph type="title"/>
           </p:nvPr>
         </p:nvSpPr>
-        <p:spPr>
-          <a:xfrm>
-            <a:off x="611560" y="116632"/>
-            <a:ext cx="7924800" cy="1143000"/>
-          </a:xfrm>
-        </p:spPr>
+        <p:spPr/>
         <p:txBody>
           <a:bodyPr/>
           <a:lstStyle/>
@@ -18371,131 +20298,498 @@
             </a:r>
             <a:r>
               <a:rPr lang="zh-CN" altLang="en-US" sz="4800" dirty="0" smtClean="0"/>
-              <a:t>项目组织</a:t>
+              <a:t>需求规格</a:t>
             </a:r>
             <a:endParaRPr lang="zh-CN" altLang="en-US" sz="4800" dirty="0"/>
           </a:p>
         </p:txBody>
       </p:sp>
-      <p:pic>
-        <p:nvPicPr>
-          <p:cNvPr id="2050" name="Picture 2"/>
-          <p:cNvPicPr>
-            <a:picLocks noChangeAspect="1" noChangeArrowheads="1"/>
-          </p:cNvPicPr>
+      <p:sp>
+        <p:nvSpPr>
+          <p:cNvPr id="4" name="矩形 3"/>
+          <p:cNvSpPr/>
           <p:nvPr/>
-        </p:nvPicPr>
-        <p:blipFill>
-          <a:blip r:embed="rId2" cstate="print">
-            <a:extLst>
-              <a:ext uri="{28A0092B-C50C-407E-A947-70E740481C1C}">
-                <a14:useLocalDpi xmlns:a14="http://schemas.microsoft.com/office/drawing/2010/main" val="0"/>
-              </a:ext>
-            </a:extLst>
-          </a:blip>
-          <a:srcRect/>
-          <a:stretch>
-            <a:fillRect/>
-          </a:stretch>
-        </p:blipFill>
-        <p:spPr bwMode="auto">
+        </p:nvSpPr>
+        <p:spPr>
           <a:xfrm>
-            <a:off x="-540568" y="1340768"/>
-            <a:ext cx="9468544" cy="5028350"/>
+            <a:off x="683568" y="2132856"/>
+            <a:ext cx="2520280" cy="792088"/>
           </a:xfrm>
           <a:prstGeom prst="rect">
             <a:avLst/>
           </a:prstGeom>
-          <a:noFill/>
-          <a:ln>
-            <a:noFill/>
-          </a:ln>
-          <a:effectLst/>
-          <a:extLst>
-            <a:ext uri="{909E8E84-426E-40DD-AFC4-6F175D3DCCD1}">
-              <a14:hiddenFill xmlns:a14="http://schemas.microsoft.com/office/drawing/2010/main">
-                <a:solidFill>
-                  <a:schemeClr val="accent1"/>
-                </a:solidFill>
-              </a14:hiddenFill>
-            </a:ext>
-            <a:ext uri="{91240B29-F687-4F45-9708-019B960494DF}">
-              <a14:hiddenLine xmlns:a14="http://schemas.microsoft.com/office/drawing/2010/main" w="9525">
-                <a:solidFill>
-                  <a:schemeClr val="tx1"/>
-                </a:solidFill>
-                <a:miter lim="800000"/>
-                <a:headEnd/>
-                <a:tailEnd/>
-              </a14:hiddenLine>
-            </a:ext>
-            <a:ext uri="{AF507438-7753-43E0-B8FC-AC1667EBCBE1}">
-              <a14:hiddenEffects xmlns:a14="http://schemas.microsoft.com/office/drawing/2010/main">
-                <a:effectLst>
-                  <a:outerShdw dist="35921" dir="2700000" algn="ctr" rotWithShape="0">
-                    <a:schemeClr val="bg2"/>
-                  </a:outerShdw>
-                </a:effectLst>
-              </a14:hiddenEffects>
-            </a:ext>
-          </a:extLst>
         </p:spPr>
-      </p:pic>
+        <p:style>
+          <a:lnRef idx="1">
+            <a:schemeClr val="dk1"/>
+          </a:lnRef>
+          <a:fillRef idx="2">
+            <a:schemeClr val="dk1"/>
+          </a:fillRef>
+          <a:effectRef idx="1">
+            <a:schemeClr val="dk1"/>
+          </a:effectRef>
+          <a:fontRef idx="minor">
+            <a:schemeClr val="dk1"/>
+          </a:fontRef>
+        </p:style>
+        <p:txBody>
+          <a:bodyPr rtlCol="0" anchor="ctr"/>
+          <a:lstStyle/>
+          <a:p>
+            <a:pPr algn="ctr"/>
+            <a:r>
+              <a:rPr lang="zh-CN" altLang="en-US" sz="2400" dirty="0" smtClean="0"/>
+              <a:t>需求分析调查</a:t>
+            </a:r>
+            <a:endParaRPr lang="zh-CN" altLang="en-US" sz="2400" dirty="0"/>
+          </a:p>
+        </p:txBody>
+      </p:sp>
       <p:sp>
         <p:nvSpPr>
-          <p:cNvPr id="4" name="内容占位符 3"/>
-          <p:cNvSpPr>
-            <a:spLocks noGrp="1"/>
-          </p:cNvSpPr>
-          <p:nvPr>
-            <p:ph sz="quarter" idx="13"/>
-          </p:nvPr>
+          <p:cNvPr id="6" name="矩形 5"/>
+          <p:cNvSpPr/>
+          <p:nvPr/>
+        </p:nvSpPr>
+        <p:spPr>
+          <a:xfrm flipH="1">
+            <a:off x="4860032" y="1484784"/>
+            <a:ext cx="2079548" cy="770383"/>
+          </a:xfrm>
+          <a:prstGeom prst="rect">
+            <a:avLst/>
+          </a:prstGeom>
+        </p:spPr>
+        <p:style>
+          <a:lnRef idx="1">
+            <a:schemeClr val="dk1"/>
+          </a:lnRef>
+          <a:fillRef idx="2">
+            <a:schemeClr val="dk1"/>
+          </a:fillRef>
+          <a:effectRef idx="1">
+            <a:schemeClr val="dk1"/>
+          </a:effectRef>
+          <a:fontRef idx="minor">
+            <a:schemeClr val="dk1"/>
+          </a:fontRef>
+        </p:style>
+        <p:txBody>
+          <a:bodyPr rtlCol="0" anchor="ctr"/>
+          <a:lstStyle/>
+          <a:p>
+            <a:pPr algn="ctr"/>
+            <a:r>
+              <a:rPr lang="zh-CN" altLang="en-US" sz="2400" dirty="0" smtClean="0"/>
+              <a:t>调查问卷</a:t>
+            </a:r>
+            <a:endParaRPr lang="zh-CN" altLang="en-US" sz="2400" dirty="0"/>
+          </a:p>
+        </p:txBody>
+      </p:sp>
+      <p:sp>
+        <p:nvSpPr>
+          <p:cNvPr id="7" name="矩形 6"/>
+          <p:cNvSpPr/>
+          <p:nvPr/>
         </p:nvSpPr>
         <p:spPr>
           <a:xfrm>
-            <a:off x="5652120" y="1369368"/>
-            <a:ext cx="3098304" cy="1051520"/>
+            <a:off x="4862261" y="2528900"/>
+            <a:ext cx="2077319" cy="770383"/>
           </a:xfrm>
+          <a:prstGeom prst="rect">
+            <a:avLst/>
+          </a:prstGeom>
         </p:spPr>
+        <p:style>
+          <a:lnRef idx="1">
+            <a:schemeClr val="dk1"/>
+          </a:lnRef>
+          <a:fillRef idx="2">
+            <a:schemeClr val="dk1"/>
+          </a:fillRef>
+          <a:effectRef idx="1">
+            <a:schemeClr val="dk1"/>
+          </a:effectRef>
+          <a:fontRef idx="minor">
+            <a:schemeClr val="dk1"/>
+          </a:fontRef>
+        </p:style>
         <p:txBody>
-          <a:bodyPr>
-            <a:normAutofit/>
-          </a:bodyPr>
+          <a:bodyPr rtlCol="0" anchor="ctr"/>
           <a:lstStyle/>
           <a:p>
-            <a:r>
-              <a:rPr lang="zh-CN" altLang="zh-CN" sz="2400" b="1" dirty="0"/>
-              <a:t>项目组织结构</a:t>
-            </a:r>
-            <a:r>
-              <a:rPr lang="en-US" altLang="zh-CN" sz="2400" b="1" dirty="0"/>
-              <a:t> </a:t>
-            </a:r>
-            <a:endParaRPr lang="en-US" altLang="zh-CN" sz="2400" b="1" dirty="0" smtClean="0"/>
-          </a:p>
-          <a:p>
-            <a:r>
-              <a:rPr lang="zh-CN" altLang="zh-CN" sz="2400" b="1" dirty="0" smtClean="0"/>
-              <a:t>（</a:t>
-            </a:r>
-            <a:r>
-              <a:rPr lang="en-US" altLang="zh-CN" sz="2400" b="1" dirty="0" err="1"/>
-              <a:t>wbs</a:t>
-            </a:r>
-            <a:r>
-              <a:rPr lang="zh-CN" altLang="zh-CN" sz="2400" b="1" dirty="0"/>
-              <a:t>分解）</a:t>
-            </a:r>
-          </a:p>
-          <a:p>
-            <a:endParaRPr lang="zh-CN" altLang="en-US" dirty="0"/>
+            <a:pPr algn="ctr"/>
+            <a:r>
+              <a:rPr lang="zh-CN" altLang="en-US" sz="2400" dirty="0" smtClean="0"/>
+              <a:t>调查问卷结果</a:t>
+            </a:r>
+            <a:endParaRPr lang="zh-CN" altLang="en-US" sz="2400" dirty="0"/>
           </a:p>
         </p:txBody>
       </p:sp>
+      <p:cxnSp>
+        <p:nvCxnSpPr>
+          <p:cNvPr id="9" name="肘形连接符 8"/>
+          <p:cNvCxnSpPr>
+            <a:stCxn id="4" idx="3"/>
+            <a:endCxn id="6" idx="3"/>
+          </p:cNvCxnSpPr>
+          <p:nvPr/>
+        </p:nvCxnSpPr>
+        <p:spPr>
+          <a:xfrm flipV="1">
+            <a:off x="3203848" y="1869976"/>
+            <a:ext cx="1656184" cy="658924"/>
+          </a:xfrm>
+          <a:prstGeom prst="bentConnector3">
+            <a:avLst/>
+          </a:prstGeom>
+          <a:ln>
+            <a:tailEnd type="arrow"/>
+          </a:ln>
+        </p:spPr>
+        <p:style>
+          <a:lnRef idx="1">
+            <a:schemeClr val="accent1"/>
+          </a:lnRef>
+          <a:fillRef idx="0">
+            <a:schemeClr val="accent1"/>
+          </a:fillRef>
+          <a:effectRef idx="0">
+            <a:schemeClr val="accent1"/>
+          </a:effectRef>
+          <a:fontRef idx="minor">
+            <a:schemeClr val="tx1"/>
+          </a:fontRef>
+        </p:style>
+      </p:cxnSp>
+      <p:cxnSp>
+        <p:nvCxnSpPr>
+          <p:cNvPr id="11" name="肘形连接符 10"/>
+          <p:cNvCxnSpPr>
+            <a:stCxn id="4" idx="3"/>
+            <a:endCxn id="7" idx="1"/>
+          </p:cNvCxnSpPr>
+          <p:nvPr/>
+        </p:nvCxnSpPr>
+        <p:spPr>
+          <a:xfrm>
+            <a:off x="3203848" y="2528900"/>
+            <a:ext cx="1658413" cy="385192"/>
+          </a:xfrm>
+          <a:prstGeom prst="bentConnector3">
+            <a:avLst/>
+          </a:prstGeom>
+          <a:ln>
+            <a:tailEnd type="arrow"/>
+          </a:ln>
+        </p:spPr>
+        <p:style>
+          <a:lnRef idx="1">
+            <a:schemeClr val="accent1"/>
+          </a:lnRef>
+          <a:fillRef idx="0">
+            <a:schemeClr val="accent1"/>
+          </a:fillRef>
+          <a:effectRef idx="0">
+            <a:schemeClr val="accent1"/>
+          </a:effectRef>
+          <a:fontRef idx="minor">
+            <a:schemeClr val="tx1"/>
+          </a:fontRef>
+        </p:style>
+      </p:cxnSp>
+      <p:sp>
+        <p:nvSpPr>
+          <p:cNvPr id="12" name="矩形 11"/>
+          <p:cNvSpPr/>
+          <p:nvPr/>
+        </p:nvSpPr>
+        <p:spPr>
+          <a:xfrm>
+            <a:off x="683568" y="4509120"/>
+            <a:ext cx="2520280" cy="792088"/>
+          </a:xfrm>
+          <a:prstGeom prst="rect">
+            <a:avLst/>
+          </a:prstGeom>
+        </p:spPr>
+        <p:style>
+          <a:lnRef idx="1">
+            <a:schemeClr val="dk1"/>
+          </a:lnRef>
+          <a:fillRef idx="2">
+            <a:schemeClr val="dk1"/>
+          </a:fillRef>
+          <a:effectRef idx="1">
+            <a:schemeClr val="dk1"/>
+          </a:effectRef>
+          <a:fontRef idx="minor">
+            <a:schemeClr val="dk1"/>
+          </a:fontRef>
+        </p:style>
+        <p:txBody>
+          <a:bodyPr rtlCol="0" anchor="ctr"/>
+          <a:lstStyle/>
+          <a:p>
+            <a:pPr algn="ctr"/>
+            <a:r>
+              <a:rPr lang="zh-CN" altLang="en-US" sz="2400" dirty="0" smtClean="0"/>
+              <a:t>对系统功能规定</a:t>
+            </a:r>
+            <a:endParaRPr lang="zh-CN" altLang="en-US" sz="2400" dirty="0"/>
+          </a:p>
+        </p:txBody>
+      </p:sp>
+      <p:sp>
+        <p:nvSpPr>
+          <p:cNvPr id="13" name="矩形 12"/>
+          <p:cNvSpPr/>
+          <p:nvPr/>
+        </p:nvSpPr>
+        <p:spPr>
+          <a:xfrm flipH="1">
+            <a:off x="4860032" y="3573016"/>
+            <a:ext cx="2079548" cy="770383"/>
+          </a:xfrm>
+          <a:prstGeom prst="rect">
+            <a:avLst/>
+          </a:prstGeom>
+        </p:spPr>
+        <p:style>
+          <a:lnRef idx="1">
+            <a:schemeClr val="dk1"/>
+          </a:lnRef>
+          <a:fillRef idx="2">
+            <a:schemeClr val="dk1"/>
+          </a:fillRef>
+          <a:effectRef idx="1">
+            <a:schemeClr val="dk1"/>
+          </a:effectRef>
+          <a:fontRef idx="minor">
+            <a:schemeClr val="dk1"/>
+          </a:fontRef>
+        </p:style>
+        <p:txBody>
+          <a:bodyPr rtlCol="0" anchor="ctr"/>
+          <a:lstStyle/>
+          <a:p>
+            <a:pPr algn="ctr"/>
+            <a:r>
+              <a:rPr lang="en-US" altLang="zh-CN" sz="2400" dirty="0" smtClean="0"/>
+              <a:t>IPO</a:t>
+            </a:r>
+            <a:r>
+              <a:rPr lang="zh-CN" altLang="en-US" sz="2400" dirty="0" smtClean="0"/>
+              <a:t>表</a:t>
+            </a:r>
+            <a:endParaRPr lang="zh-CN" altLang="en-US" sz="2400" dirty="0"/>
+          </a:p>
+        </p:txBody>
+      </p:sp>
+      <p:sp>
+        <p:nvSpPr>
+          <p:cNvPr id="14" name="矩形 13"/>
+          <p:cNvSpPr/>
+          <p:nvPr/>
+        </p:nvSpPr>
+        <p:spPr>
+          <a:xfrm flipH="1">
+            <a:off x="4862261" y="4495799"/>
+            <a:ext cx="2079548" cy="770383"/>
+          </a:xfrm>
+          <a:prstGeom prst="rect">
+            <a:avLst/>
+          </a:prstGeom>
+        </p:spPr>
+        <p:style>
+          <a:lnRef idx="1">
+            <a:schemeClr val="dk1"/>
+          </a:lnRef>
+          <a:fillRef idx="2">
+            <a:schemeClr val="dk1"/>
+          </a:fillRef>
+          <a:effectRef idx="1">
+            <a:schemeClr val="dk1"/>
+          </a:effectRef>
+          <a:fontRef idx="minor">
+            <a:schemeClr val="dk1"/>
+          </a:fontRef>
+        </p:style>
+        <p:txBody>
+          <a:bodyPr rtlCol="0" anchor="ctr"/>
+          <a:lstStyle/>
+          <a:p>
+            <a:pPr algn="ctr"/>
+            <a:r>
+              <a:rPr lang="en-US" altLang="zh-CN" sz="2400" dirty="0" smtClean="0"/>
+              <a:t>ER</a:t>
+            </a:r>
+            <a:r>
+              <a:rPr lang="zh-CN" altLang="en-US" sz="2400" dirty="0" smtClean="0"/>
+              <a:t>图</a:t>
+            </a:r>
+            <a:endParaRPr lang="zh-CN" altLang="en-US" sz="2400" dirty="0"/>
+          </a:p>
+        </p:txBody>
+      </p:sp>
+      <p:sp>
+        <p:nvSpPr>
+          <p:cNvPr id="15" name="矩形 14"/>
+          <p:cNvSpPr/>
+          <p:nvPr/>
+        </p:nvSpPr>
+        <p:spPr>
+          <a:xfrm flipH="1">
+            <a:off x="4868716" y="5445224"/>
+            <a:ext cx="2079548" cy="770383"/>
+          </a:xfrm>
+          <a:prstGeom prst="rect">
+            <a:avLst/>
+          </a:prstGeom>
+        </p:spPr>
+        <p:style>
+          <a:lnRef idx="1">
+            <a:schemeClr val="dk1"/>
+          </a:lnRef>
+          <a:fillRef idx="2">
+            <a:schemeClr val="dk1"/>
+          </a:fillRef>
+          <a:effectRef idx="1">
+            <a:schemeClr val="dk1"/>
+          </a:effectRef>
+          <a:fontRef idx="minor">
+            <a:schemeClr val="dk1"/>
+          </a:fontRef>
+        </p:style>
+        <p:txBody>
+          <a:bodyPr rtlCol="0" anchor="ctr"/>
+          <a:lstStyle/>
+          <a:p>
+            <a:pPr algn="ctr"/>
+            <a:r>
+              <a:rPr lang="zh-CN" altLang="en-US" sz="2400" dirty="0" smtClean="0"/>
+              <a:t>状态转换图</a:t>
+            </a:r>
+            <a:endParaRPr lang="zh-CN" altLang="en-US" sz="2400" dirty="0"/>
+          </a:p>
+        </p:txBody>
+      </p:sp>
+      <p:cxnSp>
+        <p:nvCxnSpPr>
+          <p:cNvPr id="17" name="肘形连接符 16"/>
+          <p:cNvCxnSpPr>
+            <a:stCxn id="12" idx="3"/>
+            <a:endCxn id="13" idx="3"/>
+          </p:cNvCxnSpPr>
+          <p:nvPr/>
+        </p:nvCxnSpPr>
+        <p:spPr>
+          <a:xfrm flipV="1">
+            <a:off x="3203848" y="3958208"/>
+            <a:ext cx="1656184" cy="946956"/>
+          </a:xfrm>
+          <a:prstGeom prst="bentConnector3">
+            <a:avLst/>
+          </a:prstGeom>
+          <a:ln>
+            <a:tailEnd type="arrow"/>
+          </a:ln>
+        </p:spPr>
+        <p:style>
+          <a:lnRef idx="1">
+            <a:schemeClr val="accent1"/>
+          </a:lnRef>
+          <a:fillRef idx="0">
+            <a:schemeClr val="accent1"/>
+          </a:fillRef>
+          <a:effectRef idx="0">
+            <a:schemeClr val="accent1"/>
+          </a:effectRef>
+          <a:fontRef idx="minor">
+            <a:schemeClr val="tx1"/>
+          </a:fontRef>
+        </p:style>
+      </p:cxnSp>
+      <p:cxnSp>
+        <p:nvCxnSpPr>
+          <p:cNvPr id="19" name="肘形连接符 18"/>
+          <p:cNvCxnSpPr>
+            <a:stCxn id="12" idx="3"/>
+            <a:endCxn id="14" idx="3"/>
+          </p:cNvCxnSpPr>
+          <p:nvPr/>
+        </p:nvCxnSpPr>
+        <p:spPr>
+          <a:xfrm flipV="1">
+            <a:off x="3203848" y="4880991"/>
+            <a:ext cx="1658413" cy="24173"/>
+          </a:xfrm>
+          <a:prstGeom prst="bentConnector3">
+            <a:avLst/>
+          </a:prstGeom>
+          <a:ln>
+            <a:tailEnd type="arrow"/>
+          </a:ln>
+        </p:spPr>
+        <p:style>
+          <a:lnRef idx="1">
+            <a:schemeClr val="accent1"/>
+          </a:lnRef>
+          <a:fillRef idx="0">
+            <a:schemeClr val="accent1"/>
+          </a:fillRef>
+          <a:effectRef idx="0">
+            <a:schemeClr val="accent1"/>
+          </a:effectRef>
+          <a:fontRef idx="minor">
+            <a:schemeClr val="tx1"/>
+          </a:fontRef>
+        </p:style>
+      </p:cxnSp>
+      <p:cxnSp>
+        <p:nvCxnSpPr>
+          <p:cNvPr id="21" name="肘形连接符 20"/>
+          <p:cNvCxnSpPr>
+            <a:stCxn id="12" idx="3"/>
+            <a:endCxn id="15" idx="3"/>
+          </p:cNvCxnSpPr>
+          <p:nvPr/>
+        </p:nvCxnSpPr>
+        <p:spPr>
+          <a:xfrm>
+            <a:off x="3203848" y="4905164"/>
+            <a:ext cx="1664868" cy="925252"/>
+          </a:xfrm>
+          <a:prstGeom prst="bentConnector3">
+            <a:avLst/>
+          </a:prstGeom>
+          <a:ln>
+            <a:tailEnd type="arrow"/>
+          </a:ln>
+        </p:spPr>
+        <p:style>
+          <a:lnRef idx="1">
+            <a:schemeClr val="accent1"/>
+          </a:lnRef>
+          <a:fillRef idx="0">
+            <a:schemeClr val="accent1"/>
+          </a:fillRef>
+          <a:effectRef idx="0">
+            <a:schemeClr val="accent1"/>
+          </a:effectRef>
+          <a:fontRef idx="minor">
+            <a:schemeClr val="tx1"/>
+          </a:fontRef>
+        </p:style>
+      </p:cxnSp>
     </p:spTree>
     <p:extLst>
       <p:ext uri="{BB962C8B-B14F-4D97-AF65-F5344CB8AC3E}">
-        <p14:creationId xmlns:p14="http://schemas.microsoft.com/office/powerpoint/2010/main" val="688927325"/>
+        <p14:creationId xmlns:p14="http://schemas.microsoft.com/office/powerpoint/2010/main" val="2964225417"/>
       </p:ext>
     </p:extLst>
   </p:cSld>

--- a/项目计划.pptx
+++ b/项目计划.pptx
@@ -184,7 +184,7 @@
           <a:p>
             <a:fld id="{DD8DEB8A-7DC9-4460-89D1-0B81B49F64E2}" type="datetimeFigureOut">
               <a:rPr lang="zh-CN" altLang="en-US" smtClean="0"/>
-              <a:t>2017/4/9</a:t>
+              <a:t>2017/4/10</a:t>
             </a:fld>
             <a:endParaRPr lang="zh-CN" altLang="en-US"/>
           </a:p>
@@ -500,7 +500,7 @@
           <a:p>
             <a:fld id="{DD8DEB8A-7DC9-4460-89D1-0B81B49F64E2}" type="datetimeFigureOut">
               <a:rPr lang="zh-CN" altLang="en-US" smtClean="0"/>
-              <a:t>2017/4/9</a:t>
+              <a:t>2017/4/10</a:t>
             </a:fld>
             <a:endParaRPr lang="zh-CN" altLang="en-US"/>
           </a:p>
@@ -675,7 +675,7 @@
           <a:p>
             <a:fld id="{DD8DEB8A-7DC9-4460-89D1-0B81B49F64E2}" type="datetimeFigureOut">
               <a:rPr lang="zh-CN" altLang="en-US" smtClean="0"/>
-              <a:t>2017/4/9</a:t>
+              <a:t>2017/4/10</a:t>
             </a:fld>
             <a:endParaRPr lang="zh-CN" altLang="en-US"/>
           </a:p>
@@ -793,7 +793,7 @@
           <a:p>
             <a:fld id="{DD8DEB8A-7DC9-4460-89D1-0B81B49F64E2}" type="datetimeFigureOut">
               <a:rPr lang="zh-CN" altLang="en-US" smtClean="0"/>
-              <a:t>2017/4/9</a:t>
+              <a:t>2017/4/10</a:t>
             </a:fld>
             <a:endParaRPr lang="zh-CN" altLang="en-US"/>
           </a:p>
@@ -1091,7 +1091,7 @@
           <a:p>
             <a:fld id="{DD8DEB8A-7DC9-4460-89D1-0B81B49F64E2}" type="datetimeFigureOut">
               <a:rPr lang="zh-CN" altLang="en-US" smtClean="0"/>
-              <a:t>2017/4/9</a:t>
+              <a:t>2017/4/10</a:t>
             </a:fld>
             <a:endParaRPr lang="zh-CN" altLang="en-US"/>
           </a:p>
@@ -1384,7 +1384,7 @@
           <a:p>
             <a:fld id="{DD8DEB8A-7DC9-4460-89D1-0B81B49F64E2}" type="datetimeFigureOut">
               <a:rPr lang="zh-CN" altLang="en-US" smtClean="0"/>
-              <a:t>2017/4/9</a:t>
+              <a:t>2017/4/10</a:t>
             </a:fld>
             <a:endParaRPr lang="zh-CN" altLang="en-US"/>
           </a:p>
@@ -1812,7 +1812,7 @@
           <a:p>
             <a:fld id="{DD8DEB8A-7DC9-4460-89D1-0B81B49F64E2}" type="datetimeFigureOut">
               <a:rPr lang="zh-CN" altLang="en-US" smtClean="0"/>
-              <a:t>2017/4/9</a:t>
+              <a:t>2017/4/10</a:t>
             </a:fld>
             <a:endParaRPr lang="zh-CN" altLang="en-US"/>
           </a:p>
@@ -1930,7 +1930,7 @@
           <a:p>
             <a:fld id="{DD8DEB8A-7DC9-4460-89D1-0B81B49F64E2}" type="datetimeFigureOut">
               <a:rPr lang="zh-CN" altLang="en-US" smtClean="0"/>
-              <a:t>2017/4/9</a:t>
+              <a:t>2017/4/10</a:t>
             </a:fld>
             <a:endParaRPr lang="zh-CN" altLang="en-US"/>
           </a:p>
@@ -2020,7 +2020,7 @@
           <a:p>
             <a:fld id="{DD8DEB8A-7DC9-4460-89D1-0B81B49F64E2}" type="datetimeFigureOut">
               <a:rPr lang="zh-CN" altLang="en-US" smtClean="0"/>
-              <a:t>2017/4/9</a:t>
+              <a:t>2017/4/10</a:t>
             </a:fld>
             <a:endParaRPr lang="zh-CN" altLang="en-US"/>
           </a:p>
@@ -2270,7 +2270,7 @@
           <a:p>
             <a:fld id="{DD8DEB8A-7DC9-4460-89D1-0B81B49F64E2}" type="datetimeFigureOut">
               <a:rPr lang="zh-CN" altLang="en-US" smtClean="0"/>
-              <a:t>2017/4/9</a:t>
+              <a:t>2017/4/10</a:t>
             </a:fld>
             <a:endParaRPr lang="zh-CN" altLang="en-US"/>
           </a:p>
@@ -2786,7 +2786,7 @@
           <a:p>
             <a:fld id="{DD8DEB8A-7DC9-4460-89D1-0B81B49F64E2}" type="datetimeFigureOut">
               <a:rPr lang="zh-CN" altLang="en-US" smtClean="0"/>
-              <a:t>2017/4/9</a:t>
+              <a:t>2017/4/10</a:t>
             </a:fld>
             <a:endParaRPr lang="zh-CN" altLang="en-US"/>
           </a:p>
@@ -3016,7 +3016,7 @@
           <a:p>
             <a:fld id="{DD8DEB8A-7DC9-4460-89D1-0B81B49F64E2}" type="datetimeFigureOut">
               <a:rPr lang="zh-CN" altLang="en-US" smtClean="0"/>
-              <a:t>2017/4/9</a:t>
+              <a:t>2017/4/10</a:t>
             </a:fld>
             <a:endParaRPr lang="zh-CN" altLang="en-US"/>
           </a:p>
@@ -3560,8 +3560,12 @@
           <a:lstStyle/>
           <a:p>
             <a:r>
-              <a:rPr lang="zh-CN" altLang="en-US" sz="4800" b="1" dirty="0"/>
-              <a:t>项目计划</a:t>
+              <a:rPr lang="en-US" altLang="zh-CN" sz="4800" b="1" dirty="0" smtClean="0"/>
+              <a:t>RPG</a:t>
+            </a:r>
+            <a:r>
+              <a:rPr lang="zh-CN" altLang="en-US" sz="4800" b="1" dirty="0" smtClean="0"/>
+              <a:t>游戏制作项目计划</a:t>
             </a:r>
             <a:endParaRPr lang="zh-CN" altLang="en-US" sz="4800" dirty="0"/>
           </a:p>
@@ -5245,11 +5249,7 @@
             </a:r>
             <a:r>
               <a:rPr lang="zh-CN" altLang="en-US" sz="4800" dirty="0" smtClean="0"/>
-              <a:t>项目</a:t>
-            </a:r>
-            <a:r>
-              <a:rPr lang="zh-CN" altLang="en-US" sz="4800" dirty="0" smtClean="0"/>
-              <a:t>组织</a:t>
+              <a:t>项目组织</a:t>
             </a:r>
             <a:endParaRPr lang="zh-CN" altLang="en-US" sz="4800" dirty="0"/>
           </a:p>
@@ -5370,6 +5370,104 @@
           </a:p>
         </p:txBody>
       </p:sp>
+      <p:sp>
+        <p:nvSpPr>
+          <p:cNvPr id="3" name="右箭头 2"/>
+          <p:cNvSpPr/>
+          <p:nvPr/>
+        </p:nvSpPr>
+        <p:spPr>
+          <a:xfrm>
+            <a:off x="1691680" y="5445224"/>
+            <a:ext cx="432048" cy="504056"/>
+          </a:xfrm>
+          <a:prstGeom prst="rightArrow">
+            <a:avLst/>
+          </a:prstGeom>
+          <a:solidFill>
+            <a:srgbClr val="0070C0"/>
+          </a:solidFill>
+        </p:spPr>
+        <p:style>
+          <a:lnRef idx="2">
+            <a:schemeClr val="accent1">
+              <a:shade val="50000"/>
+            </a:schemeClr>
+          </a:lnRef>
+          <a:fillRef idx="1">
+            <a:schemeClr val="accent1"/>
+          </a:fillRef>
+          <a:effectRef idx="0">
+            <a:schemeClr val="accent1"/>
+          </a:effectRef>
+          <a:fontRef idx="minor">
+            <a:schemeClr val="lt1"/>
+          </a:fontRef>
+        </p:style>
+        <p:txBody>
+          <a:bodyPr rtlCol="0" anchor="ctr"/>
+          <a:lstStyle/>
+          <a:p>
+            <a:pPr algn="ctr"/>
+            <a:endParaRPr lang="zh-CN" altLang="en-US"/>
+          </a:p>
+        </p:txBody>
+      </p:sp>
+      <p:sp>
+        <p:nvSpPr>
+          <p:cNvPr id="5" name="矩形 4"/>
+          <p:cNvSpPr/>
+          <p:nvPr/>
+        </p:nvSpPr>
+        <p:spPr>
+          <a:xfrm>
+            <a:off x="2267744" y="5229200"/>
+            <a:ext cx="792088" cy="1008112"/>
+          </a:xfrm>
+          <a:prstGeom prst="rect">
+            <a:avLst/>
+          </a:prstGeom>
+          <a:solidFill>
+            <a:schemeClr val="tx1"/>
+          </a:solidFill>
+        </p:spPr>
+        <p:style>
+          <a:lnRef idx="2">
+            <a:schemeClr val="accent1">
+              <a:shade val="50000"/>
+            </a:schemeClr>
+          </a:lnRef>
+          <a:fillRef idx="1">
+            <a:schemeClr val="accent1"/>
+          </a:fillRef>
+          <a:effectRef idx="0">
+            <a:schemeClr val="accent1"/>
+          </a:effectRef>
+          <a:fontRef idx="minor">
+            <a:schemeClr val="lt1"/>
+          </a:fontRef>
+        </p:style>
+        <p:txBody>
+          <a:bodyPr rtlCol="0" anchor="ctr"/>
+          <a:lstStyle/>
+          <a:p>
+            <a:pPr algn="ctr"/>
+            <a:r>
+              <a:rPr lang="zh-CN" altLang="en-US" dirty="0" smtClean="0">
+                <a:solidFill>
+                  <a:schemeClr val="bg1"/>
+                </a:solidFill>
+              </a:rPr>
+              <a:t>剧情流程确定</a:t>
+            </a:r>
+            <a:endParaRPr lang="zh-CN" altLang="en-US" dirty="0">
+              <a:solidFill>
+                <a:schemeClr val="bg1"/>
+              </a:solidFill>
+            </a:endParaRPr>
+          </a:p>
+        </p:txBody>
+      </p:sp>
     </p:spTree>
     <p:extLst>
       <p:ext uri="{BB962C8B-B14F-4D97-AF65-F5344CB8AC3E}">
@@ -5921,12 +6019,12 @@
                         </a:spcAft>
                       </a:pPr>
                       <a:r>
-                        <a:rPr lang="en-US" sz="3000" kern="100">
+                        <a:rPr lang="en-US" sz="3000" kern="100" dirty="0">
                           <a:effectLst/>
                         </a:rPr>
                         <a:t>√</a:t>
                       </a:r>
-                      <a:endParaRPr lang="zh-CN" sz="1400" kern="100">
+                      <a:endParaRPr lang="zh-CN" sz="1400" kern="100" dirty="0">
                         <a:effectLst/>
                         <a:latin typeface="Calibri"/>
                         <a:ea typeface="宋体"/>
@@ -6303,7 +6401,15 @@
           <a:p>
             <a:r>
               <a:rPr lang="zh-CN" altLang="zh-CN" sz="2400" dirty="0"/>
-              <a:t>补充：郑丁公，嵇德宏</a:t>
+              <a:t>补充</a:t>
+            </a:r>
+            <a:r>
+              <a:rPr lang="zh-CN" altLang="zh-CN" sz="2400" dirty="0" smtClean="0"/>
+              <a:t>：嵇</a:t>
+            </a:r>
+            <a:r>
+              <a:rPr lang="zh-CN" altLang="zh-CN" sz="2400" dirty="0"/>
+              <a:t>德宏</a:t>
             </a:r>
           </a:p>
           <a:p>
@@ -6347,8 +6453,13 @@
           <a:p>
             <a:r>
               <a:rPr lang="zh-CN" altLang="zh-CN" sz="2400" dirty="0"/>
-              <a:t>补充：嵇德宏，谢正树</a:t>
-            </a:r>
+              <a:t>补充：嵇德</a:t>
+            </a:r>
+            <a:r>
+              <a:rPr lang="zh-CN" altLang="zh-CN" sz="2400" dirty="0" smtClean="0"/>
+              <a:t>宏</a:t>
+            </a:r>
+            <a:endParaRPr lang="en-US" altLang="zh-CN" sz="2400" dirty="0" smtClean="0"/>
           </a:p>
           <a:p>
             <a:r>
@@ -6388,8 +6499,33 @@
           <a:p>
             <a:r>
               <a:rPr lang="zh-CN" altLang="zh-CN" sz="2400" dirty="0"/>
-              <a:t>主要以文案为指导，谢正树与郑丁公进行制作。</a:t>
-            </a:r>
+              <a:t>主要以文案为指导，</a:t>
+            </a:r>
+            <a:r>
+              <a:rPr lang="zh-CN" altLang="zh-CN" sz="2400" dirty="0" smtClean="0"/>
+              <a:t>谢正树</a:t>
+            </a:r>
+            <a:r>
+              <a:rPr lang="zh-CN" altLang="en-US" sz="2400" dirty="0" smtClean="0"/>
+              <a:t>制作剧情</a:t>
+            </a:r>
+            <a:r>
+              <a:rPr lang="zh-CN" altLang="en-US" sz="2400" dirty="0"/>
+              <a:t>，</a:t>
+            </a:r>
+            <a:r>
+              <a:rPr lang="zh-CN" altLang="zh-CN" sz="2400" dirty="0" smtClean="0"/>
+              <a:t>郑丁公制作</a:t>
+            </a:r>
+            <a:r>
+              <a:rPr lang="zh-CN" altLang="en-US" sz="2400" dirty="0" smtClean="0"/>
+              <a:t>调用的事件，嵇德宏制作游戏环境事件</a:t>
+            </a:r>
+            <a:r>
+              <a:rPr lang="zh-CN" altLang="zh-CN" sz="2400" dirty="0" smtClean="0"/>
+              <a:t>。</a:t>
+            </a:r>
+            <a:endParaRPr lang="zh-CN" altLang="zh-CN" sz="2400" dirty="0"/>
           </a:p>
           <a:p>
             <a:r>
@@ -6413,13 +6549,11 @@
           <a:p>
             <a:r>
               <a:rPr lang="zh-CN" altLang="zh-CN" sz="2400" dirty="0"/>
-              <a:t>补充：郑丁公，谢正树</a:t>
-            </a:r>
-          </a:p>
-          <a:p>
-            <a:r>
-              <a:rPr lang="en-US" altLang="zh-CN" sz="2400" dirty="0"/>
-              <a:t> </a:t>
+              <a:t>补充：郑丁公，</a:t>
+            </a:r>
+            <a:r>
+              <a:rPr lang="zh-CN" altLang="zh-CN" sz="2400" dirty="0" smtClean="0"/>
+              <a:t>谢正树</a:t>
             </a:r>
             <a:endParaRPr lang="zh-CN" altLang="zh-CN" sz="2400" dirty="0"/>
           </a:p>
@@ -14686,11 +14820,7 @@
             <a:pPr algn="ctr"/>
             <a:r>
               <a:rPr lang="en-US" altLang="zh-CN" sz="4800" dirty="0"/>
-              <a:t>6</a:t>
-            </a:r>
-            <a:r>
-              <a:rPr lang="en-US" altLang="zh-CN" sz="4800" dirty="0"/>
-              <a:t> </a:t>
+              <a:t>6 </a:t>
             </a:r>
             <a:r>
               <a:rPr lang="zh-CN" altLang="zh-CN" sz="4800" dirty="0"/>
@@ -14773,16 +14903,20 @@
               <a:t>5</a:t>
             </a:r>
             <a:r>
+              <a:rPr lang="zh-CN" altLang="zh-CN" sz="2400" dirty="0" smtClean="0"/>
+              <a:t>月</a:t>
+            </a:r>
+            <a:r>
+              <a:rPr lang="en-US" altLang="zh-CN" sz="2400" dirty="0" smtClean="0"/>
+              <a:t>22</a:t>
+            </a:r>
+            <a:r>
+              <a:rPr lang="zh-CN" altLang="zh-CN" sz="2400" dirty="0" smtClean="0"/>
+              <a:t>日</a:t>
+            </a:r>
+            <a:r>
               <a:rPr lang="zh-CN" altLang="zh-CN" sz="2400" dirty="0"/>
-              <a:t>月</a:t>
-            </a:r>
-            <a:r>
-              <a:rPr lang="en-US" altLang="zh-CN" sz="2400" dirty="0"/>
-              <a:t>15</a:t>
-            </a:r>
-            <a:r>
-              <a:rPr lang="zh-CN" altLang="zh-CN" sz="2400" dirty="0"/>
-              <a:t>日（最后测试完成）</a:t>
+              <a:t>（最后测试完成）</a:t>
             </a:r>
           </a:p>
           <a:p>
@@ -16939,11 +17073,7 @@
             <a:pPr algn="ctr"/>
             <a:r>
               <a:rPr lang="en-US" altLang="zh-CN" sz="4800" dirty="0" smtClean="0"/>
-              <a:t>1</a:t>
-            </a:r>
-            <a:r>
-              <a:rPr lang="en-US" altLang="zh-CN" sz="4800" dirty="0" smtClean="0"/>
-              <a:t>.</a:t>
+              <a:t>1.</a:t>
             </a:r>
             <a:r>
               <a:rPr lang="zh-CN" altLang="en-US" sz="4800" dirty="0" smtClean="0"/>
@@ -17407,11 +17537,7 @@
             <a:pPr algn="ctr"/>
             <a:r>
               <a:rPr lang="en-US" altLang="zh-CN" sz="4800" b="1" dirty="0" smtClean="0"/>
-              <a:t>2</a:t>
-            </a:r>
-            <a:r>
-              <a:rPr lang="en-US" altLang="zh-CN" sz="4800" b="1" dirty="0" smtClean="0"/>
-              <a:t> </a:t>
+              <a:t>2 </a:t>
             </a:r>
             <a:r>
               <a:rPr lang="zh-CN" altLang="zh-CN" sz="4800" b="1" dirty="0" smtClean="0"/>
@@ -17752,18 +17878,19 @@
           </a:p>
           <a:p>
             <a:r>
+              <a:rPr lang="zh-CN" altLang="en-US" sz="2400" dirty="0" smtClean="0"/>
+              <a:t>第三人称视角控制</a:t>
+            </a:r>
+            <a:endParaRPr lang="en-US" altLang="zh-CN" sz="2400" dirty="0" smtClean="0"/>
+          </a:p>
+          <a:p>
+            <a:r>
               <a:rPr lang="zh-CN" altLang="zh-CN" sz="2400" dirty="0" smtClean="0"/>
-              <a:t>属于</a:t>
+              <a:t>可以</a:t>
             </a:r>
             <a:r>
               <a:rPr lang="zh-CN" altLang="zh-CN" sz="2400" dirty="0"/>
-              <a:t>玩家自己构造的房屋</a:t>
-            </a:r>
-          </a:p>
-          <a:p>
-            <a:r>
-              <a:rPr lang="zh-CN" altLang="zh-CN" sz="2400" dirty="0"/>
-              <a:t>可以招聘人物的侦探所，制定想要完成的</a:t>
+              <a:t>招聘人物的侦探所，制定想要完成的</a:t>
             </a:r>
             <a:r>
               <a:rPr lang="zh-CN" altLang="zh-CN" sz="2400" dirty="0" smtClean="0"/>
